--- a/docs/Java - Working with databases using JDBC.pptx
+++ b/docs/Java - Working with databases using JDBC.pptx
@@ -7,20 +7,23 @@
   </p:sldMasterIdLst>
   <p:sldIdLst>
     <p:sldId id="256" r:id="rId3"/>
-    <p:sldId id="332" r:id="rId4"/>
-    <p:sldId id="333" r:id="rId5"/>
-    <p:sldId id="335" r:id="rId6"/>
-    <p:sldId id="336" r:id="rId7"/>
-    <p:sldId id="337" r:id="rId8"/>
-    <p:sldId id="338" r:id="rId9"/>
-    <p:sldId id="339" r:id="rId10"/>
-    <p:sldId id="340" r:id="rId11"/>
-    <p:sldId id="343" r:id="rId12"/>
-    <p:sldId id="344" r:id="rId13"/>
-    <p:sldId id="345" r:id="rId14"/>
-    <p:sldId id="346" r:id="rId15"/>
-    <p:sldId id="347" r:id="rId16"/>
-    <p:sldId id="342" r:id="rId17"/>
+    <p:sldId id="348" r:id="rId4"/>
+    <p:sldId id="349" r:id="rId5"/>
+    <p:sldId id="350" r:id="rId6"/>
+    <p:sldId id="332" r:id="rId7"/>
+    <p:sldId id="333" r:id="rId8"/>
+    <p:sldId id="335" r:id="rId9"/>
+    <p:sldId id="336" r:id="rId10"/>
+    <p:sldId id="337" r:id="rId11"/>
+    <p:sldId id="338" r:id="rId12"/>
+    <p:sldId id="339" r:id="rId13"/>
+    <p:sldId id="340" r:id="rId14"/>
+    <p:sldId id="343" r:id="rId15"/>
+    <p:sldId id="344" r:id="rId16"/>
+    <p:sldId id="345" r:id="rId17"/>
+    <p:sldId id="346" r:id="rId18"/>
+    <p:sldId id="347" r:id="rId19"/>
+    <p:sldId id="342" r:id="rId20"/>
   </p:sldIdLst>
   <p:sldSz cx="12192000" cy="6858000"/>
   <p:notesSz cx="6858000" cy="9144000"/>
@@ -119,7 +122,68 @@
       </a:defRPr>
     </a:lvl9pPr>
   </p:defaultTextStyle>
+  <p:extLst>
+    <p:ext uri="{EFAFB233-063F-42B5-8137-9DF3F51BA10A}">
+      <p15:sldGuideLst xmlns:p15="http://schemas.microsoft.com/office/powerpoint/2012/main"/>
+    </p:ext>
+  </p:extLst>
 </p:presentation>
+</file>
+
+<file path=ppt/ink/ink1.xml><?xml version="1.0" encoding="utf-8"?>
+<inkml:ink xmlns:inkml="http://www.w3.org/2003/InkML">
+  <inkml:definitions>
+    <inkml:context xml:id="ctx0">
+      <inkml:inkSource xml:id="inkSrc0">
+        <inkml:traceFormat>
+          <inkml:channel name="X" type="integer" min="-2.14748E9" max="2.14748E9" units="cm"/>
+          <inkml:channel name="Y" type="integer" min="-2.14748E9" max="2.14748E9" units="cm"/>
+          <inkml:channel name="F" type="integer" max="32767" units="dev"/>
+        </inkml:traceFormat>
+        <inkml:channelProperties>
+          <inkml:channelProperty channel="X" name="resolution" value="1000" units="1/cm"/>
+          <inkml:channelProperty channel="Y" name="resolution" value="1000" units="1/cm"/>
+          <inkml:channelProperty channel="F" name="resolution" value="0" units="1/dev"/>
+        </inkml:channelProperties>
+      </inkml:inkSource>
+      <inkml:timestamp xml:id="ts0" timeString="2023-05-15T18:55:10.732"/>
+    </inkml:context>
+    <inkml:brush xml:id="br0">
+      <inkml:brushProperty name="width" value="0.05" units="cm"/>
+      <inkml:brushProperty name="height" value="0.05" units="cm"/>
+      <inkml:brushProperty name="color" value="#E71224"/>
+    </inkml:brush>
+  </inkml:definitions>
+  <inkml:trace contextRef="#ctx0" brushRef="#br0">5599 520 24575,'-34'-12'0,"16"5"0,-27-7 0,-2 3 0,1 1 0,-51-3 0,-144 5 0,195 10 0,0 1 0,0 2 0,-70 18 0,-38 2 0,80-16 0,26-4 0,-63-2 0,67-4 0,0 3 0,-44 7 0,44-1 0,-21 4 0,0-2 0,-79 1 0,93-12 0,24-1 0,0 2 0,0 1 0,0 1 0,0 1 0,-43 12 0,35-6 0,0-2 0,-41 5 0,13-3 0,-20 10 0,59-12 0,1-1 0,-50 5 0,-113 4 0,18 3 0,-48 8 0,173-18 0,1 2 0,0 2 0,-68 29 0,-113 69 0,149-71 0,-48 14 0,11-7 0,25 0 0,2 4 0,2 3 0,-108 92 0,138-103 0,-212 190 0,-16 52 0,169-171 0,-113 148 0,161-184 0,26-34 0,-57 90 0,51-59 0,3 2 0,-51 137 0,37-27 0,-3 7 0,38-125 0,2 1 0,-10 98 0,20-118 0,1 23 0,3 125 0,4-112 0,0-61 0,1 1 0,1-1 0,1 0 0,1 0 0,1 0 0,10 24 0,3-2 0,48 85 0,-43-85 0,-3 2 0,25 77 0,-9-19 0,43 149 0,-36-102 0,-21-52 0,-10-38 0,-10-51 0,1 8 0,1 0 0,0 0 0,2 0 0,1-1 0,0 0 0,13 22 0,125 168 0,-106-158 0,90 83 0,-79-86 0,54 48 0,-90-84 0,0-1 0,1-1 0,0-1 0,1 0 0,26 10 0,96 19 0,-95-28 0,0 2 0,44 19 0,16 6 0,-43-17 0,-35-12 0,1-1 0,-1-2 0,43 3 0,-41-5 0,1 1 0,55 15 0,53 22 0,28 10 0,-120-38 0,1-1 0,1-3 0,-1-1 0,1-3 0,0-2 0,63-3 0,-67 2 0,0 2 0,79 18 0,-9-1 0,-101-20 0,69 11 0,114 1 0,-180-13 0,85 0 0,1-3 0,167-29 0,20-39 0,-217 49 0,-22 6 0,75-14 0,-97 25 0,38-14 0,1-1 0,10-2 0,-51 13 0,0 2 0,46-8 0,-51 12 0,0 0 0,0-2 0,-1 0 0,1-1 0,30-14 0,-19 4 0,-1-2 0,39-29 0,66-40 0,-69 47 0,31-15 0,27-36 0,118-79 0,-209 150 0,4-3 0,46-22 0,-42 26 0,0-1 0,-2-2 0,0-2 0,-2-2 0,67-59 0,-14 0 0,-5-4 0,122-165 0,-162 189 0,-4 5 0,60-69 0,-44 60 0,70-112 0,-53 70 0,-26 45 0,144-228 0,-173 258 0,-3-1 0,-1 0 0,-1-2 0,11-54 0,-10 14 0,7-100 0,-13-302 0,-11 321 0,1 130 0,-1 1 0,-2-1 0,-11-46 0,-34-81 0,6 22 0,23 77 0,-3 1 0,-2 1 0,-53-87 0,8 15 0,-150-227 0,201 327 0,-233-293 0,162 213 0,7 18 0,55 61 0,0-1 0,2-1 0,-25-40 0,41 56 0,-2-1 0,0 2 0,-1 0 0,0 0 0,-22-17 0,9 8 0,-23-26 0,35 33 0,-2 0 0,1 2 0,-34-24 0,-315-206 0,191 103 0,63 48 0,97 83-136,1 2-1,-2-1 1,1 2-1,-1-1 1,0 2-1,0 0 1,-1 1-1,0 0 0,-19-3 1,13 5-6690</inkml:trace>
+</inkml:ink>
+</file>
+
+<file path=ppt/ink/ink2.xml><?xml version="1.0" encoding="utf-8"?>
+<inkml:ink xmlns:inkml="http://www.w3.org/2003/InkML">
+  <inkml:definitions>
+    <inkml:context xml:id="ctx0">
+      <inkml:inkSource xml:id="inkSrc0">
+        <inkml:traceFormat>
+          <inkml:channel name="X" type="integer" min="-2.14748E9" max="2.14748E9" units="cm"/>
+          <inkml:channel name="Y" type="integer" min="-2.14748E9" max="2.14748E9" units="cm"/>
+          <inkml:channel name="F" type="integer" max="32767" units="dev"/>
+        </inkml:traceFormat>
+        <inkml:channelProperties>
+          <inkml:channelProperty channel="X" name="resolution" value="1000" units="1/cm"/>
+          <inkml:channelProperty channel="Y" name="resolution" value="1000" units="1/cm"/>
+          <inkml:channelProperty channel="F" name="resolution" value="0" units="1/dev"/>
+        </inkml:channelProperties>
+      </inkml:inkSource>
+      <inkml:timestamp xml:id="ts0" timeString="2023-05-15T18:55:12.930"/>
+    </inkml:context>
+    <inkml:brush xml:id="br0">
+      <inkml:brushProperty name="width" value="0.05" units="cm"/>
+      <inkml:brushProperty name="height" value="0.05" units="cm"/>
+      <inkml:brushProperty name="color" value="#E71224"/>
+    </inkml:brush>
+  </inkml:definitions>
+  <inkml:trace contextRef="#ctx0" brushRef="#br0">1 2 24575,'97'-1'0,"104"3"0,-161 3-433,-1 3 0,61 18 1,-99-26 365,17 5-6759</inkml:trace>
+</inkml:ink>
 </file>
 
 <file path=ppt/slideLayouts/slideLayout1.xml><?xml version="1.0" encoding="utf-8"?>
@@ -269,7 +333,7 @@
           <a:p>
             <a:fld id="{56AAE9B1-F1FB-4C8F-94FA-A48907642DBE}" type="datetimeFigureOut">
               <a:rPr lang="en-US" smtClean="0"/>
-              <a:t>5/13/2023</a:t>
+              <a:t>5/15/2023</a:t>
             </a:fld>
             <a:endParaRPr lang="en-US"/>
           </a:p>
@@ -467,7 +531,7 @@
           <a:p>
             <a:fld id="{56AAE9B1-F1FB-4C8F-94FA-A48907642DBE}" type="datetimeFigureOut">
               <a:rPr lang="en-US" smtClean="0"/>
-              <a:t>5/13/2023</a:t>
+              <a:t>5/15/2023</a:t>
             </a:fld>
             <a:endParaRPr lang="en-US"/>
           </a:p>
@@ -675,7 +739,7 @@
           <a:p>
             <a:fld id="{56AAE9B1-F1FB-4C8F-94FA-A48907642DBE}" type="datetimeFigureOut">
               <a:rPr lang="en-US" smtClean="0"/>
-              <a:t>5/13/2023</a:t>
+              <a:t>5/15/2023</a:t>
             </a:fld>
             <a:endParaRPr lang="en-US"/>
           </a:p>
@@ -2784,7 +2848,7 @@
           <a:p>
             <a:fld id="{56AAE9B1-F1FB-4C8F-94FA-A48907642DBE}" type="datetimeFigureOut">
               <a:rPr lang="en-US" smtClean="0"/>
-              <a:t>5/13/2023</a:t>
+              <a:t>5/15/2023</a:t>
             </a:fld>
             <a:endParaRPr lang="en-US"/>
           </a:p>
@@ -3744,7 +3808,7 @@
           <a:p>
             <a:fld id="{56AAE9B1-F1FB-4C8F-94FA-A48907642DBE}" type="datetimeFigureOut">
               <a:rPr lang="en-US" smtClean="0"/>
-              <a:t>5/13/2023</a:t>
+              <a:t>5/15/2023</a:t>
             </a:fld>
             <a:endParaRPr lang="en-US"/>
           </a:p>
@@ -4009,7 +4073,7 @@
           <a:p>
             <a:fld id="{56AAE9B1-F1FB-4C8F-94FA-A48907642DBE}" type="datetimeFigureOut">
               <a:rPr lang="en-US" smtClean="0"/>
-              <a:t>5/13/2023</a:t>
+              <a:t>5/15/2023</a:t>
             </a:fld>
             <a:endParaRPr lang="en-US"/>
           </a:p>
@@ -4421,7 +4485,7 @@
           <a:p>
             <a:fld id="{56AAE9B1-F1FB-4C8F-94FA-A48907642DBE}" type="datetimeFigureOut">
               <a:rPr lang="en-US" smtClean="0"/>
-              <a:t>5/13/2023</a:t>
+              <a:t>5/15/2023</a:t>
             </a:fld>
             <a:endParaRPr lang="en-US"/>
           </a:p>
@@ -4562,7 +4626,7 @@
           <a:p>
             <a:fld id="{56AAE9B1-F1FB-4C8F-94FA-A48907642DBE}" type="datetimeFigureOut">
               <a:rPr lang="en-US" smtClean="0"/>
-              <a:t>5/13/2023</a:t>
+              <a:t>5/15/2023</a:t>
             </a:fld>
             <a:endParaRPr lang="en-US"/>
           </a:p>
@@ -4675,7 +4739,7 @@
           <a:p>
             <a:fld id="{56AAE9B1-F1FB-4C8F-94FA-A48907642DBE}" type="datetimeFigureOut">
               <a:rPr lang="en-US" smtClean="0"/>
-              <a:t>5/13/2023</a:t>
+              <a:t>5/15/2023</a:t>
             </a:fld>
             <a:endParaRPr lang="en-US"/>
           </a:p>
@@ -4986,7 +5050,7 @@
           <a:p>
             <a:fld id="{56AAE9B1-F1FB-4C8F-94FA-A48907642DBE}" type="datetimeFigureOut">
               <a:rPr lang="en-US" smtClean="0"/>
-              <a:t>5/13/2023</a:t>
+              <a:t>5/15/2023</a:t>
             </a:fld>
             <a:endParaRPr lang="en-US"/>
           </a:p>
@@ -5274,7 +5338,7 @@
           <a:p>
             <a:fld id="{56AAE9B1-F1FB-4C8F-94FA-A48907642DBE}" type="datetimeFigureOut">
               <a:rPr lang="en-US" smtClean="0"/>
-              <a:t>5/13/2023</a:t>
+              <a:t>5/15/2023</a:t>
             </a:fld>
             <a:endParaRPr lang="en-US"/>
           </a:p>
@@ -5515,7 +5579,7 @@
           <a:p>
             <a:fld id="{56AAE9B1-F1FB-4C8F-94FA-A48907642DBE}" type="datetimeFigureOut">
               <a:rPr lang="en-US" smtClean="0"/>
-              <a:t>5/13/2023</a:t>
+              <a:t>5/15/2023</a:t>
             </a:fld>
             <a:endParaRPr lang="en-US"/>
           </a:p>
@@ -6585,10 +6649,10 @@
       </p:grpSpPr>
       <p:sp>
         <p:nvSpPr>
-          <p:cNvPr id="275458" name="Rectangle 2">
-            <a:extLst>
-              <a:ext uri="{FF2B5EF4-FFF2-40B4-BE49-F238E27FC236}">
-                <a16:creationId xmlns:a16="http://schemas.microsoft.com/office/drawing/2014/main" id="{BC7D88CE-B99B-CDF1-B68A-6BDEE93991E1}"/>
+          <p:cNvPr id="270338" name="Rectangle 2">
+            <a:extLst>
+              <a:ext uri="{FF2B5EF4-FFF2-40B4-BE49-F238E27FC236}">
+                <a16:creationId xmlns:a16="http://schemas.microsoft.com/office/drawing/2014/main" id="{C8FA0C9C-9724-8E45-3AB5-3070BD4CB0BF}"/>
               </a:ext>
             </a:extLst>
           </p:cNvPr>
@@ -6606,171 +6670,89 @@
           <a:p>
             <a:r>
               <a:rPr lang="en-US" altLang="en-US"/>
-              <a:t>executeQuery( ) example</a:t>
-            </a:r>
-          </a:p>
-        </p:txBody>
-      </p:sp>
-      <p:sp>
-        <p:nvSpPr>
-          <p:cNvPr id="275459" name="Rectangle 3">
-            <a:extLst>
-              <a:ext uri="{FF2B5EF4-FFF2-40B4-BE49-F238E27FC236}">
-                <a16:creationId xmlns:a16="http://schemas.microsoft.com/office/drawing/2014/main" id="{E8967EE6-5ECC-BD46-3C0D-FC067AEFE94C}"/>
-              </a:ext>
-            </a:extLst>
-          </p:cNvPr>
-          <p:cNvSpPr>
-            <a:spLocks noGrp="1" noChangeArrowheads="1"/>
-          </p:cNvSpPr>
-          <p:nvPr>
-            <p:ph idx="1"/>
-          </p:nvPr>
-        </p:nvSpPr>
-        <p:spPr/>
-        <p:txBody>
-          <a:bodyPr>
-            <a:normAutofit lnSpcReduction="10000"/>
-          </a:bodyPr>
-          <a:lstStyle/>
-          <a:p>
-            <a:pPr>
-              <a:lnSpc>
-                <a:spcPct val="80000"/>
-              </a:lnSpc>
-              <a:buFont typeface="Wingdings" panose="05000000000000000000" pitchFamily="2" charset="2"/>
-              <a:buNone/>
-            </a:pPr>
-            <a:r>
-              <a:rPr lang="en-US" altLang="en-US"/>
-              <a:t>…</a:t>
-            </a:r>
-          </a:p>
-          <a:p>
-            <a:pPr>
-              <a:lnSpc>
-                <a:spcPct val="80000"/>
-              </a:lnSpc>
-              <a:buFont typeface="Wingdings" panose="05000000000000000000" pitchFamily="2" charset="2"/>
-              <a:buNone/>
-            </a:pPr>
-            <a:r>
-              <a:rPr lang="en-US" altLang="en-US"/>
-              <a:t>Statement s = con.createStatement();</a:t>
-            </a:r>
-          </a:p>
-          <a:p>
-            <a:pPr>
-              <a:lnSpc>
-                <a:spcPct val="80000"/>
-              </a:lnSpc>
-              <a:buFont typeface="Wingdings" panose="05000000000000000000" pitchFamily="2" charset="2"/>
-              <a:buNone/>
-            </a:pPr>
-            <a:endParaRPr lang="en-US" altLang="en-US"/>
-          </a:p>
-          <a:p>
-            <a:pPr>
-              <a:lnSpc>
-                <a:spcPct val="80000"/>
-              </a:lnSpc>
-              <a:buFont typeface="Wingdings" panose="05000000000000000000" pitchFamily="2" charset="2"/>
-              <a:buNone/>
-            </a:pPr>
-            <a:r>
-              <a:rPr lang="en-US" altLang="en-US"/>
-              <a:t>ResultSet rs = s.executeQuery(</a:t>
+              <a:t>Methods of the</a:t>
             </a:r>
             <a:br>
               <a:rPr lang="en-US" altLang="en-US"/>
             </a:br>
             <a:r>
               <a:rPr lang="en-US" altLang="en-US"/>
-              <a:t>“SELECT * FROM STUDENT WHERE QPI &gt; 3.0”</a:t>
+              <a:t>Statement Class</a:t>
+            </a:r>
+          </a:p>
+        </p:txBody>
+      </p:sp>
+      <p:sp>
+        <p:nvSpPr>
+          <p:cNvPr id="270339" name="Rectangle 3">
+            <a:extLst>
+              <a:ext uri="{FF2B5EF4-FFF2-40B4-BE49-F238E27FC236}">
+                <a16:creationId xmlns:a16="http://schemas.microsoft.com/office/drawing/2014/main" id="{320CDBE9-EE18-BC2B-C7A4-873B08FA4999}"/>
+              </a:ext>
+            </a:extLst>
+          </p:cNvPr>
+          <p:cNvSpPr>
+            <a:spLocks noGrp="1" noChangeArrowheads="1"/>
+          </p:cNvSpPr>
+          <p:nvPr>
+            <p:ph idx="1"/>
+          </p:nvPr>
+        </p:nvSpPr>
+        <p:spPr/>
+        <p:txBody>
+          <a:bodyPr/>
+          <a:lstStyle/>
+          <a:p>
+            <a:r>
+              <a:rPr lang="en-US" altLang="en-US" sz="2600"/>
+              <a:t>Methods of the Statement class require a string parameter containing the SQL statement</a:t>
+            </a:r>
+          </a:p>
+          <a:p>
+            <a:r>
+              <a:rPr lang="en-US" altLang="en-US" sz="2600"/>
+              <a:t>executeQuery()</a:t>
+            </a:r>
+          </a:p>
+          <a:p>
+            <a:pPr lvl="1"/>
+            <a:r>
+              <a:rPr lang="en-US" altLang="en-US" sz="2200"/>
+              <a:t>requires a String argument (a SELECT statement)</a:t>
+            </a:r>
+          </a:p>
+          <a:p>
+            <a:pPr lvl="1"/>
+            <a:r>
+              <a:rPr lang="en-US" altLang="en-US" sz="2200"/>
+              <a:t>returns a ResultSet object representing the table returned</a:t>
+            </a:r>
+          </a:p>
+          <a:p>
+            <a:r>
+              <a:rPr lang="en-US" altLang="en-US" sz="2600"/>
+              <a:t>executeUpdate()</a:t>
+            </a:r>
+          </a:p>
+          <a:p>
+            <a:pPr lvl="1"/>
+            <a:r>
+              <a:rPr lang="en-US" altLang="en-US" sz="2200"/>
+              <a:t>requires a String argument</a:t>
             </a:r>
             <a:br>
-              <a:rPr lang="en-US" altLang="en-US"/>
+              <a:rPr lang="en-US" altLang="en-US" sz="2200"/>
             </a:br>
             <a:r>
-              <a:rPr lang="en-US" altLang="en-US"/>
-              <a:t>);</a:t>
-            </a:r>
-          </a:p>
-          <a:p>
-            <a:pPr>
-              <a:lnSpc>
-                <a:spcPct val="80000"/>
-              </a:lnSpc>
-              <a:buFont typeface="Wingdings" panose="05000000000000000000" pitchFamily="2" charset="2"/>
-              <a:buNone/>
-            </a:pPr>
-            <a:endParaRPr lang="en-US" altLang="en-US"/>
-          </a:p>
-          <a:p>
-            <a:pPr>
-              <a:lnSpc>
-                <a:spcPct val="80000"/>
-              </a:lnSpc>
-              <a:buFont typeface="Wingdings" panose="05000000000000000000" pitchFamily="2" charset="2"/>
-              <a:buNone/>
-            </a:pPr>
-            <a:r>
-              <a:rPr lang="en-US" altLang="en-US"/>
-              <a:t>while ( rs.next() )</a:t>
-            </a:r>
-          </a:p>
-          <a:p>
-            <a:pPr>
-              <a:lnSpc>
-                <a:spcPct val="80000"/>
-              </a:lnSpc>
-              <a:buFont typeface="Wingdings" panose="05000000000000000000" pitchFamily="2" charset="2"/>
-              <a:buNone/>
-            </a:pPr>
-            <a:r>
-              <a:rPr lang="en-US" altLang="en-US"/>
-              <a:t>{</a:t>
-            </a:r>
-            <a:br>
-              <a:rPr lang="en-US" altLang="en-US"/>
-            </a:br>
-            <a:r>
-              <a:rPr lang="en-US" altLang="en-US"/>
-              <a:t>String name = rs.getString(“LastName”);</a:t>
-            </a:r>
-            <a:br>
-              <a:rPr lang="en-US" altLang="en-US"/>
-            </a:br>
-            <a:r>
-              <a:rPr lang="en-US" altLang="en-US"/>
-              <a:t>int y = rs.getInt(“Year”);</a:t>
-            </a:r>
-            <a:br>
-              <a:rPr lang="en-US" altLang="en-US"/>
-            </a:br>
-            <a:r>
-              <a:rPr lang="en-US" altLang="en-US"/>
-              <a:t>double qpi = rs.getDouble(“QPI”);</a:t>
-            </a:r>
-            <a:br>
-              <a:rPr lang="en-US" altLang="en-US"/>
-            </a:br>
-            <a:r>
-              <a:rPr lang="en-US" altLang="en-US"/>
-              <a:t>System.out.println( name + “ ” + y + “ ” + qpi);</a:t>
-            </a:r>
-          </a:p>
-          <a:p>
-            <a:pPr>
-              <a:lnSpc>
-                <a:spcPct val="80000"/>
-              </a:lnSpc>
-              <a:buFont typeface="Wingdings" panose="05000000000000000000" pitchFamily="2" charset="2"/>
-              <a:buNone/>
-            </a:pPr>
-            <a:r>
-              <a:rPr lang="en-US" altLang="en-US"/>
-              <a:t>}</a:t>
+              <a:rPr lang="en-US" altLang="en-US" sz="2200"/>
+              <a:t>(an INSERT, UPDATE, or DELETE statement)</a:t>
+            </a:r>
+          </a:p>
+          <a:p>
+            <a:pPr lvl="1"/>
+            <a:r>
+              <a:rPr lang="en-US" altLang="en-US" sz="2200"/>
+              <a:t>returns an int (row count, in most cases)</a:t>
             </a:r>
           </a:p>
         </p:txBody>
@@ -6802,10 +6784,10 @@
       </p:grpSpPr>
       <p:sp>
         <p:nvSpPr>
-          <p:cNvPr id="276482" name="Rectangle 2">
-            <a:extLst>
-              <a:ext uri="{FF2B5EF4-FFF2-40B4-BE49-F238E27FC236}">
-                <a16:creationId xmlns:a16="http://schemas.microsoft.com/office/drawing/2014/main" id="{62B0A8C2-AAC1-85E8-88D5-89E6F60F868C}"/>
+          <p:cNvPr id="271362" name="Rectangle 2">
+            <a:extLst>
+              <a:ext uri="{FF2B5EF4-FFF2-40B4-BE49-F238E27FC236}">
+                <a16:creationId xmlns:a16="http://schemas.microsoft.com/office/drawing/2014/main" id="{7A2363D4-ACF8-8ED4-8BB5-6BE3E4BE82B3}"/>
               </a:ext>
             </a:extLst>
           </p:cNvPr>
@@ -6823,17 +6805,17 @@
           <a:p>
             <a:r>
               <a:rPr lang="en-US" altLang="en-US"/>
-              <a:t>executeUpdate( ) example</a:t>
-            </a:r>
-          </a:p>
-        </p:txBody>
-      </p:sp>
-      <p:sp>
-        <p:nvSpPr>
-          <p:cNvPr id="276483" name="Rectangle 3">
-            <a:extLst>
-              <a:ext uri="{FF2B5EF4-FFF2-40B4-BE49-F238E27FC236}">
-                <a16:creationId xmlns:a16="http://schemas.microsoft.com/office/drawing/2014/main" id="{A30FCB9A-7E8F-EA36-81A5-9CA5CB4FA39A}"/>
+              <a:t>The ResultSet Interface</a:t>
+            </a:r>
+          </a:p>
+        </p:txBody>
+      </p:sp>
+      <p:sp>
+        <p:nvSpPr>
+          <p:cNvPr id="271363" name="Rectangle 3">
+            <a:extLst>
+              <a:ext uri="{FF2B5EF4-FFF2-40B4-BE49-F238E27FC236}">
+                <a16:creationId xmlns:a16="http://schemas.microsoft.com/office/drawing/2014/main" id="{9F77A470-ACC4-C5A5-2406-D73906961D2C}"/>
               </a:ext>
             </a:extLst>
           </p:cNvPr>
@@ -6849,75 +6831,38 @@
           <a:bodyPr/>
           <a:lstStyle/>
           <a:p>
-            <a:pPr>
-              <a:buFont typeface="Wingdings" panose="05000000000000000000" pitchFamily="2" charset="2"/>
-              <a:buNone/>
-            </a:pPr>
             <a:r>
               <a:rPr lang="en-US" altLang="en-US"/>
-              <a:t>…</a:t>
-            </a:r>
-          </a:p>
-          <a:p>
-            <a:pPr>
-              <a:buFont typeface="Wingdings" panose="05000000000000000000" pitchFamily="2" charset="2"/>
-              <a:buNone/>
-            </a:pPr>
+              <a:t>A ResultSet object represents the table returned by the select statement sent</a:t>
+            </a:r>
+          </a:p>
+          <a:p>
             <a:r>
               <a:rPr lang="en-US" altLang="en-US"/>
-              <a:t>Statement s = con.createStatement();</a:t>
-            </a:r>
-          </a:p>
-          <a:p>
-            <a:pPr>
-              <a:buFont typeface="Wingdings" panose="05000000000000000000" pitchFamily="2" charset="2"/>
-              <a:buNone/>
-            </a:pPr>
+              <a:t>Navigation/retrieval methods</a:t>
+            </a:r>
+          </a:p>
+          <a:p>
+            <a:pPr lvl="1"/>
             <a:r>
               <a:rPr lang="en-US" altLang="en-US"/>
-              <a:t>int result;</a:t>
-            </a:r>
-          </a:p>
-          <a:p>
-            <a:pPr>
-              <a:buFont typeface="Wingdings" panose="05000000000000000000" pitchFamily="2" charset="2"/>
-              <a:buNone/>
-            </a:pPr>
+              <a:t>next():  moves to the next row (first row if called for the first time), returns false if no rows remain</a:t>
+            </a:r>
+          </a:p>
+          <a:p>
+            <a:pPr lvl="1"/>
             <a:r>
               <a:rPr lang="en-US" altLang="en-US"/>
-              <a:t>result = s.executeUpdate(</a:t>
-            </a:r>
-            <a:br>
+              <a:t>get</a:t>
+            </a:r>
+            <a:r>
+              <a:rPr lang="en-US" altLang="en-US" b="1"/>
+              <a:t>XXX</a:t>
+            </a:r>
+            <a:r>
               <a:rPr lang="en-US" altLang="en-US"/>
-            </a:br>
-            <a:r>
-              <a:rPr lang="en-US" altLang="en-US"/>
-              <a:t>“DELETE FROM EMPLOYEE WHERE DeptCode=‘CS’”</a:t>
-            </a:r>
-            <a:br>
-              <a:rPr lang="en-US" altLang="en-US"/>
-            </a:br>
-            <a:r>
-              <a:rPr lang="en-US" altLang="en-US"/>
-              <a:t>);</a:t>
-            </a:r>
-          </a:p>
-          <a:p>
-            <a:pPr>
-              <a:buFont typeface="Wingdings" panose="05000000000000000000" pitchFamily="2" charset="2"/>
-              <a:buNone/>
-            </a:pPr>
-            <a:r>
-              <a:rPr lang="en-US" altLang="en-US"/>
-              <a:t>System.out.println( result + “ rows deleted.” );</a:t>
-            </a:r>
-          </a:p>
-          <a:p>
-            <a:pPr>
-              <a:buFont typeface="Wingdings" panose="05000000000000000000" pitchFamily="2" charset="2"/>
-              <a:buNone/>
-            </a:pPr>
-            <a:endParaRPr lang="en-US" altLang="en-US"/>
+              <a:t>() methods return the value of a field for the current row </a:t>
+            </a:r>
           </a:p>
         </p:txBody>
       </p:sp>
@@ -6948,10 +6893,10 @@
       </p:grpSpPr>
       <p:sp>
         <p:nvSpPr>
-          <p:cNvPr id="277506" name="Rectangle 2">
-            <a:extLst>
-              <a:ext uri="{FF2B5EF4-FFF2-40B4-BE49-F238E27FC236}">
-                <a16:creationId xmlns:a16="http://schemas.microsoft.com/office/drawing/2014/main" id="{5AF9256E-CAF9-47E2-911F-C36EE830C964}"/>
+          <p:cNvPr id="272386" name="Rectangle 2">
+            <a:extLst>
+              <a:ext uri="{FF2B5EF4-FFF2-40B4-BE49-F238E27FC236}">
+                <a16:creationId xmlns:a16="http://schemas.microsoft.com/office/drawing/2014/main" id="{B859F57E-7BFD-A846-9C7E-52AF8DCB65BE}"/>
               </a:ext>
             </a:extLst>
           </p:cNvPr>
@@ -6969,17 +6914,17 @@
           <a:p>
             <a:r>
               <a:rPr lang="en-US" altLang="en-US"/>
-              <a:t>The PreparedStatement class</a:t>
-            </a:r>
-          </a:p>
-        </p:txBody>
-      </p:sp>
-      <p:sp>
-        <p:nvSpPr>
-          <p:cNvPr id="277507" name="Rectangle 3">
-            <a:extLst>
-              <a:ext uri="{FF2B5EF4-FFF2-40B4-BE49-F238E27FC236}">
-                <a16:creationId xmlns:a16="http://schemas.microsoft.com/office/drawing/2014/main" id="{4783549D-96E5-339D-5730-1500BA9251C8}"/>
+              <a:t>ResulSet example</a:t>
+            </a:r>
+          </a:p>
+        </p:txBody>
+      </p:sp>
+      <p:sp>
+        <p:nvSpPr>
+          <p:cNvPr id="272387" name="Rectangle 3">
+            <a:extLst>
+              <a:ext uri="{FF2B5EF4-FFF2-40B4-BE49-F238E27FC236}">
+                <a16:creationId xmlns:a16="http://schemas.microsoft.com/office/drawing/2014/main" id="{990541BB-9D7C-82CC-8B54-EE42D34EA0F4}"/>
               </a:ext>
             </a:extLst>
           </p:cNvPr>
@@ -6995,28 +6940,252 @@
           <a:bodyPr/>
           <a:lstStyle/>
           <a:p>
+            <a:pPr>
+              <a:buFont typeface="Wingdings" panose="05000000000000000000" pitchFamily="2" charset="2"/>
+              <a:buNone/>
+            </a:pPr>
             <a:r>
               <a:rPr lang="en-US" altLang="en-US"/>
-              <a:t>PreparedStatement:  a Statement that specifies parameters through Java code</a:t>
-            </a:r>
-          </a:p>
-          <a:p>
+              <a:t>ResultSet rs;</a:t>
+            </a:r>
+          </a:p>
+          <a:p>
+            <a:pPr>
+              <a:buFont typeface="Wingdings" panose="05000000000000000000" pitchFamily="2" charset="2"/>
+              <a:buNone/>
+            </a:pPr>
             <a:r>
               <a:rPr lang="en-US" altLang="en-US"/>
-              <a:t>The SQL statements take different forms when you specify different parameter values</a:t>
-            </a:r>
-          </a:p>
-          <a:p>
+              <a:t>rs = s.executeQuery(“SELECT * FROM [ORDER]”);</a:t>
+            </a:r>
+          </a:p>
+          <a:p>
+            <a:pPr>
+              <a:buFont typeface="Wingdings" panose="05000000000000000000" pitchFamily="2" charset="2"/>
+              <a:buNone/>
+            </a:pPr>
             <a:r>
               <a:rPr lang="en-US" altLang="en-US"/>
-              <a:t>Useful when query is performed repeatedly</a:t>
-            </a:r>
-          </a:p>
-          <a:p>
+              <a:t>rs.next(); // gets the first row (use in a loop for multiple rows)</a:t>
+            </a:r>
+          </a:p>
+          <a:p>
+            <a:pPr>
+              <a:buFont typeface="Wingdings" panose="05000000000000000000" pitchFamily="2" charset="2"/>
+              <a:buNone/>
+            </a:pPr>
+            <a:endParaRPr lang="en-US" altLang="en-US"/>
+          </a:p>
+          <a:p>
+            <a:pPr>
+              <a:buFont typeface="Wingdings" panose="05000000000000000000" pitchFamily="2" charset="2"/>
+              <a:buNone/>
+            </a:pPr>
             <a:r>
               <a:rPr lang="en-US" altLang="en-US"/>
-              <a:t>Formatting of literal values is easier</a:t>
-            </a:r>
+              <a:t>// suppose the ORDER table has an integer field</a:t>
+            </a:r>
+          </a:p>
+          <a:p>
+            <a:pPr>
+              <a:buFont typeface="Wingdings" panose="05000000000000000000" pitchFamily="2" charset="2"/>
+              <a:buNone/>
+            </a:pPr>
+            <a:r>
+              <a:rPr lang="en-US" altLang="en-US"/>
+              <a:t>// called </a:t>
+            </a:r>
+            <a:r>
+              <a:rPr lang="en-US" altLang="en-US" i="1"/>
+              <a:t>quantity</a:t>
+            </a:r>
+            <a:r>
+              <a:rPr lang="en-US" altLang="en-US"/>
+              <a:t> </a:t>
+            </a:r>
+          </a:p>
+          <a:p>
+            <a:pPr>
+              <a:buFont typeface="Wingdings" panose="05000000000000000000" pitchFamily="2" charset="2"/>
+              <a:buNone/>
+            </a:pPr>
+            <a:r>
+              <a:rPr lang="en-US" altLang="en-US"/>
+              <a:t>int myvar = rs.getInt(“quantity”);</a:t>
+            </a:r>
+          </a:p>
+          <a:p>
+            <a:pPr>
+              <a:buFont typeface="Wingdings" panose="05000000000000000000" pitchFamily="2" charset="2"/>
+              <a:buNone/>
+            </a:pPr>
+            <a:r>
+              <a:rPr lang="en-US" altLang="en-US"/>
+              <a:t>// if you knew that quantity is the 2nd field in the table</a:t>
+            </a:r>
+          </a:p>
+          <a:p>
+            <a:pPr>
+              <a:buFont typeface="Wingdings" panose="05000000000000000000" pitchFamily="2" charset="2"/>
+              <a:buNone/>
+            </a:pPr>
+            <a:r>
+              <a:rPr lang="en-US" altLang="en-US"/>
+              <a:t>myvar = rs.getInt(2);</a:t>
+            </a:r>
+          </a:p>
+        </p:txBody>
+      </p:sp>
+      <p:sp>
+        <p:nvSpPr>
+          <p:cNvPr id="272388" name="Text Box 4">
+            <a:extLst>
+              <a:ext uri="{FF2B5EF4-FFF2-40B4-BE49-F238E27FC236}">
+                <a16:creationId xmlns:a16="http://schemas.microsoft.com/office/drawing/2014/main" id="{9587472C-E2AD-C36B-5B7F-5DA3E2D64ADC}"/>
+              </a:ext>
+            </a:extLst>
+          </p:cNvPr>
+          <p:cNvSpPr txBox="1">
+            <a:spLocks noChangeArrowheads="1"/>
+          </p:cNvSpPr>
+          <p:nvPr/>
+        </p:nvSpPr>
+        <p:spPr bwMode="auto">
+          <a:xfrm>
+            <a:off x="6477001" y="838200"/>
+            <a:ext cx="2173737" cy="923330"/>
+          </a:xfrm>
+          <a:prstGeom prst="rect">
+            <a:avLst/>
+          </a:prstGeom>
+          <a:noFill/>
+          <a:ln w="9525">
+            <a:solidFill>
+              <a:schemeClr val="tx2"/>
+            </a:solidFill>
+            <a:miter lim="800000"/>
+            <a:headEnd/>
+            <a:tailEnd/>
+          </a:ln>
+          <a:effectLst/>
+          <a:extLst>
+            <a:ext uri="{909E8E84-426E-40DD-AFC4-6F175D3DCCD1}">
+              <a14:hiddenFill xmlns:a14="http://schemas.microsoft.com/office/drawing/2010/main">
+                <a:solidFill>
+                  <a:schemeClr val="accent1"/>
+                </a:solidFill>
+              </a14:hiddenFill>
+            </a:ext>
+            <a:ext uri="{AF507438-7753-43E0-B8FC-AC1667EBCBE1}">
+              <a14:hiddenEffects xmlns:a14="http://schemas.microsoft.com/office/drawing/2010/main">
+                <a:effectLst>
+                  <a:outerShdw dist="35921" dir="2700000" algn="ctr" rotWithShape="0">
+                    <a:schemeClr val="bg2"/>
+                  </a:outerShdw>
+                </a:effectLst>
+              </a14:hiddenEffects>
+            </a:ext>
+          </a:extLst>
+        </p:spPr>
+        <p:txBody>
+          <a:bodyPr wrap="none">
+            <a:spAutoFit/>
+          </a:bodyPr>
+          <a:lstStyle/>
+          <a:p>
+            <a:r>
+              <a:rPr lang="en-US" altLang="en-US">
+                <a:solidFill>
+                  <a:prstClr val="black"/>
+                </a:solidFill>
+                <a:latin typeface="Calibri" panose="020F0502020204030204"/>
+              </a:rPr>
+              <a:t>Need braces because</a:t>
+            </a:r>
+          </a:p>
+          <a:p>
+            <a:r>
+              <a:rPr lang="en-US" altLang="en-US">
+                <a:solidFill>
+                  <a:prstClr val="black"/>
+                </a:solidFill>
+                <a:latin typeface="Calibri" panose="020F0502020204030204"/>
+              </a:rPr>
+              <a:t>ORDER is a reserved</a:t>
+            </a:r>
+          </a:p>
+          <a:p>
+            <a:r>
+              <a:rPr lang="en-US" altLang="en-US">
+                <a:solidFill>
+                  <a:prstClr val="black"/>
+                </a:solidFill>
+                <a:latin typeface="Calibri" panose="020F0502020204030204"/>
+              </a:rPr>
+              <a:t>word in SQL</a:t>
+            </a:r>
+          </a:p>
+        </p:txBody>
+      </p:sp>
+      <p:sp>
+        <p:nvSpPr>
+          <p:cNvPr id="272389" name="Line 5">
+            <a:extLst>
+              <a:ext uri="{FF2B5EF4-FFF2-40B4-BE49-F238E27FC236}">
+                <a16:creationId xmlns:a16="http://schemas.microsoft.com/office/drawing/2014/main" id="{782179D7-ADC1-48C4-A6D1-94AFCC53DF57}"/>
+              </a:ext>
+            </a:extLst>
+          </p:cNvPr>
+          <p:cNvSpPr>
+            <a:spLocks noChangeShapeType="1"/>
+          </p:cNvSpPr>
+          <p:nvPr/>
+        </p:nvSpPr>
+        <p:spPr bwMode="auto">
+          <a:xfrm>
+            <a:off x="7239000" y="1828800"/>
+            <a:ext cx="76200" cy="304800"/>
+          </a:xfrm>
+          <a:prstGeom prst="line">
+            <a:avLst/>
+          </a:prstGeom>
+          <a:noFill/>
+          <a:ln w="9525">
+            <a:solidFill>
+              <a:schemeClr val="tx1"/>
+            </a:solidFill>
+            <a:round/>
+            <a:headEnd/>
+            <a:tailEnd type="triangle" w="med" len="med"/>
+          </a:ln>
+          <a:effectLst/>
+          <a:extLst>
+            <a:ext uri="{909E8E84-426E-40DD-AFC4-6F175D3DCCD1}">
+              <a14:hiddenFill xmlns:a14="http://schemas.microsoft.com/office/drawing/2010/main">
+                <a:noFill/>
+              </a14:hiddenFill>
+            </a:ext>
+            <a:ext uri="{AF507438-7753-43E0-B8FC-AC1667EBCBE1}">
+              <a14:hiddenEffects xmlns:a14="http://schemas.microsoft.com/office/drawing/2010/main">
+                <a:effectLst>
+                  <a:outerShdw dist="35921" dir="2700000" algn="ctr" rotWithShape="0">
+                    <a:schemeClr val="bg2"/>
+                  </a:outerShdw>
+                </a:effectLst>
+              </a14:hiddenEffects>
+            </a:ext>
+          </a:extLst>
+        </p:spPr>
+        <p:txBody>
+          <a:bodyPr/>
+          <a:lstStyle/>
+          <a:p>
+            <a:endParaRPr lang="en-US">
+              <a:solidFill>
+                <a:prstClr val="black"/>
+              </a:solidFill>
+              <a:latin typeface="Calibri" panose="020F0502020204030204"/>
+            </a:endParaRPr>
           </a:p>
         </p:txBody>
       </p:sp>
@@ -7029,6 +7198,468 @@
 </file>
 
 <file path=ppt/slides/slide13.xml><?xml version="1.0" encoding="utf-8"?>
+<p:sld xmlns:a="http://schemas.openxmlformats.org/drawingml/2006/main" xmlns:r="http://schemas.openxmlformats.org/officeDocument/2006/relationships" xmlns:p="http://schemas.openxmlformats.org/presentationml/2006/main">
+  <p:cSld>
+    <p:spTree>
+      <p:nvGrpSpPr>
+        <p:cNvPr id="1" name=""/>
+        <p:cNvGrpSpPr/>
+        <p:nvPr/>
+      </p:nvGrpSpPr>
+      <p:grpSpPr>
+        <a:xfrm>
+          <a:off x="0" y="0"/>
+          <a:ext cx="0" cy="0"/>
+          <a:chOff x="0" y="0"/>
+          <a:chExt cx="0" cy="0"/>
+        </a:xfrm>
+      </p:grpSpPr>
+      <p:sp>
+        <p:nvSpPr>
+          <p:cNvPr id="275458" name="Rectangle 2">
+            <a:extLst>
+              <a:ext uri="{FF2B5EF4-FFF2-40B4-BE49-F238E27FC236}">
+                <a16:creationId xmlns:a16="http://schemas.microsoft.com/office/drawing/2014/main" id="{BC7D88CE-B99B-CDF1-B68A-6BDEE93991E1}"/>
+              </a:ext>
+            </a:extLst>
+          </p:cNvPr>
+          <p:cNvSpPr>
+            <a:spLocks noGrp="1" noChangeArrowheads="1"/>
+          </p:cNvSpPr>
+          <p:nvPr>
+            <p:ph type="title"/>
+          </p:nvPr>
+        </p:nvSpPr>
+        <p:spPr/>
+        <p:txBody>
+          <a:bodyPr/>
+          <a:lstStyle/>
+          <a:p>
+            <a:r>
+              <a:rPr lang="en-US" altLang="en-US"/>
+              <a:t>executeQuery( ) example</a:t>
+            </a:r>
+          </a:p>
+        </p:txBody>
+      </p:sp>
+      <p:sp>
+        <p:nvSpPr>
+          <p:cNvPr id="275459" name="Rectangle 3">
+            <a:extLst>
+              <a:ext uri="{FF2B5EF4-FFF2-40B4-BE49-F238E27FC236}">
+                <a16:creationId xmlns:a16="http://schemas.microsoft.com/office/drawing/2014/main" id="{E8967EE6-5ECC-BD46-3C0D-FC067AEFE94C}"/>
+              </a:ext>
+            </a:extLst>
+          </p:cNvPr>
+          <p:cNvSpPr>
+            <a:spLocks noGrp="1" noChangeArrowheads="1"/>
+          </p:cNvSpPr>
+          <p:nvPr>
+            <p:ph idx="1"/>
+          </p:nvPr>
+        </p:nvSpPr>
+        <p:spPr/>
+        <p:txBody>
+          <a:bodyPr>
+            <a:normAutofit lnSpcReduction="10000"/>
+          </a:bodyPr>
+          <a:lstStyle/>
+          <a:p>
+            <a:pPr>
+              <a:lnSpc>
+                <a:spcPct val="80000"/>
+              </a:lnSpc>
+              <a:buFont typeface="Wingdings" panose="05000000000000000000" pitchFamily="2" charset="2"/>
+              <a:buNone/>
+            </a:pPr>
+            <a:r>
+              <a:rPr lang="en-US" altLang="en-US"/>
+              <a:t>…</a:t>
+            </a:r>
+          </a:p>
+          <a:p>
+            <a:pPr>
+              <a:lnSpc>
+                <a:spcPct val="80000"/>
+              </a:lnSpc>
+              <a:buFont typeface="Wingdings" panose="05000000000000000000" pitchFamily="2" charset="2"/>
+              <a:buNone/>
+            </a:pPr>
+            <a:r>
+              <a:rPr lang="en-US" altLang="en-US"/>
+              <a:t>Statement s = con.createStatement();</a:t>
+            </a:r>
+          </a:p>
+          <a:p>
+            <a:pPr>
+              <a:lnSpc>
+                <a:spcPct val="80000"/>
+              </a:lnSpc>
+              <a:buFont typeface="Wingdings" panose="05000000000000000000" pitchFamily="2" charset="2"/>
+              <a:buNone/>
+            </a:pPr>
+            <a:endParaRPr lang="en-US" altLang="en-US"/>
+          </a:p>
+          <a:p>
+            <a:pPr>
+              <a:lnSpc>
+                <a:spcPct val="80000"/>
+              </a:lnSpc>
+              <a:buFont typeface="Wingdings" panose="05000000000000000000" pitchFamily="2" charset="2"/>
+              <a:buNone/>
+            </a:pPr>
+            <a:r>
+              <a:rPr lang="en-US" altLang="en-US"/>
+              <a:t>ResultSet rs = s.executeQuery(</a:t>
+            </a:r>
+            <a:br>
+              <a:rPr lang="en-US" altLang="en-US"/>
+            </a:br>
+            <a:r>
+              <a:rPr lang="en-US" altLang="en-US"/>
+              <a:t>“SELECT * FROM STUDENT WHERE QPI &gt; 3.0”</a:t>
+            </a:r>
+            <a:br>
+              <a:rPr lang="en-US" altLang="en-US"/>
+            </a:br>
+            <a:r>
+              <a:rPr lang="en-US" altLang="en-US"/>
+              <a:t>);</a:t>
+            </a:r>
+          </a:p>
+          <a:p>
+            <a:pPr>
+              <a:lnSpc>
+                <a:spcPct val="80000"/>
+              </a:lnSpc>
+              <a:buFont typeface="Wingdings" panose="05000000000000000000" pitchFamily="2" charset="2"/>
+              <a:buNone/>
+            </a:pPr>
+            <a:endParaRPr lang="en-US" altLang="en-US"/>
+          </a:p>
+          <a:p>
+            <a:pPr>
+              <a:lnSpc>
+                <a:spcPct val="80000"/>
+              </a:lnSpc>
+              <a:buFont typeface="Wingdings" panose="05000000000000000000" pitchFamily="2" charset="2"/>
+              <a:buNone/>
+            </a:pPr>
+            <a:r>
+              <a:rPr lang="en-US" altLang="en-US"/>
+              <a:t>while ( rs.next() )</a:t>
+            </a:r>
+          </a:p>
+          <a:p>
+            <a:pPr>
+              <a:lnSpc>
+                <a:spcPct val="80000"/>
+              </a:lnSpc>
+              <a:buFont typeface="Wingdings" panose="05000000000000000000" pitchFamily="2" charset="2"/>
+              <a:buNone/>
+            </a:pPr>
+            <a:r>
+              <a:rPr lang="en-US" altLang="en-US"/>
+              <a:t>{</a:t>
+            </a:r>
+            <a:br>
+              <a:rPr lang="en-US" altLang="en-US"/>
+            </a:br>
+            <a:r>
+              <a:rPr lang="en-US" altLang="en-US"/>
+              <a:t>String name = rs.getString(“LastName”);</a:t>
+            </a:r>
+            <a:br>
+              <a:rPr lang="en-US" altLang="en-US"/>
+            </a:br>
+            <a:r>
+              <a:rPr lang="en-US" altLang="en-US"/>
+              <a:t>int y = rs.getInt(“Year”);</a:t>
+            </a:r>
+            <a:br>
+              <a:rPr lang="en-US" altLang="en-US"/>
+            </a:br>
+            <a:r>
+              <a:rPr lang="en-US" altLang="en-US"/>
+              <a:t>double qpi = rs.getDouble(“QPI”);</a:t>
+            </a:r>
+            <a:br>
+              <a:rPr lang="en-US" altLang="en-US"/>
+            </a:br>
+            <a:r>
+              <a:rPr lang="en-US" altLang="en-US"/>
+              <a:t>System.out.println( name + “ ” + y + “ ” + qpi);</a:t>
+            </a:r>
+          </a:p>
+          <a:p>
+            <a:pPr>
+              <a:lnSpc>
+                <a:spcPct val="80000"/>
+              </a:lnSpc>
+              <a:buFont typeface="Wingdings" panose="05000000000000000000" pitchFamily="2" charset="2"/>
+              <a:buNone/>
+            </a:pPr>
+            <a:r>
+              <a:rPr lang="en-US" altLang="en-US"/>
+              <a:t>}</a:t>
+            </a:r>
+          </a:p>
+        </p:txBody>
+      </p:sp>
+    </p:spTree>
+  </p:cSld>
+  <p:clrMapOvr>
+    <a:masterClrMapping/>
+  </p:clrMapOvr>
+</p:sld>
+</file>
+
+<file path=ppt/slides/slide14.xml><?xml version="1.0" encoding="utf-8"?>
+<p:sld xmlns:a="http://schemas.openxmlformats.org/drawingml/2006/main" xmlns:r="http://schemas.openxmlformats.org/officeDocument/2006/relationships" xmlns:p="http://schemas.openxmlformats.org/presentationml/2006/main">
+  <p:cSld>
+    <p:spTree>
+      <p:nvGrpSpPr>
+        <p:cNvPr id="1" name=""/>
+        <p:cNvGrpSpPr/>
+        <p:nvPr/>
+      </p:nvGrpSpPr>
+      <p:grpSpPr>
+        <a:xfrm>
+          <a:off x="0" y="0"/>
+          <a:ext cx="0" cy="0"/>
+          <a:chOff x="0" y="0"/>
+          <a:chExt cx="0" cy="0"/>
+        </a:xfrm>
+      </p:grpSpPr>
+      <p:sp>
+        <p:nvSpPr>
+          <p:cNvPr id="276482" name="Rectangle 2">
+            <a:extLst>
+              <a:ext uri="{FF2B5EF4-FFF2-40B4-BE49-F238E27FC236}">
+                <a16:creationId xmlns:a16="http://schemas.microsoft.com/office/drawing/2014/main" id="{62B0A8C2-AAC1-85E8-88D5-89E6F60F868C}"/>
+              </a:ext>
+            </a:extLst>
+          </p:cNvPr>
+          <p:cNvSpPr>
+            <a:spLocks noGrp="1" noChangeArrowheads="1"/>
+          </p:cNvSpPr>
+          <p:nvPr>
+            <p:ph type="title"/>
+          </p:nvPr>
+        </p:nvSpPr>
+        <p:spPr/>
+        <p:txBody>
+          <a:bodyPr/>
+          <a:lstStyle/>
+          <a:p>
+            <a:r>
+              <a:rPr lang="en-US" altLang="en-US"/>
+              <a:t>executeUpdate( ) example</a:t>
+            </a:r>
+          </a:p>
+        </p:txBody>
+      </p:sp>
+      <p:sp>
+        <p:nvSpPr>
+          <p:cNvPr id="276483" name="Rectangle 3">
+            <a:extLst>
+              <a:ext uri="{FF2B5EF4-FFF2-40B4-BE49-F238E27FC236}">
+                <a16:creationId xmlns:a16="http://schemas.microsoft.com/office/drawing/2014/main" id="{A30FCB9A-7E8F-EA36-81A5-9CA5CB4FA39A}"/>
+              </a:ext>
+            </a:extLst>
+          </p:cNvPr>
+          <p:cNvSpPr>
+            <a:spLocks noGrp="1" noChangeArrowheads="1"/>
+          </p:cNvSpPr>
+          <p:nvPr>
+            <p:ph idx="1"/>
+          </p:nvPr>
+        </p:nvSpPr>
+        <p:spPr/>
+        <p:txBody>
+          <a:bodyPr/>
+          <a:lstStyle/>
+          <a:p>
+            <a:pPr>
+              <a:buFont typeface="Wingdings" panose="05000000000000000000" pitchFamily="2" charset="2"/>
+              <a:buNone/>
+            </a:pPr>
+            <a:r>
+              <a:rPr lang="en-US" altLang="en-US"/>
+              <a:t>…</a:t>
+            </a:r>
+          </a:p>
+          <a:p>
+            <a:pPr>
+              <a:buFont typeface="Wingdings" panose="05000000000000000000" pitchFamily="2" charset="2"/>
+              <a:buNone/>
+            </a:pPr>
+            <a:r>
+              <a:rPr lang="en-US" altLang="en-US"/>
+              <a:t>Statement s = con.createStatement();</a:t>
+            </a:r>
+          </a:p>
+          <a:p>
+            <a:pPr>
+              <a:buFont typeface="Wingdings" panose="05000000000000000000" pitchFamily="2" charset="2"/>
+              <a:buNone/>
+            </a:pPr>
+            <a:r>
+              <a:rPr lang="en-US" altLang="en-US"/>
+              <a:t>int result;</a:t>
+            </a:r>
+          </a:p>
+          <a:p>
+            <a:pPr>
+              <a:buFont typeface="Wingdings" panose="05000000000000000000" pitchFamily="2" charset="2"/>
+              <a:buNone/>
+            </a:pPr>
+            <a:r>
+              <a:rPr lang="en-US" altLang="en-US"/>
+              <a:t>result = s.executeUpdate(</a:t>
+            </a:r>
+            <a:br>
+              <a:rPr lang="en-US" altLang="en-US"/>
+            </a:br>
+            <a:r>
+              <a:rPr lang="en-US" altLang="en-US"/>
+              <a:t>“DELETE FROM EMPLOYEE WHERE DeptCode=‘CS’”</a:t>
+            </a:r>
+            <a:br>
+              <a:rPr lang="en-US" altLang="en-US"/>
+            </a:br>
+            <a:r>
+              <a:rPr lang="en-US" altLang="en-US"/>
+              <a:t>);</a:t>
+            </a:r>
+          </a:p>
+          <a:p>
+            <a:pPr>
+              <a:buFont typeface="Wingdings" panose="05000000000000000000" pitchFamily="2" charset="2"/>
+              <a:buNone/>
+            </a:pPr>
+            <a:r>
+              <a:rPr lang="en-US" altLang="en-US"/>
+              <a:t>System.out.println( result + “ rows deleted.” );</a:t>
+            </a:r>
+          </a:p>
+          <a:p>
+            <a:pPr>
+              <a:buFont typeface="Wingdings" panose="05000000000000000000" pitchFamily="2" charset="2"/>
+              <a:buNone/>
+            </a:pPr>
+            <a:endParaRPr lang="en-US" altLang="en-US"/>
+          </a:p>
+        </p:txBody>
+      </p:sp>
+    </p:spTree>
+  </p:cSld>
+  <p:clrMapOvr>
+    <a:masterClrMapping/>
+  </p:clrMapOvr>
+</p:sld>
+</file>
+
+<file path=ppt/slides/slide15.xml><?xml version="1.0" encoding="utf-8"?>
+<p:sld xmlns:a="http://schemas.openxmlformats.org/drawingml/2006/main" xmlns:r="http://schemas.openxmlformats.org/officeDocument/2006/relationships" xmlns:p="http://schemas.openxmlformats.org/presentationml/2006/main">
+  <p:cSld>
+    <p:spTree>
+      <p:nvGrpSpPr>
+        <p:cNvPr id="1" name=""/>
+        <p:cNvGrpSpPr/>
+        <p:nvPr/>
+      </p:nvGrpSpPr>
+      <p:grpSpPr>
+        <a:xfrm>
+          <a:off x="0" y="0"/>
+          <a:ext cx="0" cy="0"/>
+          <a:chOff x="0" y="0"/>
+          <a:chExt cx="0" cy="0"/>
+        </a:xfrm>
+      </p:grpSpPr>
+      <p:sp>
+        <p:nvSpPr>
+          <p:cNvPr id="277506" name="Rectangle 2">
+            <a:extLst>
+              <a:ext uri="{FF2B5EF4-FFF2-40B4-BE49-F238E27FC236}">
+                <a16:creationId xmlns:a16="http://schemas.microsoft.com/office/drawing/2014/main" id="{5AF9256E-CAF9-47E2-911F-C36EE830C964}"/>
+              </a:ext>
+            </a:extLst>
+          </p:cNvPr>
+          <p:cNvSpPr>
+            <a:spLocks noGrp="1" noChangeArrowheads="1"/>
+          </p:cNvSpPr>
+          <p:nvPr>
+            <p:ph type="title"/>
+          </p:nvPr>
+        </p:nvSpPr>
+        <p:spPr/>
+        <p:txBody>
+          <a:bodyPr/>
+          <a:lstStyle/>
+          <a:p>
+            <a:r>
+              <a:rPr lang="en-US" altLang="en-US"/>
+              <a:t>The PreparedStatement class</a:t>
+            </a:r>
+          </a:p>
+        </p:txBody>
+      </p:sp>
+      <p:sp>
+        <p:nvSpPr>
+          <p:cNvPr id="277507" name="Rectangle 3">
+            <a:extLst>
+              <a:ext uri="{FF2B5EF4-FFF2-40B4-BE49-F238E27FC236}">
+                <a16:creationId xmlns:a16="http://schemas.microsoft.com/office/drawing/2014/main" id="{4783549D-96E5-339D-5730-1500BA9251C8}"/>
+              </a:ext>
+            </a:extLst>
+          </p:cNvPr>
+          <p:cNvSpPr>
+            <a:spLocks noGrp="1" noChangeArrowheads="1"/>
+          </p:cNvSpPr>
+          <p:nvPr>
+            <p:ph idx="1"/>
+          </p:nvPr>
+        </p:nvSpPr>
+        <p:spPr/>
+        <p:txBody>
+          <a:bodyPr/>
+          <a:lstStyle/>
+          <a:p>
+            <a:r>
+              <a:rPr lang="en-US" altLang="en-US"/>
+              <a:t>PreparedStatement:  a Statement that specifies parameters through Java code</a:t>
+            </a:r>
+          </a:p>
+          <a:p>
+            <a:r>
+              <a:rPr lang="en-US" altLang="en-US"/>
+              <a:t>The SQL statements take different forms when you specify different parameter values</a:t>
+            </a:r>
+          </a:p>
+          <a:p>
+            <a:r>
+              <a:rPr lang="en-US" altLang="en-US"/>
+              <a:t>Useful when query is performed repeatedly</a:t>
+            </a:r>
+          </a:p>
+          <a:p>
+            <a:r>
+              <a:rPr lang="en-US" altLang="en-US"/>
+              <a:t>Formatting of literal values is easier</a:t>
+            </a:r>
+          </a:p>
+        </p:txBody>
+      </p:sp>
+    </p:spTree>
+  </p:cSld>
+  <p:clrMapOvr>
+    <a:masterClrMapping/>
+  </p:clrMapOvr>
+</p:sld>
+</file>
+
+<file path=ppt/slides/slide16.xml><?xml version="1.0" encoding="utf-8"?>
 <p:sld xmlns:a="http://schemas.openxmlformats.org/drawingml/2006/main" xmlns:r="http://schemas.openxmlformats.org/officeDocument/2006/relationships" xmlns:p="http://schemas.openxmlformats.org/presentationml/2006/main">
   <p:cSld>
     <p:spTree>
@@ -7400,7 +8031,7 @@
 </p:sld>
 </file>
 
-<file path=ppt/slides/slide14.xml><?xml version="1.0" encoding="utf-8"?>
+<file path=ppt/slides/slide17.xml><?xml version="1.0" encoding="utf-8"?>
 <p:sld xmlns:a="http://schemas.openxmlformats.org/drawingml/2006/main" xmlns:r="http://schemas.openxmlformats.org/officeDocument/2006/relationships" xmlns:p="http://schemas.openxmlformats.org/presentationml/2006/main">
   <p:cSld>
     <p:spTree>
@@ -7781,68 +8412,6 @@
           </a:p>
         </p:txBody>
       </p:sp>
-      <p:sp>
-        <p:nvSpPr>
-          <p:cNvPr id="279558" name="Line 6">
-            <a:extLst>
-              <a:ext uri="{FF2B5EF4-FFF2-40B4-BE49-F238E27FC236}">
-                <a16:creationId xmlns:a16="http://schemas.microsoft.com/office/drawing/2014/main" id="{D9E86BE3-6501-6F40-DE43-629B9D80D5E8}"/>
-              </a:ext>
-            </a:extLst>
-          </p:cNvPr>
-          <p:cNvSpPr>
-            <a:spLocks noChangeShapeType="1"/>
-          </p:cNvSpPr>
-          <p:nvPr/>
-        </p:nvSpPr>
-        <p:spPr bwMode="auto">
-          <a:xfrm flipV="1">
-            <a:off x="8153400" y="2971800"/>
-            <a:ext cx="228600" cy="381000"/>
-          </a:xfrm>
-          <a:prstGeom prst="line">
-            <a:avLst/>
-          </a:prstGeom>
-          <a:noFill/>
-          <a:ln w="9525">
-            <a:solidFill>
-              <a:schemeClr val="tx1"/>
-            </a:solidFill>
-            <a:round/>
-            <a:headEnd/>
-            <a:tailEnd type="triangle" w="med" len="med"/>
-          </a:ln>
-          <a:effectLst/>
-          <a:extLst>
-            <a:ext uri="{909E8E84-426E-40DD-AFC4-6F175D3DCCD1}">
-              <a14:hiddenFill xmlns:a14="http://schemas.microsoft.com/office/drawing/2010/main">
-                <a:noFill/>
-              </a14:hiddenFill>
-            </a:ext>
-            <a:ext uri="{AF507438-7753-43E0-B8FC-AC1667EBCBE1}">
-              <a14:hiddenEffects xmlns:a14="http://schemas.microsoft.com/office/drawing/2010/main">
-                <a:effectLst>
-                  <a:outerShdw dist="35921" dir="2700000" algn="ctr" rotWithShape="0">
-                    <a:schemeClr val="bg2"/>
-                  </a:outerShdw>
-                </a:effectLst>
-              </a14:hiddenEffects>
-            </a:ext>
-          </a:extLst>
-        </p:spPr>
-        <p:txBody>
-          <a:bodyPr/>
-          <a:lstStyle/>
-          <a:p>
-            <a:endParaRPr lang="en-US">
-              <a:solidFill>
-                <a:prstClr val="black"/>
-              </a:solidFill>
-              <a:latin typeface="Calibri" panose="020F0502020204030204"/>
-            </a:endParaRPr>
-          </a:p>
-        </p:txBody>
-      </p:sp>
     </p:spTree>
   </p:cSld>
   <p:clrMapOvr>
@@ -7851,7 +8420,7 @@
 </p:sld>
 </file>
 
-<file path=ppt/slides/slide15.xml><?xml version="1.0" encoding="utf-8"?>
+<file path=ppt/slides/slide18.xml><?xml version="1.0" encoding="utf-8"?>
 <p:sld xmlns:a="http://schemas.openxmlformats.org/drawingml/2006/main" xmlns:r="http://schemas.openxmlformats.org/officeDocument/2006/relationships" xmlns:p="http://schemas.openxmlformats.org/presentationml/2006/main">
   <p:cSld>
     <p:spTree>
@@ -7951,6 +8520,600 @@
 </file>
 
 <file path=ppt/slides/slide2.xml><?xml version="1.0" encoding="utf-8"?>
+<p:sld xmlns:a="http://schemas.openxmlformats.org/drawingml/2006/main" xmlns:r="http://schemas.openxmlformats.org/officeDocument/2006/relationships" xmlns:p="http://schemas.openxmlformats.org/presentationml/2006/main">
+  <p:cSld>
+    <p:spTree>
+      <p:nvGrpSpPr>
+        <p:cNvPr id="1" name=""/>
+        <p:cNvGrpSpPr/>
+        <p:nvPr/>
+      </p:nvGrpSpPr>
+      <p:grpSpPr>
+        <a:xfrm>
+          <a:off x="0" y="0"/>
+          <a:ext cx="0" cy="0"/>
+          <a:chOff x="0" y="0"/>
+          <a:chExt cx="0" cy="0"/>
+        </a:xfrm>
+      </p:grpSpPr>
+      <p:sp>
+        <p:nvSpPr>
+          <p:cNvPr id="2" name="Title 1">
+            <a:extLst>
+              <a:ext uri="{FF2B5EF4-FFF2-40B4-BE49-F238E27FC236}">
+                <a16:creationId xmlns:a16="http://schemas.microsoft.com/office/drawing/2014/main" id="{39A41E43-A121-5DFC-1084-AAFB7D6F241E}"/>
+              </a:ext>
+            </a:extLst>
+          </p:cNvPr>
+          <p:cNvSpPr>
+            <a:spLocks noGrp="1"/>
+          </p:cNvSpPr>
+          <p:nvPr>
+            <p:ph type="title"/>
+          </p:nvPr>
+        </p:nvSpPr>
+        <p:spPr/>
+        <p:txBody>
+          <a:bodyPr/>
+          <a:lstStyle/>
+          <a:p>
+            <a:r>
+              <a:rPr lang="en-US" dirty="0"/>
+              <a:t>Type of databases</a:t>
+            </a:r>
+          </a:p>
+        </p:txBody>
+      </p:sp>
+      <p:pic>
+        <p:nvPicPr>
+          <p:cNvPr id="5" name="Content Placeholder 4">
+            <a:extLst>
+              <a:ext uri="{FF2B5EF4-FFF2-40B4-BE49-F238E27FC236}">
+                <a16:creationId xmlns:a16="http://schemas.microsoft.com/office/drawing/2014/main" id="{14537744-4AD7-6319-337D-6295D145C29C}"/>
+              </a:ext>
+            </a:extLst>
+          </p:cNvPr>
+          <p:cNvPicPr>
+            <a:picLocks noGrp="1" noChangeAspect="1"/>
+          </p:cNvPicPr>
+          <p:nvPr>
+            <p:ph idx="1"/>
+          </p:nvPr>
+        </p:nvPicPr>
+        <p:blipFill>
+          <a:blip r:embed="rId2"/>
+          <a:stretch>
+            <a:fillRect/>
+          </a:stretch>
+        </p:blipFill>
+        <p:spPr>
+          <a:xfrm>
+            <a:off x="2999943" y="2038870"/>
+            <a:ext cx="6192114" cy="3924848"/>
+          </a:xfrm>
+        </p:spPr>
+      </p:pic>
+      <p:grpSp>
+        <p:nvGrpSpPr>
+          <p:cNvPr id="8" name="Group 7">
+            <a:extLst>
+              <a:ext uri="{FF2B5EF4-FFF2-40B4-BE49-F238E27FC236}">
+                <a16:creationId xmlns:a16="http://schemas.microsoft.com/office/drawing/2014/main" id="{5B480DD4-BF64-2DD7-1E50-B710ED2DFAD1}"/>
+              </a:ext>
+            </a:extLst>
+          </p:cNvPr>
+          <p:cNvGrpSpPr/>
+          <p:nvPr/>
+        </p:nvGrpSpPr>
+        <p:grpSpPr>
+          <a:xfrm>
+            <a:off x="2973513" y="2040868"/>
+            <a:ext cx="2558160" cy="2318760"/>
+            <a:chOff x="2973513" y="2040868"/>
+            <a:chExt cx="2558160" cy="2318760"/>
+          </a:xfrm>
+        </p:grpSpPr>
+        <mc:AlternateContent xmlns:mc="http://schemas.openxmlformats.org/markup-compatibility/2006">
+          <mc:Choice xmlns:p14="http://schemas.microsoft.com/office/powerpoint/2010/main" Requires="p14">
+            <p:contentPart p14:bwMode="auto" r:id="rId3">
+              <p14:nvContentPartPr>
+                <p14:cNvPr id="6" name="Ink 5">
+                  <a:extLst>
+                    <a:ext uri="{FF2B5EF4-FFF2-40B4-BE49-F238E27FC236}">
+                      <a16:creationId xmlns:a16="http://schemas.microsoft.com/office/drawing/2014/main" id="{70DE3F0A-DCB1-96A9-1D9B-9233C26627A0}"/>
+                    </a:ext>
+                  </a:extLst>
+                </p14:cNvPr>
+                <p14:cNvContentPartPr/>
+                <p14:nvPr/>
+              </p14:nvContentPartPr>
+              <p14:xfrm>
+                <a:off x="2973513" y="2040868"/>
+                <a:ext cx="2558160" cy="2318760"/>
+              </p14:xfrm>
+            </p:contentPart>
+          </mc:Choice>
+          <mc:Fallback>
+            <p:pic>
+              <p:nvPicPr>
+                <p:cNvPr id="6" name="Ink 5">
+                  <a:extLst>
+                    <a:ext uri="{FF2B5EF4-FFF2-40B4-BE49-F238E27FC236}">
+                      <a16:creationId xmlns:a16="http://schemas.microsoft.com/office/drawing/2014/main" id="{70DE3F0A-DCB1-96A9-1D9B-9233C26627A0}"/>
+                    </a:ext>
+                  </a:extLst>
+                </p:cNvPr>
+                <p:cNvPicPr/>
+                <p:nvPr/>
+              </p:nvPicPr>
+              <p:blipFill>
+                <a:blip r:embed="rId4"/>
+                <a:stretch>
+                  <a:fillRect/>
+                </a:stretch>
+              </p:blipFill>
+              <p:spPr>
+                <a:xfrm>
+                  <a:off x="2964513" y="2031868"/>
+                  <a:ext cx="2575800" cy="2336400"/>
+                </a:xfrm>
+                <a:prstGeom prst="rect">
+                  <a:avLst/>
+                </a:prstGeom>
+              </p:spPr>
+            </p:pic>
+          </mc:Fallback>
+        </mc:AlternateContent>
+        <mc:AlternateContent xmlns:mc="http://schemas.openxmlformats.org/markup-compatibility/2006">
+          <mc:Choice xmlns:p14="http://schemas.microsoft.com/office/powerpoint/2010/main" Requires="p14">
+            <p:contentPart p14:bwMode="auto" r:id="rId5">
+              <p14:nvContentPartPr>
+                <p14:cNvPr id="7" name="Ink 6">
+                  <a:extLst>
+                    <a:ext uri="{FF2B5EF4-FFF2-40B4-BE49-F238E27FC236}">
+                      <a16:creationId xmlns:a16="http://schemas.microsoft.com/office/drawing/2014/main" id="{7DF83654-C6CC-18DF-3DBA-4DA388312DB0}"/>
+                    </a:ext>
+                  </a:extLst>
+                </p14:cNvPr>
+                <p14:cNvContentPartPr/>
+                <p14:nvPr/>
+              </p14:nvContentPartPr>
+              <p14:xfrm>
+                <a:off x="4944513" y="2209708"/>
+                <a:ext cx="178920" cy="16920"/>
+              </p14:xfrm>
+            </p:contentPart>
+          </mc:Choice>
+          <mc:Fallback>
+            <p:pic>
+              <p:nvPicPr>
+                <p:cNvPr id="7" name="Ink 6">
+                  <a:extLst>
+                    <a:ext uri="{FF2B5EF4-FFF2-40B4-BE49-F238E27FC236}">
+                      <a16:creationId xmlns:a16="http://schemas.microsoft.com/office/drawing/2014/main" id="{7DF83654-C6CC-18DF-3DBA-4DA388312DB0}"/>
+                    </a:ext>
+                  </a:extLst>
+                </p:cNvPr>
+                <p:cNvPicPr/>
+                <p:nvPr/>
+              </p:nvPicPr>
+              <p:blipFill>
+                <a:blip r:embed="rId6"/>
+                <a:stretch>
+                  <a:fillRect/>
+                </a:stretch>
+              </p:blipFill>
+              <p:spPr>
+                <a:xfrm>
+                  <a:off x="4935873" y="2201068"/>
+                  <a:ext cx="196560" cy="34560"/>
+                </a:xfrm>
+                <a:prstGeom prst="rect">
+                  <a:avLst/>
+                </a:prstGeom>
+              </p:spPr>
+            </p:pic>
+          </mc:Fallback>
+        </mc:AlternateContent>
+      </p:grpSp>
+    </p:spTree>
+    <p:extLst>
+      <p:ext uri="{BB962C8B-B14F-4D97-AF65-F5344CB8AC3E}">
+        <p14:creationId xmlns:p14="http://schemas.microsoft.com/office/powerpoint/2010/main" val="4146960350"/>
+      </p:ext>
+    </p:extLst>
+  </p:cSld>
+  <p:clrMapOvr>
+    <a:masterClrMapping/>
+  </p:clrMapOvr>
+</p:sld>
+</file>
+
+<file path=ppt/slides/slide3.xml><?xml version="1.0" encoding="utf-8"?>
+<p:sld xmlns:a="http://schemas.openxmlformats.org/drawingml/2006/main" xmlns:r="http://schemas.openxmlformats.org/officeDocument/2006/relationships" xmlns:p="http://schemas.openxmlformats.org/presentationml/2006/main">
+  <p:cSld>
+    <p:spTree>
+      <p:nvGrpSpPr>
+        <p:cNvPr id="1" name=""/>
+        <p:cNvGrpSpPr/>
+        <p:nvPr/>
+      </p:nvGrpSpPr>
+      <p:grpSpPr>
+        <a:xfrm>
+          <a:off x="0" y="0"/>
+          <a:ext cx="0" cy="0"/>
+          <a:chOff x="0" y="0"/>
+          <a:chExt cx="0" cy="0"/>
+        </a:xfrm>
+      </p:grpSpPr>
+      <p:sp>
+        <p:nvSpPr>
+          <p:cNvPr id="2" name="Title 1">
+            <a:extLst>
+              <a:ext uri="{FF2B5EF4-FFF2-40B4-BE49-F238E27FC236}">
+                <a16:creationId xmlns:a16="http://schemas.microsoft.com/office/drawing/2014/main" id="{4D01445C-C26C-FAC1-7CCE-72880C842F15}"/>
+              </a:ext>
+            </a:extLst>
+          </p:cNvPr>
+          <p:cNvSpPr>
+            <a:spLocks noGrp="1"/>
+          </p:cNvSpPr>
+          <p:nvPr>
+            <p:ph type="title"/>
+          </p:nvPr>
+        </p:nvSpPr>
+        <p:spPr/>
+        <p:txBody>
+          <a:bodyPr/>
+          <a:lstStyle/>
+          <a:p>
+            <a:r>
+              <a:rPr lang="en-US" dirty="0"/>
+              <a:t>Java technologies to access databases</a:t>
+            </a:r>
+          </a:p>
+        </p:txBody>
+      </p:sp>
+      <p:sp>
+        <p:nvSpPr>
+          <p:cNvPr id="3" name="Content Placeholder 2">
+            <a:extLst>
+              <a:ext uri="{FF2B5EF4-FFF2-40B4-BE49-F238E27FC236}">
+                <a16:creationId xmlns:a16="http://schemas.microsoft.com/office/drawing/2014/main" id="{3FAE5200-8617-32EB-0F75-4BE6FEF7FE0F}"/>
+              </a:ext>
+            </a:extLst>
+          </p:cNvPr>
+          <p:cNvSpPr>
+            <a:spLocks noGrp="1"/>
+          </p:cNvSpPr>
+          <p:nvPr>
+            <p:ph idx="1"/>
+          </p:nvPr>
+        </p:nvSpPr>
+        <p:spPr/>
+        <p:txBody>
+          <a:bodyPr>
+            <a:normAutofit fontScale="55000" lnSpcReduction="20000"/>
+          </a:bodyPr>
+          <a:lstStyle/>
+          <a:p>
+            <a:r>
+              <a:rPr lang="en-US" b="1" dirty="0"/>
+              <a:t>JDBC (Java Database Connectivity): </a:t>
+            </a:r>
+            <a:r>
+              <a:rPr lang="en-US" dirty="0"/>
+              <a:t>It's a standard Java API for database-independent connectivity between the Java programming language and a wide range of databases.</a:t>
+            </a:r>
+          </a:p>
+          <a:p>
+            <a:r>
+              <a:rPr lang="en-US" b="1" dirty="0"/>
+              <a:t>Hibernate</a:t>
+            </a:r>
+            <a:r>
+              <a:rPr lang="en-US" dirty="0"/>
+              <a:t>: An open-source Object-Relational Mapping (ORM) framework that simplifies database access by converting Java objects into database tables and vice versa.</a:t>
+            </a:r>
+          </a:p>
+          <a:p>
+            <a:r>
+              <a:rPr lang="en-US" b="1" dirty="0"/>
+              <a:t>JPA (Java Persistence API)</a:t>
+            </a:r>
+            <a:r>
+              <a:rPr lang="en-US" dirty="0"/>
+              <a:t>: It's a specification that describes the management of relational data in applications using Java Platform, Standard Edition, and Java Platform, Enterprise Edition. Hibernate can be used as a JPA implementation.</a:t>
+            </a:r>
+          </a:p>
+          <a:p>
+            <a:r>
+              <a:rPr lang="en-US" b="1" dirty="0"/>
+              <a:t>Spring Data JPA</a:t>
+            </a:r>
+            <a:r>
+              <a:rPr lang="en-US" dirty="0"/>
+              <a:t>: It simplifies the implementation of JPA based repositories by reducing boilerplate code. It's a part of the larger Spring Framework.</a:t>
+            </a:r>
+          </a:p>
+          <a:p>
+            <a:r>
+              <a:rPr lang="en-US" b="1" dirty="0"/>
+              <a:t>Spring JDBC</a:t>
+            </a:r>
+            <a:r>
+              <a:rPr lang="en-US" dirty="0"/>
+              <a:t>: The Spring JDBC module provides a JDBC-abstraction layer that removes the need to do tedious JDBC coding and parsing of database-vendor specific error codes.</a:t>
+            </a:r>
+          </a:p>
+          <a:p>
+            <a:r>
+              <a:rPr lang="en-US" b="1" dirty="0" err="1"/>
+              <a:t>MyBatis</a:t>
+            </a:r>
+            <a:r>
+              <a:rPr lang="en-US" dirty="0"/>
+              <a:t>: An open-source, lightweight persistence framework that removes almost all of the JDBC code and sets the parameters and gets the results.</a:t>
+            </a:r>
+          </a:p>
+          <a:p>
+            <a:r>
+              <a:rPr lang="en-US" b="1" dirty="0"/>
+              <a:t>JOOQ (Java Object Oriented Querying)</a:t>
+            </a:r>
+            <a:r>
+              <a:rPr lang="en-US" dirty="0"/>
+              <a:t>: It implements the active record pattern. Its purpose is to be both relational and object-oriented by providing a domain-specific language to construct queries from classes generated from your database.</a:t>
+            </a:r>
+            <a:endParaRPr lang="en-US" b="1" dirty="0"/>
+          </a:p>
+          <a:p>
+            <a:r>
+              <a:rPr lang="en-US" b="1" dirty="0" err="1"/>
+              <a:t>EclipseLink</a:t>
+            </a:r>
+            <a:r>
+              <a:rPr lang="en-US" dirty="0"/>
+              <a:t>: It's an open-source ORM solution for Java EE and Java SE platforms. </a:t>
+            </a:r>
+            <a:r>
+              <a:rPr lang="en-US" dirty="0" err="1"/>
+              <a:t>EclipseLink</a:t>
+            </a:r>
+            <a:r>
+              <a:rPr lang="en-US" dirty="0"/>
+              <a:t> supports a number of persistence standards including JPA, JAXB, JCA and SDO.</a:t>
+            </a:r>
+          </a:p>
+          <a:p>
+            <a:r>
+              <a:rPr lang="en-US" b="1" dirty="0"/>
+              <a:t>Apache Cayenne</a:t>
+            </a:r>
+            <a:r>
+              <a:rPr lang="en-US" dirty="0"/>
+              <a:t>: An open-source persistence framework providing object-relational mapping (ORM) and remoting services.</a:t>
+            </a:r>
+          </a:p>
+          <a:p>
+            <a:r>
+              <a:rPr lang="en-US" b="1" dirty="0" err="1"/>
+              <a:t>Querydsl</a:t>
+            </a:r>
+            <a:r>
+              <a:rPr lang="en-US" dirty="0"/>
+              <a:t>: It's a framework which enables the construction of statically typed SQL-like queries via its fluent API.</a:t>
+            </a:r>
+          </a:p>
+        </p:txBody>
+      </p:sp>
+    </p:spTree>
+    <p:extLst>
+      <p:ext uri="{BB962C8B-B14F-4D97-AF65-F5344CB8AC3E}">
+        <p14:creationId xmlns:p14="http://schemas.microsoft.com/office/powerpoint/2010/main" val="2690390504"/>
+      </p:ext>
+    </p:extLst>
+  </p:cSld>
+  <p:clrMapOvr>
+    <a:masterClrMapping/>
+  </p:clrMapOvr>
+</p:sld>
+</file>
+
+<file path=ppt/slides/slide4.xml><?xml version="1.0" encoding="utf-8"?>
+<p:sld xmlns:a="http://schemas.openxmlformats.org/drawingml/2006/main" xmlns:r="http://schemas.openxmlformats.org/officeDocument/2006/relationships" xmlns:p="http://schemas.openxmlformats.org/presentationml/2006/main">
+  <p:cSld>
+    <p:spTree>
+      <p:nvGrpSpPr>
+        <p:cNvPr id="1" name=""/>
+        <p:cNvGrpSpPr/>
+        <p:nvPr/>
+      </p:nvGrpSpPr>
+      <p:grpSpPr>
+        <a:xfrm>
+          <a:off x="0" y="0"/>
+          <a:ext cx="0" cy="0"/>
+          <a:chOff x="0" y="0"/>
+          <a:chExt cx="0" cy="0"/>
+        </a:xfrm>
+      </p:grpSpPr>
+      <p:sp>
+        <p:nvSpPr>
+          <p:cNvPr id="2" name="Title 1">
+            <a:extLst>
+              <a:ext uri="{FF2B5EF4-FFF2-40B4-BE49-F238E27FC236}">
+                <a16:creationId xmlns:a16="http://schemas.microsoft.com/office/drawing/2014/main" id="{B3266F0B-5B83-7DF3-1F07-5CEADBDEEFA1}"/>
+              </a:ext>
+            </a:extLst>
+          </p:cNvPr>
+          <p:cNvSpPr>
+            <a:spLocks noGrp="1"/>
+          </p:cNvSpPr>
+          <p:nvPr>
+            <p:ph type="title"/>
+          </p:nvPr>
+        </p:nvSpPr>
+        <p:spPr/>
+        <p:txBody>
+          <a:bodyPr/>
+          <a:lstStyle/>
+          <a:p>
+            <a:r>
+              <a:rPr lang="en-US" dirty="0"/>
+              <a:t>JDBC</a:t>
+            </a:r>
+          </a:p>
+        </p:txBody>
+      </p:sp>
+      <p:pic>
+        <p:nvPicPr>
+          <p:cNvPr id="5" name="Content Placeholder 4">
+            <a:extLst>
+              <a:ext uri="{FF2B5EF4-FFF2-40B4-BE49-F238E27FC236}">
+                <a16:creationId xmlns:a16="http://schemas.microsoft.com/office/drawing/2014/main" id="{20210567-FB8E-3CC0-9BB2-201C567EEBA9}"/>
+              </a:ext>
+            </a:extLst>
+          </p:cNvPr>
+          <p:cNvPicPr>
+            <a:picLocks noGrp="1" noChangeAspect="1"/>
+          </p:cNvPicPr>
+          <p:nvPr>
+            <p:ph idx="1"/>
+          </p:nvPr>
+        </p:nvPicPr>
+        <p:blipFill>
+          <a:blip r:embed="rId2"/>
+          <a:stretch>
+            <a:fillRect/>
+          </a:stretch>
+        </p:blipFill>
+        <p:spPr>
+          <a:xfrm>
+            <a:off x="2839830" y="1825625"/>
+            <a:ext cx="6512339" cy="4351338"/>
+          </a:xfrm>
+        </p:spPr>
+      </p:pic>
+      <p:sp>
+        <p:nvSpPr>
+          <p:cNvPr id="7" name="TextBox 6">
+            <a:extLst>
+              <a:ext uri="{FF2B5EF4-FFF2-40B4-BE49-F238E27FC236}">
+                <a16:creationId xmlns:a16="http://schemas.microsoft.com/office/drawing/2014/main" id="{B47104C3-493B-7922-674E-21BAEF994B22}"/>
+              </a:ext>
+            </a:extLst>
+          </p:cNvPr>
+          <p:cNvSpPr txBox="1"/>
+          <p:nvPr/>
+        </p:nvSpPr>
+        <p:spPr>
+          <a:xfrm>
+            <a:off x="2839830" y="1388825"/>
+            <a:ext cx="6094520" cy="369332"/>
+          </a:xfrm>
+          <a:prstGeom prst="rect">
+            <a:avLst/>
+          </a:prstGeom>
+          <a:noFill/>
+        </p:spPr>
+        <p:txBody>
+          <a:bodyPr wrap="square">
+            <a:spAutoFit/>
+          </a:bodyPr>
+          <a:lstStyle/>
+          <a:p>
+            <a:pPr algn="l"/>
+            <a:r>
+              <a:rPr lang="en-US" b="1" i="0" dirty="0" err="1">
+                <a:solidFill>
+                  <a:srgbClr val="000000"/>
+                </a:solidFill>
+                <a:effectLst/>
+                <a:latin typeface="OracleSansVF"/>
+              </a:rPr>
+              <a:t>Jave</a:t>
+            </a:r>
+            <a:r>
+              <a:rPr lang="en-US" b="1" i="0" dirty="0">
+                <a:solidFill>
+                  <a:srgbClr val="000000"/>
+                </a:solidFill>
+                <a:effectLst/>
+                <a:latin typeface="OracleSansVF"/>
+              </a:rPr>
+              <a:t> SE Platform at a Glance</a:t>
+            </a:r>
+          </a:p>
+        </p:txBody>
+      </p:sp>
+      <p:sp>
+        <p:nvSpPr>
+          <p:cNvPr id="8" name="Rectangle 7">
+            <a:extLst>
+              <a:ext uri="{FF2B5EF4-FFF2-40B4-BE49-F238E27FC236}">
+                <a16:creationId xmlns:a16="http://schemas.microsoft.com/office/drawing/2014/main" id="{94043BA6-4D66-3EC4-A53D-E9F0C4E0ED79}"/>
+              </a:ext>
+            </a:extLst>
+          </p:cNvPr>
+          <p:cNvSpPr/>
+          <p:nvPr/>
+        </p:nvSpPr>
+        <p:spPr>
+          <a:xfrm>
+            <a:off x="4820575" y="4001294"/>
+            <a:ext cx="665825" cy="224477"/>
+          </a:xfrm>
+          <a:prstGeom prst="rect">
+            <a:avLst/>
+          </a:prstGeom>
+          <a:noFill/>
+          <a:ln w="57150" cap="flat" cmpd="sng" algn="ctr">
+            <a:solidFill>
+              <a:srgbClr val="00B0F0"/>
+            </a:solidFill>
+            <a:prstDash val="solid"/>
+            <a:round/>
+            <a:headEnd type="none" w="med" len="med"/>
+            <a:tailEnd type="none" w="med" len="med"/>
+          </a:ln>
+        </p:spPr>
+        <p:style>
+          <a:lnRef idx="0">
+            <a:scrgbClr r="0" g="0" b="0"/>
+          </a:lnRef>
+          <a:fillRef idx="0">
+            <a:scrgbClr r="0" g="0" b="0"/>
+          </a:fillRef>
+          <a:effectRef idx="0">
+            <a:scrgbClr r="0" g="0" b="0"/>
+          </a:effectRef>
+          <a:fontRef idx="minor">
+            <a:schemeClr val="accent2"/>
+          </a:fontRef>
+        </p:style>
+        <p:txBody>
+          <a:bodyPr rtlCol="0" anchor="ctr"/>
+          <a:lstStyle/>
+          <a:p>
+            <a:pPr algn="ctr"/>
+            <a:endParaRPr lang="en-US"/>
+          </a:p>
+        </p:txBody>
+      </p:sp>
+    </p:spTree>
+    <p:extLst>
+      <p:ext uri="{BB962C8B-B14F-4D97-AF65-F5344CB8AC3E}">
+        <p14:creationId xmlns:p14="http://schemas.microsoft.com/office/powerpoint/2010/main" val="1165472207"/>
+      </p:ext>
+    </p:extLst>
+  </p:cSld>
+  <p:clrMapOvr>
+    <a:masterClrMapping/>
+  </p:clrMapOvr>
+</p:sld>
+</file>
+
+<file path=ppt/slides/slide5.xml><?xml version="1.0" encoding="utf-8"?>
 <p:sld xmlns:a="http://schemas.openxmlformats.org/drawingml/2006/main" xmlns:r="http://schemas.openxmlformats.org/officeDocument/2006/relationships" xmlns:p="http://schemas.openxmlformats.org/presentationml/2006/main">
   <p:cSld>
     <p:spTree>
@@ -8141,7 +9304,7 @@
 </p:sld>
 </file>
 
-<file path=ppt/slides/slide3.xml><?xml version="1.0" encoding="utf-8"?>
+<file path=ppt/slides/slide6.xml><?xml version="1.0" encoding="utf-8"?>
 <p:sld xmlns:a="http://schemas.openxmlformats.org/drawingml/2006/main" xmlns:r="http://schemas.openxmlformats.org/officeDocument/2006/relationships" xmlns:p="http://schemas.openxmlformats.org/presentationml/2006/main">
   <p:cSld>
     <p:spTree>
@@ -9342,7 +10505,7 @@
 </p:sld>
 </file>
 
-<file path=ppt/slides/slide4.xml><?xml version="1.0" encoding="utf-8"?>
+<file path=ppt/slides/slide7.xml><?xml version="1.0" encoding="utf-8"?>
 <p:sld xmlns:a="http://schemas.openxmlformats.org/drawingml/2006/main" xmlns:r="http://schemas.openxmlformats.org/officeDocument/2006/relationships" xmlns:p="http://schemas.openxmlformats.org/presentationml/2006/main">
   <p:cSld>
     <p:spTree>
@@ -10603,424 +11766,6 @@
 </p:sld>
 </file>
 
-<file path=ppt/slides/slide5.xml><?xml version="1.0" encoding="utf-8"?>
-<p:sld xmlns:a="http://schemas.openxmlformats.org/drawingml/2006/main" xmlns:r="http://schemas.openxmlformats.org/officeDocument/2006/relationships" xmlns:p="http://schemas.openxmlformats.org/presentationml/2006/main">
-  <p:cSld>
-    <p:spTree>
-      <p:nvGrpSpPr>
-        <p:cNvPr id="1" name=""/>
-        <p:cNvGrpSpPr/>
-        <p:nvPr/>
-      </p:nvGrpSpPr>
-      <p:grpSpPr>
-        <a:xfrm>
-          <a:off x="0" y="0"/>
-          <a:ext cx="0" cy="0"/>
-          <a:chOff x="0" y="0"/>
-          <a:chExt cx="0" cy="0"/>
-        </a:xfrm>
-      </p:grpSpPr>
-      <p:sp>
-        <p:nvSpPr>
-          <p:cNvPr id="268290" name="Rectangle 2">
-            <a:extLst>
-              <a:ext uri="{FF2B5EF4-FFF2-40B4-BE49-F238E27FC236}">
-                <a16:creationId xmlns:a16="http://schemas.microsoft.com/office/drawing/2014/main" id="{F9B7C516-CD3E-5C7B-4E3A-893016C7C0B4}"/>
-              </a:ext>
-            </a:extLst>
-          </p:cNvPr>
-          <p:cNvSpPr>
-            <a:spLocks noGrp="1" noChangeArrowheads="1"/>
-          </p:cNvSpPr>
-          <p:nvPr>
-            <p:ph type="title"/>
-          </p:nvPr>
-        </p:nvSpPr>
-        <p:spPr/>
-        <p:txBody>
-          <a:bodyPr/>
-          <a:lstStyle/>
-          <a:p>
-            <a:r>
-              <a:rPr lang="en-US" altLang="en-US"/>
-              <a:t>Establishing a Connection</a:t>
-            </a:r>
-          </a:p>
-        </p:txBody>
-      </p:sp>
-      <p:sp>
-        <p:nvSpPr>
-          <p:cNvPr id="268291" name="Rectangle 3">
-            <a:extLst>
-              <a:ext uri="{FF2B5EF4-FFF2-40B4-BE49-F238E27FC236}">
-                <a16:creationId xmlns:a16="http://schemas.microsoft.com/office/drawing/2014/main" id="{27A4FAD0-FCBA-C851-9572-BEB9770D9E45}"/>
-              </a:ext>
-            </a:extLst>
-          </p:cNvPr>
-          <p:cNvSpPr>
-            <a:spLocks noGrp="1" noChangeArrowheads="1"/>
-          </p:cNvSpPr>
-          <p:nvPr>
-            <p:ph idx="1"/>
-          </p:nvPr>
-        </p:nvSpPr>
-        <p:spPr>
-          <a:xfrm>
-            <a:off x="1905000" y="1676400"/>
-            <a:ext cx="8153400" cy="4343400"/>
-          </a:xfrm>
-        </p:spPr>
-        <p:txBody>
-          <a:bodyPr/>
-          <a:lstStyle/>
-          <a:p>
-            <a:pPr>
-              <a:buFont typeface="Wingdings" panose="05000000000000000000" pitchFamily="2" charset="2"/>
-              <a:buNone/>
-            </a:pPr>
-            <a:r>
-              <a:rPr lang="en-US" altLang="en-US"/>
-              <a:t>Use the getConnection() method</a:t>
-            </a:r>
-          </a:p>
-          <a:p>
-            <a:pPr lvl="1"/>
-            <a:r>
-              <a:rPr lang="en-US" altLang="en-US"/>
-              <a:t>under the DriverManager class</a:t>
-            </a:r>
-          </a:p>
-          <a:p>
-            <a:pPr lvl="1"/>
-            <a:r>
-              <a:rPr lang="en-US" altLang="en-US"/>
-              <a:t>String argument:  "</a:t>
-            </a:r>
-            <a:r>
-              <a:rPr lang="en-US" altLang="en-US" i="1"/>
-              <a:t>jdbc:driver:name</a:t>
-            </a:r>
-            <a:r>
-              <a:rPr lang="en-US" altLang="en-US"/>
-              <a:t>”</a:t>
-            </a:r>
-          </a:p>
-          <a:p>
-            <a:pPr lvl="1"/>
-            <a:r>
-              <a:rPr lang="en-US" altLang="en-US"/>
-              <a:t>returns a Connection object</a:t>
-            </a:r>
-            <a:endParaRPr lang="en-US" altLang="en-US" i="1"/>
-          </a:p>
-          <a:p>
-            <a:pPr lvl="1"/>
-            <a:endParaRPr lang="en-US" altLang="en-US" sz="2200"/>
-          </a:p>
-          <a:p>
-            <a:pPr lvl="1">
-              <a:buFont typeface="Wingdings" panose="05000000000000000000" pitchFamily="2" charset="2"/>
-              <a:buNone/>
-            </a:pPr>
-            <a:r>
-              <a:rPr lang="en-US" altLang="en-US" sz="2200"/>
-              <a:t>Class.forName(“sun.jdbc.odbc.JdbcOdbcDriver”);</a:t>
-            </a:r>
-          </a:p>
-          <a:p>
-            <a:pPr lvl="1">
-              <a:buFont typeface="Wingdings" panose="05000000000000000000" pitchFamily="2" charset="2"/>
-              <a:buNone/>
-            </a:pPr>
-            <a:r>
-              <a:rPr lang="en-US" altLang="en-US" sz="2200"/>
-              <a:t>// above line loads the jdbc-odbc driver</a:t>
-            </a:r>
-          </a:p>
-          <a:p>
-            <a:pPr lvl="1">
-              <a:buFont typeface="Wingdings" panose="05000000000000000000" pitchFamily="2" charset="2"/>
-              <a:buNone/>
-            </a:pPr>
-            <a:r>
-              <a:rPr lang="en-US" altLang="en-US" sz="2200"/>
-              <a:t>String dbname = “jdbc:odbc:MyDB”;</a:t>
-            </a:r>
-          </a:p>
-          <a:p>
-            <a:pPr lvl="1">
-              <a:buFont typeface="Wingdings" panose="05000000000000000000" pitchFamily="2" charset="2"/>
-              <a:buNone/>
-            </a:pPr>
-            <a:r>
-              <a:rPr lang="en-US" altLang="en-US" sz="2200"/>
-              <a:t>Connection c = DriverManager.getConnection(dbname);</a:t>
-            </a:r>
-          </a:p>
-        </p:txBody>
-      </p:sp>
-    </p:spTree>
-  </p:cSld>
-  <p:clrMapOvr>
-    <a:masterClrMapping/>
-  </p:clrMapOvr>
-</p:sld>
-</file>
-
-<file path=ppt/slides/slide6.xml><?xml version="1.0" encoding="utf-8"?>
-<p:sld xmlns:a="http://schemas.openxmlformats.org/drawingml/2006/main" xmlns:r="http://schemas.openxmlformats.org/officeDocument/2006/relationships" xmlns:p="http://schemas.openxmlformats.org/presentationml/2006/main">
-  <p:cSld>
-    <p:spTree>
-      <p:nvGrpSpPr>
-        <p:cNvPr id="1" name=""/>
-        <p:cNvGrpSpPr/>
-        <p:nvPr/>
-      </p:nvGrpSpPr>
-      <p:grpSpPr>
-        <a:xfrm>
-          <a:off x="0" y="0"/>
-          <a:ext cx="0" cy="0"/>
-          <a:chOff x="0" y="0"/>
-          <a:chExt cx="0" cy="0"/>
-        </a:xfrm>
-      </p:grpSpPr>
-      <p:sp>
-        <p:nvSpPr>
-          <p:cNvPr id="269314" name="Rectangle 2">
-            <a:extLst>
-              <a:ext uri="{FF2B5EF4-FFF2-40B4-BE49-F238E27FC236}">
-                <a16:creationId xmlns:a16="http://schemas.microsoft.com/office/drawing/2014/main" id="{17376407-D507-B776-577B-1C18F8874030}"/>
-              </a:ext>
-            </a:extLst>
-          </p:cNvPr>
-          <p:cNvSpPr>
-            <a:spLocks noGrp="1" noChangeArrowheads="1"/>
-          </p:cNvSpPr>
-          <p:nvPr>
-            <p:ph type="title"/>
-          </p:nvPr>
-        </p:nvSpPr>
-        <p:spPr/>
-        <p:txBody>
-          <a:bodyPr/>
-          <a:lstStyle/>
-          <a:p>
-            <a:r>
-              <a:rPr lang="en-US" altLang="en-US"/>
-              <a:t>Creating a</a:t>
-            </a:r>
-            <a:br>
-              <a:rPr lang="en-US" altLang="en-US"/>
-            </a:br>
-            <a:r>
-              <a:rPr lang="en-US" altLang="en-US"/>
-              <a:t>Statement Object</a:t>
-            </a:r>
-          </a:p>
-        </p:txBody>
-      </p:sp>
-      <p:sp>
-        <p:nvSpPr>
-          <p:cNvPr id="269315" name="Rectangle 3">
-            <a:extLst>
-              <a:ext uri="{FF2B5EF4-FFF2-40B4-BE49-F238E27FC236}">
-                <a16:creationId xmlns:a16="http://schemas.microsoft.com/office/drawing/2014/main" id="{A8B19224-9C6D-83E1-37FE-8792285D5A1E}"/>
-              </a:ext>
-            </a:extLst>
-          </p:cNvPr>
-          <p:cNvSpPr>
-            <a:spLocks noGrp="1" noChangeArrowheads="1"/>
-          </p:cNvSpPr>
-          <p:nvPr>
-            <p:ph idx="1"/>
-          </p:nvPr>
-        </p:nvSpPr>
-        <p:spPr/>
-        <p:txBody>
-          <a:bodyPr/>
-          <a:lstStyle/>
-          <a:p>
-            <a:pPr>
-              <a:buFont typeface="Wingdings" panose="05000000000000000000" pitchFamily="2" charset="2"/>
-              <a:buNone/>
-            </a:pPr>
-            <a:r>
-              <a:rPr lang="en-US" altLang="en-US"/>
-              <a:t>Execute the createStatement() method on the Connection object</a:t>
-            </a:r>
-          </a:p>
-          <a:p>
-            <a:pPr lvl="1"/>
-            <a:r>
-              <a:rPr lang="en-US" altLang="en-US"/>
-              <a:t>returns a Statement object</a:t>
-            </a:r>
-          </a:p>
-          <a:p>
-            <a:pPr lvl="1"/>
-            <a:r>
-              <a:rPr lang="en-US" altLang="en-US"/>
-              <a:t>afterwards, run methods on the Statement object to execute an SQL statement</a:t>
-            </a:r>
-          </a:p>
-          <a:p>
-            <a:endParaRPr lang="en-US" altLang="en-US"/>
-          </a:p>
-          <a:p>
-            <a:pPr lvl="1">
-              <a:buFont typeface="Wingdings" panose="05000000000000000000" pitchFamily="2" charset="2"/>
-              <a:buNone/>
-            </a:pPr>
-            <a:r>
-              <a:rPr lang="en-US" altLang="en-US"/>
-              <a:t>Statement s = c.createStatement();</a:t>
-            </a:r>
-          </a:p>
-        </p:txBody>
-      </p:sp>
-    </p:spTree>
-  </p:cSld>
-  <p:clrMapOvr>
-    <a:masterClrMapping/>
-  </p:clrMapOvr>
-</p:sld>
-</file>
-
-<file path=ppt/slides/slide7.xml><?xml version="1.0" encoding="utf-8"?>
-<p:sld xmlns:a="http://schemas.openxmlformats.org/drawingml/2006/main" xmlns:r="http://schemas.openxmlformats.org/officeDocument/2006/relationships" xmlns:p="http://schemas.openxmlformats.org/presentationml/2006/main">
-  <p:cSld>
-    <p:spTree>
-      <p:nvGrpSpPr>
-        <p:cNvPr id="1" name=""/>
-        <p:cNvGrpSpPr/>
-        <p:nvPr/>
-      </p:nvGrpSpPr>
-      <p:grpSpPr>
-        <a:xfrm>
-          <a:off x="0" y="0"/>
-          <a:ext cx="0" cy="0"/>
-          <a:chOff x="0" y="0"/>
-          <a:chExt cx="0" cy="0"/>
-        </a:xfrm>
-      </p:grpSpPr>
-      <p:sp>
-        <p:nvSpPr>
-          <p:cNvPr id="270338" name="Rectangle 2">
-            <a:extLst>
-              <a:ext uri="{FF2B5EF4-FFF2-40B4-BE49-F238E27FC236}">
-                <a16:creationId xmlns:a16="http://schemas.microsoft.com/office/drawing/2014/main" id="{C8FA0C9C-9724-8E45-3AB5-3070BD4CB0BF}"/>
-              </a:ext>
-            </a:extLst>
-          </p:cNvPr>
-          <p:cNvSpPr>
-            <a:spLocks noGrp="1" noChangeArrowheads="1"/>
-          </p:cNvSpPr>
-          <p:nvPr>
-            <p:ph type="title"/>
-          </p:nvPr>
-        </p:nvSpPr>
-        <p:spPr/>
-        <p:txBody>
-          <a:bodyPr/>
-          <a:lstStyle/>
-          <a:p>
-            <a:r>
-              <a:rPr lang="en-US" altLang="en-US"/>
-              <a:t>Methods of the</a:t>
-            </a:r>
-            <a:br>
-              <a:rPr lang="en-US" altLang="en-US"/>
-            </a:br>
-            <a:r>
-              <a:rPr lang="en-US" altLang="en-US"/>
-              <a:t>Statement Class</a:t>
-            </a:r>
-          </a:p>
-        </p:txBody>
-      </p:sp>
-      <p:sp>
-        <p:nvSpPr>
-          <p:cNvPr id="270339" name="Rectangle 3">
-            <a:extLst>
-              <a:ext uri="{FF2B5EF4-FFF2-40B4-BE49-F238E27FC236}">
-                <a16:creationId xmlns:a16="http://schemas.microsoft.com/office/drawing/2014/main" id="{320CDBE9-EE18-BC2B-C7A4-873B08FA4999}"/>
-              </a:ext>
-            </a:extLst>
-          </p:cNvPr>
-          <p:cNvSpPr>
-            <a:spLocks noGrp="1" noChangeArrowheads="1"/>
-          </p:cNvSpPr>
-          <p:nvPr>
-            <p:ph idx="1"/>
-          </p:nvPr>
-        </p:nvSpPr>
-        <p:spPr/>
-        <p:txBody>
-          <a:bodyPr/>
-          <a:lstStyle/>
-          <a:p>
-            <a:r>
-              <a:rPr lang="en-US" altLang="en-US" sz="2600"/>
-              <a:t>Methods of the Statement class require a string parameter containing the SQL statement</a:t>
-            </a:r>
-          </a:p>
-          <a:p>
-            <a:r>
-              <a:rPr lang="en-US" altLang="en-US" sz="2600"/>
-              <a:t>executeQuery()</a:t>
-            </a:r>
-          </a:p>
-          <a:p>
-            <a:pPr lvl="1"/>
-            <a:r>
-              <a:rPr lang="en-US" altLang="en-US" sz="2200"/>
-              <a:t>requires a String argument (a SELECT statement)</a:t>
-            </a:r>
-          </a:p>
-          <a:p>
-            <a:pPr lvl="1"/>
-            <a:r>
-              <a:rPr lang="en-US" altLang="en-US" sz="2200"/>
-              <a:t>returns a ResultSet object representing the table returned</a:t>
-            </a:r>
-          </a:p>
-          <a:p>
-            <a:r>
-              <a:rPr lang="en-US" altLang="en-US" sz="2600"/>
-              <a:t>executeUpdate()</a:t>
-            </a:r>
-          </a:p>
-          <a:p>
-            <a:pPr lvl="1"/>
-            <a:r>
-              <a:rPr lang="en-US" altLang="en-US" sz="2200"/>
-              <a:t>requires a String argument</a:t>
-            </a:r>
-            <a:br>
-              <a:rPr lang="en-US" altLang="en-US" sz="2200"/>
-            </a:br>
-            <a:r>
-              <a:rPr lang="en-US" altLang="en-US" sz="2200"/>
-              <a:t>(an INSERT, UPDATE, or DELETE statement)</a:t>
-            </a:r>
-          </a:p>
-          <a:p>
-            <a:pPr lvl="1"/>
-            <a:r>
-              <a:rPr lang="en-US" altLang="en-US" sz="2200"/>
-              <a:t>returns an int (row count, in most cases)</a:t>
-            </a:r>
-          </a:p>
-        </p:txBody>
-      </p:sp>
-    </p:spTree>
-  </p:cSld>
-  <p:clrMapOvr>
-    <a:masterClrMapping/>
-  </p:clrMapOvr>
-</p:sld>
-</file>
-
 <file path=ppt/slides/slide8.xml><?xml version="1.0" encoding="utf-8"?>
 <p:sld xmlns:a="http://schemas.openxmlformats.org/drawingml/2006/main" xmlns:r="http://schemas.openxmlformats.org/officeDocument/2006/relationships" xmlns:p="http://schemas.openxmlformats.org/presentationml/2006/main">
   <p:cSld>
@@ -11040,10 +11785,10 @@
       </p:grpSpPr>
       <p:sp>
         <p:nvSpPr>
-          <p:cNvPr id="271362" name="Rectangle 2">
-            <a:extLst>
-              <a:ext uri="{FF2B5EF4-FFF2-40B4-BE49-F238E27FC236}">
-                <a16:creationId xmlns:a16="http://schemas.microsoft.com/office/drawing/2014/main" id="{7A2363D4-ACF8-8ED4-8BB5-6BE3E4BE82B3}"/>
+          <p:cNvPr id="268290" name="Rectangle 2">
+            <a:extLst>
+              <a:ext uri="{FF2B5EF4-FFF2-40B4-BE49-F238E27FC236}">
+                <a16:creationId xmlns:a16="http://schemas.microsoft.com/office/drawing/2014/main" id="{F9B7C516-CD3E-5C7B-4E3A-893016C7C0B4}"/>
               </a:ext>
             </a:extLst>
           </p:cNvPr>
@@ -11061,17 +11806,17 @@
           <a:p>
             <a:r>
               <a:rPr lang="en-US" altLang="en-US"/>
-              <a:t>The ResultSet Interface</a:t>
-            </a:r>
-          </a:p>
-        </p:txBody>
-      </p:sp>
-      <p:sp>
-        <p:nvSpPr>
-          <p:cNvPr id="271363" name="Rectangle 3">
-            <a:extLst>
-              <a:ext uri="{FF2B5EF4-FFF2-40B4-BE49-F238E27FC236}">
-                <a16:creationId xmlns:a16="http://schemas.microsoft.com/office/drawing/2014/main" id="{9F77A470-ACC4-C5A5-2406-D73906961D2C}"/>
+              <a:t>Establishing a Connection</a:t>
+            </a:r>
+          </a:p>
+        </p:txBody>
+      </p:sp>
+      <p:sp>
+        <p:nvSpPr>
+          <p:cNvPr id="268291" name="Rectangle 3">
+            <a:extLst>
+              <a:ext uri="{FF2B5EF4-FFF2-40B4-BE49-F238E27FC236}">
+                <a16:creationId xmlns:a16="http://schemas.microsoft.com/office/drawing/2014/main" id="{27A4FAD0-FCBA-C851-9572-BEB9770D9E45}"/>
               </a:ext>
             </a:extLst>
           </p:cNvPr>
@@ -11082,42 +11827,165 @@
             <p:ph idx="1"/>
           </p:nvPr>
         </p:nvSpPr>
-        <p:spPr/>
-        <p:txBody>
-          <a:bodyPr/>
-          <a:lstStyle/>
-          <a:p>
-            <a:r>
-              <a:rPr lang="en-US" altLang="en-US"/>
-              <a:t>A ResultSet object represents the table returned by the select statement sent</a:t>
-            </a:r>
-          </a:p>
-          <a:p>
-            <a:r>
-              <a:rPr lang="en-US" altLang="en-US"/>
-              <a:t>Navigation/retrieval methods</a:t>
+        <p:spPr>
+          <a:xfrm>
+            <a:off x="838200" y="1690690"/>
+            <a:ext cx="8153400" cy="4343400"/>
+          </a:xfrm>
+        </p:spPr>
+        <p:txBody>
+          <a:bodyPr/>
+          <a:lstStyle/>
+          <a:p>
+            <a:pPr>
+              <a:buFont typeface="Wingdings" panose="05000000000000000000" pitchFamily="2" charset="2"/>
+              <a:buNone/>
+            </a:pPr>
+            <a:r>
+              <a:rPr lang="en-US" altLang="en-US" dirty="0"/>
+              <a:t>Use the </a:t>
+            </a:r>
+            <a:r>
+              <a:rPr lang="en-US" altLang="en-US" dirty="0" err="1"/>
+              <a:t>getConnection</a:t>
+            </a:r>
+            <a:r>
+              <a:rPr lang="en-US" altLang="en-US" dirty="0"/>
+              <a:t>() method</a:t>
             </a:r>
           </a:p>
           <a:p>
             <a:pPr lvl="1"/>
             <a:r>
-              <a:rPr lang="en-US" altLang="en-US"/>
-              <a:t>next():  moves to the next row (first row if called for the first time), returns false if no rows remain</a:t>
+              <a:rPr lang="en-US" altLang="en-US" dirty="0"/>
+              <a:t>under the </a:t>
+            </a:r>
+            <a:r>
+              <a:rPr lang="en-US" altLang="en-US" dirty="0" err="1"/>
+              <a:t>DriverManager</a:t>
+            </a:r>
+            <a:r>
+              <a:rPr lang="en-US" altLang="en-US" dirty="0"/>
+              <a:t> class</a:t>
             </a:r>
           </a:p>
           <a:p>
             <a:pPr lvl="1"/>
             <a:r>
-              <a:rPr lang="en-US" altLang="en-US"/>
-              <a:t>get</a:t>
-            </a:r>
-            <a:r>
-              <a:rPr lang="en-US" altLang="en-US" b="1"/>
-              <a:t>XXX</a:t>
-            </a:r>
-            <a:r>
-              <a:rPr lang="en-US" altLang="en-US"/>
-              <a:t>() methods return the value of a field for the current row </a:t>
+              <a:rPr lang="en-US" altLang="en-US" dirty="0"/>
+              <a:t>String argument:  "</a:t>
+            </a:r>
+            <a:r>
+              <a:rPr lang="en-US" altLang="en-US" i="1" dirty="0" err="1"/>
+              <a:t>jdbc:driver:name</a:t>
+            </a:r>
+            <a:r>
+              <a:rPr lang="en-US" altLang="en-US" dirty="0"/>
+              <a:t>”</a:t>
+            </a:r>
+          </a:p>
+          <a:p>
+            <a:pPr lvl="1"/>
+            <a:r>
+              <a:rPr lang="en-US" altLang="en-US" dirty="0"/>
+              <a:t>returns a Connection object</a:t>
+            </a:r>
+            <a:endParaRPr lang="en-US" altLang="en-US" i="1" dirty="0"/>
+          </a:p>
+          <a:p>
+            <a:pPr lvl="1"/>
+            <a:endParaRPr lang="en-US" altLang="en-US" sz="2200" dirty="0"/>
+          </a:p>
+          <a:p>
+            <a:pPr lvl="1">
+              <a:buFont typeface="Wingdings" panose="05000000000000000000" pitchFamily="2" charset="2"/>
+              <a:buNone/>
+            </a:pPr>
+            <a:r>
+              <a:rPr lang="en-US" altLang="en-US" sz="2200" dirty="0" err="1"/>
+              <a:t>Class.forName</a:t>
+            </a:r>
+            <a:r>
+              <a:rPr lang="en-US" altLang="en-US" sz="2200" dirty="0"/>
+              <a:t>(“</a:t>
+            </a:r>
+            <a:r>
+              <a:rPr lang="en-US" altLang="en-US" sz="2200" dirty="0" err="1"/>
+              <a:t>sun.jdbc.odbc.JdbcOdbcDriver</a:t>
+            </a:r>
+            <a:r>
+              <a:rPr lang="en-US" altLang="en-US" sz="2200" dirty="0"/>
+              <a:t>”);</a:t>
+            </a:r>
+          </a:p>
+          <a:p>
+            <a:pPr lvl="1">
+              <a:buFont typeface="Wingdings" panose="05000000000000000000" pitchFamily="2" charset="2"/>
+              <a:buNone/>
+            </a:pPr>
+            <a:r>
+              <a:rPr lang="en-US" altLang="en-US" sz="2200" dirty="0"/>
+              <a:t>// above line loads the </a:t>
+            </a:r>
+            <a:r>
+              <a:rPr lang="en-US" altLang="en-US" sz="2200" dirty="0" err="1"/>
+              <a:t>jdbc-odbc</a:t>
+            </a:r>
+            <a:r>
+              <a:rPr lang="en-US" altLang="en-US" sz="2200" dirty="0"/>
+              <a:t> driver</a:t>
+            </a:r>
+          </a:p>
+          <a:p>
+            <a:pPr lvl="1">
+              <a:buFont typeface="Wingdings" panose="05000000000000000000" pitchFamily="2" charset="2"/>
+              <a:buNone/>
+            </a:pPr>
+            <a:r>
+              <a:rPr lang="en-US" altLang="en-US" sz="2200" dirty="0"/>
+              <a:t>String </a:t>
+            </a:r>
+            <a:r>
+              <a:rPr lang="en-US" altLang="en-US" sz="2200" dirty="0" err="1"/>
+              <a:t>dbname</a:t>
+            </a:r>
+            <a:r>
+              <a:rPr lang="en-US" altLang="en-US" sz="2200" dirty="0"/>
+              <a:t> = “</a:t>
+            </a:r>
+            <a:r>
+              <a:rPr lang="en-US" altLang="en-US" sz="2200" dirty="0" err="1"/>
+              <a:t>jdbc:odbc:MyDB</a:t>
+            </a:r>
+            <a:r>
+              <a:rPr lang="en-US" altLang="en-US" sz="2200" dirty="0"/>
+              <a:t>”;</a:t>
+            </a:r>
+          </a:p>
+          <a:p>
+            <a:pPr lvl="1">
+              <a:buFont typeface="Wingdings" panose="05000000000000000000" pitchFamily="2" charset="2"/>
+              <a:buNone/>
+            </a:pPr>
+            <a:r>
+              <a:rPr lang="en-US" altLang="en-US" sz="2200" dirty="0"/>
+              <a:t>Connection c = </a:t>
+            </a:r>
+            <a:r>
+              <a:rPr lang="en-US" altLang="en-US" sz="2200" dirty="0" err="1"/>
+              <a:t>DriverManager.getConnection</a:t>
+            </a:r>
+            <a:r>
+              <a:rPr lang="en-US" altLang="en-US" sz="2200" dirty="0"/>
+              <a:t>(</a:t>
+            </a:r>
+            <a:r>
+              <a:rPr lang="en-US" altLang="en-US" sz="2200" dirty="0" err="1"/>
+              <a:t>dbname</a:t>
+            </a:r>
+            <a:r>
+              <a:rPr lang="en-US" altLang="en-US" sz="2200" dirty="0"/>
+              <a:t>);</a:t>
             </a:r>
           </a:p>
         </p:txBody>
@@ -11149,10 +12017,10 @@
       </p:grpSpPr>
       <p:sp>
         <p:nvSpPr>
-          <p:cNvPr id="272386" name="Rectangle 2">
-            <a:extLst>
-              <a:ext uri="{FF2B5EF4-FFF2-40B4-BE49-F238E27FC236}">
-                <a16:creationId xmlns:a16="http://schemas.microsoft.com/office/drawing/2014/main" id="{B859F57E-7BFD-A846-9C7E-52AF8DCB65BE}"/>
+          <p:cNvPr id="269314" name="Rectangle 2">
+            <a:extLst>
+              <a:ext uri="{FF2B5EF4-FFF2-40B4-BE49-F238E27FC236}">
+                <a16:creationId xmlns:a16="http://schemas.microsoft.com/office/drawing/2014/main" id="{17376407-D507-B776-577B-1C18F8874030}"/>
               </a:ext>
             </a:extLst>
           </p:cNvPr>
@@ -11170,17 +12038,24 @@
           <a:p>
             <a:r>
               <a:rPr lang="en-US" altLang="en-US"/>
-              <a:t>ResulSet example</a:t>
-            </a:r>
-          </a:p>
-        </p:txBody>
-      </p:sp>
-      <p:sp>
-        <p:nvSpPr>
-          <p:cNvPr id="272387" name="Rectangle 3">
-            <a:extLst>
-              <a:ext uri="{FF2B5EF4-FFF2-40B4-BE49-F238E27FC236}">
-                <a16:creationId xmlns:a16="http://schemas.microsoft.com/office/drawing/2014/main" id="{990541BB-9D7C-82CC-8B54-EE42D34EA0F4}"/>
+              <a:t>Creating a</a:t>
+            </a:r>
+            <a:br>
+              <a:rPr lang="en-US" altLang="en-US"/>
+            </a:br>
+            <a:r>
+              <a:rPr lang="en-US" altLang="en-US"/>
+              <a:t>Statement Object</a:t>
+            </a:r>
+          </a:p>
+        </p:txBody>
+      </p:sp>
+      <p:sp>
+        <p:nvSpPr>
+          <p:cNvPr id="269315" name="Rectangle 3">
+            <a:extLst>
+              <a:ext uri="{FF2B5EF4-FFF2-40B4-BE49-F238E27FC236}">
+                <a16:creationId xmlns:a16="http://schemas.microsoft.com/office/drawing/2014/main" id="{A8B19224-9C6D-83E1-37FE-8792285D5A1E}"/>
               </a:ext>
             </a:extLst>
           </p:cNvPr>
@@ -11201,247 +12076,52 @@
               <a:buNone/>
             </a:pPr>
             <a:r>
-              <a:rPr lang="en-US" altLang="en-US"/>
-              <a:t>ResultSet rs;</a:t>
-            </a:r>
-          </a:p>
-          <a:p>
-            <a:pPr>
+              <a:rPr lang="en-US" altLang="en-US" dirty="0"/>
+              <a:t>Execute the </a:t>
+            </a:r>
+            <a:r>
+              <a:rPr lang="en-US" altLang="en-US" dirty="0" err="1"/>
+              <a:t>createStatement</a:t>
+            </a:r>
+            <a:r>
+              <a:rPr lang="en-US" altLang="en-US" dirty="0"/>
+              <a:t>() method on the Connection object</a:t>
+            </a:r>
+          </a:p>
+          <a:p>
+            <a:pPr lvl="1"/>
+            <a:r>
+              <a:rPr lang="en-US" altLang="en-US" dirty="0"/>
+              <a:t>returns a Statement object</a:t>
+            </a:r>
+          </a:p>
+          <a:p>
+            <a:pPr lvl="1"/>
+            <a:r>
+              <a:rPr lang="en-US" altLang="en-US" dirty="0"/>
+              <a:t>afterwards, run methods on the Statement object to execute an SQL statement</a:t>
+            </a:r>
+          </a:p>
+          <a:p>
+            <a:endParaRPr lang="en-US" altLang="en-US" dirty="0"/>
+          </a:p>
+          <a:p>
+            <a:pPr lvl="1">
               <a:buFont typeface="Wingdings" panose="05000000000000000000" pitchFamily="2" charset="2"/>
               <a:buNone/>
             </a:pPr>
             <a:r>
-              <a:rPr lang="en-US" altLang="en-US"/>
-              <a:t>rs = s.executeQuery(“SELECT * FROM [ORDER]”);</a:t>
-            </a:r>
-          </a:p>
-          <a:p>
-            <a:pPr>
-              <a:buFont typeface="Wingdings" panose="05000000000000000000" pitchFamily="2" charset="2"/>
-              <a:buNone/>
-            </a:pPr>
-            <a:r>
-              <a:rPr lang="en-US" altLang="en-US"/>
-              <a:t>rs.next(); // gets the first row (use in a loop for multiple rows)</a:t>
-            </a:r>
-          </a:p>
-          <a:p>
-            <a:pPr>
-              <a:buFont typeface="Wingdings" panose="05000000000000000000" pitchFamily="2" charset="2"/>
-              <a:buNone/>
-            </a:pPr>
-            <a:endParaRPr lang="en-US" altLang="en-US"/>
-          </a:p>
-          <a:p>
-            <a:pPr>
-              <a:buFont typeface="Wingdings" panose="05000000000000000000" pitchFamily="2" charset="2"/>
-              <a:buNone/>
-            </a:pPr>
-            <a:r>
-              <a:rPr lang="en-US" altLang="en-US"/>
-              <a:t>// suppose the ORDER table has an integer field</a:t>
-            </a:r>
-          </a:p>
-          <a:p>
-            <a:pPr>
-              <a:buFont typeface="Wingdings" panose="05000000000000000000" pitchFamily="2" charset="2"/>
-              <a:buNone/>
-            </a:pPr>
-            <a:r>
-              <a:rPr lang="en-US" altLang="en-US"/>
-              <a:t>// called </a:t>
-            </a:r>
-            <a:r>
-              <a:rPr lang="en-US" altLang="en-US" i="1"/>
-              <a:t>quantity</a:t>
-            </a:r>
-            <a:r>
-              <a:rPr lang="en-US" altLang="en-US"/>
-              <a:t> </a:t>
-            </a:r>
-          </a:p>
-          <a:p>
-            <a:pPr>
-              <a:buFont typeface="Wingdings" panose="05000000000000000000" pitchFamily="2" charset="2"/>
-              <a:buNone/>
-            </a:pPr>
-            <a:r>
-              <a:rPr lang="en-US" altLang="en-US"/>
-              <a:t>int myvar = rs.getInt(“quantity”);</a:t>
-            </a:r>
-          </a:p>
-          <a:p>
-            <a:pPr>
-              <a:buFont typeface="Wingdings" panose="05000000000000000000" pitchFamily="2" charset="2"/>
-              <a:buNone/>
-            </a:pPr>
-            <a:r>
-              <a:rPr lang="en-US" altLang="en-US"/>
-              <a:t>// if you knew that quantity is the 2nd field in the table</a:t>
-            </a:r>
-          </a:p>
-          <a:p>
-            <a:pPr>
-              <a:buFont typeface="Wingdings" panose="05000000000000000000" pitchFamily="2" charset="2"/>
-              <a:buNone/>
-            </a:pPr>
-            <a:r>
-              <a:rPr lang="en-US" altLang="en-US"/>
-              <a:t>myvar = rs.getInt(2);</a:t>
-            </a:r>
-          </a:p>
-        </p:txBody>
-      </p:sp>
-      <p:sp>
-        <p:nvSpPr>
-          <p:cNvPr id="272388" name="Text Box 4">
-            <a:extLst>
-              <a:ext uri="{FF2B5EF4-FFF2-40B4-BE49-F238E27FC236}">
-                <a16:creationId xmlns:a16="http://schemas.microsoft.com/office/drawing/2014/main" id="{9587472C-E2AD-C36B-5B7F-5DA3E2D64ADC}"/>
-              </a:ext>
-            </a:extLst>
-          </p:cNvPr>
-          <p:cNvSpPr txBox="1">
-            <a:spLocks noChangeArrowheads="1"/>
-          </p:cNvSpPr>
-          <p:nvPr/>
-        </p:nvSpPr>
-        <p:spPr bwMode="auto">
-          <a:xfrm>
-            <a:off x="6477001" y="838200"/>
-            <a:ext cx="2173737" cy="923330"/>
-          </a:xfrm>
-          <a:prstGeom prst="rect">
-            <a:avLst/>
-          </a:prstGeom>
-          <a:noFill/>
-          <a:ln w="9525">
-            <a:solidFill>
-              <a:schemeClr val="tx2"/>
-            </a:solidFill>
-            <a:miter lim="800000"/>
-            <a:headEnd/>
-            <a:tailEnd/>
-          </a:ln>
-          <a:effectLst/>
-          <a:extLst>
-            <a:ext uri="{909E8E84-426E-40DD-AFC4-6F175D3DCCD1}">
-              <a14:hiddenFill xmlns:a14="http://schemas.microsoft.com/office/drawing/2010/main">
-                <a:solidFill>
-                  <a:schemeClr val="accent1"/>
-                </a:solidFill>
-              </a14:hiddenFill>
-            </a:ext>
-            <a:ext uri="{AF507438-7753-43E0-B8FC-AC1667EBCBE1}">
-              <a14:hiddenEffects xmlns:a14="http://schemas.microsoft.com/office/drawing/2010/main">
-                <a:effectLst>
-                  <a:outerShdw dist="35921" dir="2700000" algn="ctr" rotWithShape="0">
-                    <a:schemeClr val="bg2"/>
-                  </a:outerShdw>
-                </a:effectLst>
-              </a14:hiddenEffects>
-            </a:ext>
-          </a:extLst>
-        </p:spPr>
-        <p:txBody>
-          <a:bodyPr wrap="none">
-            <a:spAutoFit/>
-          </a:bodyPr>
-          <a:lstStyle/>
-          <a:p>
-            <a:r>
-              <a:rPr lang="en-US" altLang="en-US">
-                <a:solidFill>
-                  <a:prstClr val="black"/>
-                </a:solidFill>
-                <a:latin typeface="Calibri" panose="020F0502020204030204"/>
-              </a:rPr>
-              <a:t>Need braces because</a:t>
-            </a:r>
-          </a:p>
-          <a:p>
-            <a:r>
-              <a:rPr lang="en-US" altLang="en-US">
-                <a:solidFill>
-                  <a:prstClr val="black"/>
-                </a:solidFill>
-                <a:latin typeface="Calibri" panose="020F0502020204030204"/>
-              </a:rPr>
-              <a:t>ORDER is a reserved</a:t>
-            </a:r>
-          </a:p>
-          <a:p>
-            <a:r>
-              <a:rPr lang="en-US" altLang="en-US">
-                <a:solidFill>
-                  <a:prstClr val="black"/>
-                </a:solidFill>
-                <a:latin typeface="Calibri" panose="020F0502020204030204"/>
-              </a:rPr>
-              <a:t>word in SQL</a:t>
-            </a:r>
-          </a:p>
-        </p:txBody>
-      </p:sp>
-      <p:sp>
-        <p:nvSpPr>
-          <p:cNvPr id="272389" name="Line 5">
-            <a:extLst>
-              <a:ext uri="{FF2B5EF4-FFF2-40B4-BE49-F238E27FC236}">
-                <a16:creationId xmlns:a16="http://schemas.microsoft.com/office/drawing/2014/main" id="{782179D7-ADC1-48C4-A6D1-94AFCC53DF57}"/>
-              </a:ext>
-            </a:extLst>
-          </p:cNvPr>
-          <p:cNvSpPr>
-            <a:spLocks noChangeShapeType="1"/>
-          </p:cNvSpPr>
-          <p:nvPr/>
-        </p:nvSpPr>
-        <p:spPr bwMode="auto">
-          <a:xfrm>
-            <a:off x="7239000" y="1828800"/>
-            <a:ext cx="76200" cy="304800"/>
-          </a:xfrm>
-          <a:prstGeom prst="line">
-            <a:avLst/>
-          </a:prstGeom>
-          <a:noFill/>
-          <a:ln w="9525">
-            <a:solidFill>
-              <a:schemeClr val="tx1"/>
-            </a:solidFill>
-            <a:round/>
-            <a:headEnd/>
-            <a:tailEnd type="triangle" w="med" len="med"/>
-          </a:ln>
-          <a:effectLst/>
-          <a:extLst>
-            <a:ext uri="{909E8E84-426E-40DD-AFC4-6F175D3DCCD1}">
-              <a14:hiddenFill xmlns:a14="http://schemas.microsoft.com/office/drawing/2010/main">
-                <a:noFill/>
-              </a14:hiddenFill>
-            </a:ext>
-            <a:ext uri="{AF507438-7753-43E0-B8FC-AC1667EBCBE1}">
-              <a14:hiddenEffects xmlns:a14="http://schemas.microsoft.com/office/drawing/2010/main">
-                <a:effectLst>
-                  <a:outerShdw dist="35921" dir="2700000" algn="ctr" rotWithShape="0">
-                    <a:schemeClr val="bg2"/>
-                  </a:outerShdw>
-                </a:effectLst>
-              </a14:hiddenEffects>
-            </a:ext>
-          </a:extLst>
-        </p:spPr>
-        <p:txBody>
-          <a:bodyPr/>
-          <a:lstStyle/>
-          <a:p>
-            <a:endParaRPr lang="en-US">
-              <a:solidFill>
-                <a:prstClr val="black"/>
-              </a:solidFill>
-              <a:latin typeface="Calibri" panose="020F0502020204030204"/>
-            </a:endParaRPr>
+              <a:rPr lang="en-US" altLang="en-US" dirty="0"/>
+              <a:t>Statement s = </a:t>
+            </a:r>
+            <a:r>
+              <a:rPr lang="en-US" altLang="en-US" dirty="0" err="1"/>
+              <a:t>c.createStatement</a:t>
+            </a:r>
+            <a:r>
+              <a:rPr lang="en-US" altLang="en-US" dirty="0"/>
+              <a:t>();</a:t>
+            </a:r>
           </a:p>
         </p:txBody>
       </p:sp>

--- a/docs/Java - Working with databases using JDBC.pptx
+++ b/docs/Java - Working with databases using JDBC.pptx
@@ -333,7 +333,7 @@
           <a:p>
             <a:fld id="{56AAE9B1-F1FB-4C8F-94FA-A48907642DBE}" type="datetimeFigureOut">
               <a:rPr lang="en-US" smtClean="0"/>
-              <a:t>5/15/2023</a:t>
+              <a:t>5/16/2023</a:t>
             </a:fld>
             <a:endParaRPr lang="en-US"/>
           </a:p>
@@ -531,7 +531,7 @@
           <a:p>
             <a:fld id="{56AAE9B1-F1FB-4C8F-94FA-A48907642DBE}" type="datetimeFigureOut">
               <a:rPr lang="en-US" smtClean="0"/>
-              <a:t>5/15/2023</a:t>
+              <a:t>5/16/2023</a:t>
             </a:fld>
             <a:endParaRPr lang="en-US"/>
           </a:p>
@@ -739,7 +739,7 @@
           <a:p>
             <a:fld id="{56AAE9B1-F1FB-4C8F-94FA-A48907642DBE}" type="datetimeFigureOut">
               <a:rPr lang="en-US" smtClean="0"/>
-              <a:t>5/15/2023</a:t>
+              <a:t>5/16/2023</a:t>
             </a:fld>
             <a:endParaRPr lang="en-US"/>
           </a:p>
@@ -2848,7 +2848,7 @@
           <a:p>
             <a:fld id="{56AAE9B1-F1FB-4C8F-94FA-A48907642DBE}" type="datetimeFigureOut">
               <a:rPr lang="en-US" smtClean="0"/>
-              <a:t>5/15/2023</a:t>
+              <a:t>5/16/2023</a:t>
             </a:fld>
             <a:endParaRPr lang="en-US"/>
           </a:p>
@@ -3808,7 +3808,7 @@
           <a:p>
             <a:fld id="{56AAE9B1-F1FB-4C8F-94FA-A48907642DBE}" type="datetimeFigureOut">
               <a:rPr lang="en-US" smtClean="0"/>
-              <a:t>5/15/2023</a:t>
+              <a:t>5/16/2023</a:t>
             </a:fld>
             <a:endParaRPr lang="en-US"/>
           </a:p>
@@ -4073,7 +4073,7 @@
           <a:p>
             <a:fld id="{56AAE9B1-F1FB-4C8F-94FA-A48907642DBE}" type="datetimeFigureOut">
               <a:rPr lang="en-US" smtClean="0"/>
-              <a:t>5/15/2023</a:t>
+              <a:t>5/16/2023</a:t>
             </a:fld>
             <a:endParaRPr lang="en-US"/>
           </a:p>
@@ -4485,7 +4485,7 @@
           <a:p>
             <a:fld id="{56AAE9B1-F1FB-4C8F-94FA-A48907642DBE}" type="datetimeFigureOut">
               <a:rPr lang="en-US" smtClean="0"/>
-              <a:t>5/15/2023</a:t>
+              <a:t>5/16/2023</a:t>
             </a:fld>
             <a:endParaRPr lang="en-US"/>
           </a:p>
@@ -4626,7 +4626,7 @@
           <a:p>
             <a:fld id="{56AAE9B1-F1FB-4C8F-94FA-A48907642DBE}" type="datetimeFigureOut">
               <a:rPr lang="en-US" smtClean="0"/>
-              <a:t>5/15/2023</a:t>
+              <a:t>5/16/2023</a:t>
             </a:fld>
             <a:endParaRPr lang="en-US"/>
           </a:p>
@@ -4739,7 +4739,7 @@
           <a:p>
             <a:fld id="{56AAE9B1-F1FB-4C8F-94FA-A48907642DBE}" type="datetimeFigureOut">
               <a:rPr lang="en-US" smtClean="0"/>
-              <a:t>5/15/2023</a:t>
+              <a:t>5/16/2023</a:t>
             </a:fld>
             <a:endParaRPr lang="en-US"/>
           </a:p>
@@ -5050,7 +5050,7 @@
           <a:p>
             <a:fld id="{56AAE9B1-F1FB-4C8F-94FA-A48907642DBE}" type="datetimeFigureOut">
               <a:rPr lang="en-US" smtClean="0"/>
-              <a:t>5/15/2023</a:t>
+              <a:t>5/16/2023</a:t>
             </a:fld>
             <a:endParaRPr lang="en-US"/>
           </a:p>
@@ -5338,7 +5338,7 @@
           <a:p>
             <a:fld id="{56AAE9B1-F1FB-4C8F-94FA-A48907642DBE}" type="datetimeFigureOut">
               <a:rPr lang="en-US" smtClean="0"/>
-              <a:t>5/15/2023</a:t>
+              <a:t>5/16/2023</a:t>
             </a:fld>
             <a:endParaRPr lang="en-US"/>
           </a:p>
@@ -5579,7 +5579,7 @@
           <a:p>
             <a:fld id="{56AAE9B1-F1FB-4C8F-94FA-A48907642DBE}" type="datetimeFigureOut">
               <a:rPr lang="en-US" smtClean="0"/>
-              <a:t>5/15/2023</a:t>
+              <a:t>5/16/2023</a:t>
             </a:fld>
             <a:endParaRPr lang="en-US"/>
           </a:p>
@@ -6704,54 +6704,70 @@
           <a:lstStyle/>
           <a:p>
             <a:r>
-              <a:rPr lang="en-US" altLang="en-US" sz="2600"/>
+              <a:rPr lang="en-US" altLang="en-US" sz="2600" dirty="0"/>
               <a:t>Methods of the Statement class require a string parameter containing the SQL statement</a:t>
             </a:r>
           </a:p>
           <a:p>
             <a:r>
-              <a:rPr lang="en-US" altLang="en-US" sz="2600"/>
-              <a:t>executeQuery()</a:t>
+              <a:rPr lang="en-US" altLang="en-US" sz="2600" b="1" dirty="0" err="1"/>
+              <a:t>executeQuery</a:t>
+            </a:r>
+            <a:r>
+              <a:rPr lang="en-US" altLang="en-US" sz="2600" b="1" dirty="0"/>
+              <a:t>()</a:t>
             </a:r>
           </a:p>
           <a:p>
             <a:pPr lvl="1"/>
             <a:r>
-              <a:rPr lang="en-US" altLang="en-US" sz="2200"/>
+              <a:rPr lang="en-US" altLang="en-US" sz="2200" dirty="0"/>
               <a:t>requires a String argument (a SELECT statement)</a:t>
             </a:r>
           </a:p>
           <a:p>
             <a:pPr lvl="1"/>
             <a:r>
-              <a:rPr lang="en-US" altLang="en-US" sz="2200"/>
-              <a:t>returns a ResultSet object representing the table returned</a:t>
-            </a:r>
-          </a:p>
-          <a:p>
-            <a:r>
-              <a:rPr lang="en-US" altLang="en-US" sz="2600"/>
-              <a:t>executeUpdate()</a:t>
+              <a:rPr lang="en-US" altLang="en-US" sz="2200" dirty="0"/>
+              <a:t>returns a </a:t>
+            </a:r>
+            <a:r>
+              <a:rPr lang="en-US" altLang="en-US" sz="2200" dirty="0" err="1"/>
+              <a:t>ResultSet</a:t>
+            </a:r>
+            <a:r>
+              <a:rPr lang="en-US" altLang="en-US" sz="2200" dirty="0"/>
+              <a:t> object representing the table returned</a:t>
+            </a:r>
+          </a:p>
+          <a:p>
+            <a:r>
+              <a:rPr lang="en-US" altLang="en-US" sz="2600" b="1" dirty="0" err="1"/>
+              <a:t>executeUpdate</a:t>
+            </a:r>
+            <a:r>
+              <a:rPr lang="en-US" altLang="en-US" sz="2600" b="1" dirty="0"/>
+              <a:t>()</a:t>
             </a:r>
           </a:p>
           <a:p>
             <a:pPr lvl="1"/>
             <a:r>
-              <a:rPr lang="en-US" altLang="en-US" sz="2200"/>
+              <a:rPr lang="en-US" altLang="en-US" sz="2200" dirty="0"/>
               <a:t>requires a String argument</a:t>
             </a:r>
             <a:br>
-              <a:rPr lang="en-US" altLang="en-US" sz="2200"/>
+              <a:rPr lang="en-US" altLang="en-US" sz="2200" dirty="0"/>
             </a:br>
             <a:r>
-              <a:rPr lang="en-US" altLang="en-US" sz="2200"/>
+              <a:rPr lang="en-US" altLang="en-US" sz="2200" dirty="0"/>
               <a:t>(an INSERT, UPDATE, or DELETE statement)</a:t>
             </a:r>
           </a:p>
           <a:p>
             <a:pPr lvl="1"/>
             <a:r>
-              <a:rPr lang="en-US" altLang="en-US" sz="2200"/>
+              <a:rPr lang="en-US" altLang="en-US" sz="2200" dirty="0"/>
               <a:t>returns an int (row count, in most cases)</a:t>
             </a:r>
           </a:p>
@@ -8613,8 +8629,8 @@
             <a:chExt cx="2558160" cy="2318760"/>
           </a:xfrm>
         </p:grpSpPr>
-        <mc:AlternateContent xmlns:mc="http://schemas.openxmlformats.org/markup-compatibility/2006">
-          <mc:Choice xmlns:p14="http://schemas.microsoft.com/office/powerpoint/2010/main" Requires="p14">
+        <mc:AlternateContent xmlns:mc="http://schemas.openxmlformats.org/markup-compatibility/2006" xmlns:p14="http://schemas.microsoft.com/office/powerpoint/2010/main">
+          <mc:Choice Requires="p14">
             <p:contentPart p14:bwMode="auto" r:id="rId3">
               <p14:nvContentPartPr>
                 <p14:cNvPr id="6" name="Ink 5">
@@ -8633,7 +8649,7 @@
               </p14:xfrm>
             </p:contentPart>
           </mc:Choice>
-          <mc:Fallback>
+          <mc:Fallback xmlns="">
             <p:pic>
               <p:nvPicPr>
                 <p:cNvPr id="6" name="Ink 5">
@@ -8664,8 +8680,8 @@
             </p:pic>
           </mc:Fallback>
         </mc:AlternateContent>
-        <mc:AlternateContent xmlns:mc="http://schemas.openxmlformats.org/markup-compatibility/2006">
-          <mc:Choice xmlns:p14="http://schemas.microsoft.com/office/powerpoint/2010/main" Requires="p14">
+        <mc:AlternateContent xmlns:mc="http://schemas.openxmlformats.org/markup-compatibility/2006" xmlns:p14="http://schemas.microsoft.com/office/powerpoint/2010/main">
+          <mc:Choice Requires="p14">
             <p:contentPart p14:bwMode="auto" r:id="rId5">
               <p14:nvContentPartPr>
                 <p14:cNvPr id="7" name="Ink 6">
@@ -8684,7 +8700,7 @@
               </p14:xfrm>
             </p:contentPart>
           </mc:Choice>
-          <mc:Fallback>
+          <mc:Fallback xmlns="">
             <p:pic>
               <p:nvPicPr>
                 <p:cNvPr id="7" name="Ink 6">
@@ -8960,7 +8976,7 @@
           <a:p>
             <a:r>
               <a:rPr lang="en-US" dirty="0"/>
-              <a:t>JDBC</a:t>
+              <a:t>JDBC (Java Database Connectivity)</a:t>
             </a:r>
           </a:p>
         </p:txBody>
@@ -9100,6 +9116,47 @@
           </a:p>
         </p:txBody>
       </p:sp>
+      <p:sp>
+        <p:nvSpPr>
+          <p:cNvPr id="4" name="TextBox 3">
+            <a:extLst>
+              <a:ext uri="{FF2B5EF4-FFF2-40B4-BE49-F238E27FC236}">
+                <a16:creationId xmlns:a16="http://schemas.microsoft.com/office/drawing/2014/main" id="{ABCDB93F-378E-5247-FCF7-136845CE3D77}"/>
+              </a:ext>
+            </a:extLst>
+          </p:cNvPr>
+          <p:cNvSpPr txBox="1"/>
+          <p:nvPr/>
+        </p:nvSpPr>
+        <p:spPr>
+          <a:xfrm>
+            <a:off x="5486400" y="6401440"/>
+            <a:ext cx="6094520" cy="369332"/>
+          </a:xfrm>
+          <a:prstGeom prst="rect">
+            <a:avLst/>
+          </a:prstGeom>
+          <a:noFill/>
+        </p:spPr>
+        <p:txBody>
+          <a:bodyPr wrap="square">
+            <a:spAutoFit/>
+          </a:bodyPr>
+          <a:lstStyle/>
+          <a:p>
+            <a:r>
+              <a:rPr lang="en-US" dirty="0">
+                <a:hlinkClick r:id="rId3"/>
+              </a:rPr>
+              <a:t>https://docs.oracle.com/javase/tutorial/jdbc/basics/index.html</a:t>
+            </a:r>
+            <a:r>
+              <a:rPr lang="en-US" dirty="0"/>
+              <a:t> </a:t>
+            </a:r>
+          </a:p>
+        </p:txBody>
+      </p:sp>
     </p:spTree>
     <p:extLst>
       <p:ext uri="{BB962C8B-B14F-4D97-AF65-F5344CB8AC3E}">
@@ -9200,7 +9257,15 @@
             <a:pPr lvl="1"/>
             <a:r>
               <a:rPr lang="en-US" altLang="en-US" dirty="0"/>
-              <a:t>provides access to a relational database (by allowing SQL statements to be sent and executed through a Java program)</a:t>
+              <a:t>provides access to a relational database (by </a:t>
+            </a:r>
+            <a:r>
+              <a:rPr lang="en-US" altLang="en-US" i="1" dirty="0"/>
+              <a:t>allowing SQL statements to be sent and executed through a Java program</a:t>
+            </a:r>
+            <a:r>
+              <a:rPr lang="en-US" altLang="en-US" dirty="0"/>
+              <a:t>)</a:t>
             </a:r>
           </a:p>
           <a:p>
@@ -9210,11 +9275,11 @@
               <a:t>JDBC package:  set of Java classes that facilitate this access (</a:t>
             </a:r>
             <a:r>
-              <a:rPr lang="en-US" altLang="en-US" dirty="0" err="1"/>
+              <a:rPr lang="en-US" altLang="en-US" b="1" dirty="0" err="1"/>
               <a:t>java.sql</a:t>
             </a:r>
             <a:r>
-              <a:rPr lang="en-US" altLang="en-US" dirty="0"/>
+              <a:rPr lang="en-US" altLang="en-US" b="1" dirty="0"/>
               <a:t>.*)</a:t>
             </a:r>
           </a:p>
@@ -10572,41 +10637,53 @@
           <a:lstStyle/>
           <a:p>
             <a:r>
-              <a:rPr lang="en-US" altLang="en-US"/>
+              <a:rPr lang="en-US" altLang="en-US" dirty="0"/>
               <a:t>Connection</a:t>
             </a:r>
           </a:p>
           <a:p>
             <a:pPr lvl="1"/>
             <a:r>
-              <a:rPr lang="en-US" altLang="en-US"/>
+              <a:rPr lang="en-US" altLang="en-US" dirty="0"/>
               <a:t>need to create an instance of this class when establishing a connection to the database</a:t>
             </a:r>
           </a:p>
           <a:p>
             <a:r>
-              <a:rPr lang="en-US" altLang="en-US"/>
+              <a:rPr lang="en-US" altLang="en-US" dirty="0"/>
               <a:t>Statement</a:t>
             </a:r>
           </a:p>
           <a:p>
             <a:pPr lvl="1"/>
             <a:r>
-              <a:rPr lang="en-US" altLang="en-US"/>
+              <a:rPr lang="en-US" altLang="en-US" dirty="0"/>
               <a:t>for issuing SQL statements</a:t>
             </a:r>
           </a:p>
           <a:p>
             <a:r>
-              <a:rPr lang="en-US" altLang="en-US"/>
-              <a:t>ResultSet (interface)</a:t>
+              <a:rPr lang="en-US" altLang="en-US" dirty="0" err="1"/>
+              <a:t>ResultSet</a:t>
+            </a:r>
+            <a:r>
+              <a:rPr lang="en-US" altLang="en-US" dirty="0"/>
+              <a:t> (interface)</a:t>
             </a:r>
           </a:p>
           <a:p>
             <a:pPr lvl="1"/>
             <a:r>
-              <a:rPr lang="en-US" altLang="en-US"/>
-              <a:t>a ResultSet object represents the table returned  by an SQL select statement</a:t>
+              <a:rPr lang="en-US" altLang="en-US" dirty="0"/>
+              <a:t>a </a:t>
+            </a:r>
+            <a:r>
+              <a:rPr lang="en-US" altLang="en-US" dirty="0" err="1"/>
+              <a:t>ResultSet</a:t>
+            </a:r>
+            <a:r>
+              <a:rPr lang="en-US" altLang="en-US" dirty="0"/>
+              <a:t> object represents the table returned  by an SQL select statement</a:t>
             </a:r>
           </a:p>
         </p:txBody>
@@ -10625,10 +10702,10 @@
         </p:nvGrpSpPr>
         <p:grpSpPr>
           <a:xfrm>
-            <a:off x="1922786" y="4178298"/>
-            <a:ext cx="7977188" cy="2133600"/>
-            <a:chOff x="555625" y="4343400"/>
-            <a:chExt cx="7977188" cy="2133600"/>
+            <a:off x="1824362" y="4178298"/>
+            <a:ext cx="8075612" cy="2133600"/>
+            <a:chOff x="457201" y="4343400"/>
+            <a:chExt cx="8075612" cy="2133600"/>
           </a:xfrm>
         </p:grpSpPr>
         <p:sp>
@@ -10647,8 +10724,8 @@
           </p:nvSpPr>
           <p:spPr bwMode="auto">
             <a:xfrm>
-              <a:off x="555625" y="4460875"/>
-              <a:ext cx="1096963" cy="457200"/>
+              <a:off x="457201" y="4460875"/>
+              <a:ext cx="1195387" cy="457200"/>
             </a:xfrm>
             <a:prstGeom prst="rect">
               <a:avLst/>
@@ -10688,11 +10765,20 @@
             <a:p>
               <a:pPr algn="ctr"/>
               <a:r>
-                <a:rPr lang="en-US" altLang="en-US" sz="1400">
+                <a:rPr lang="en-US" altLang="en-US" sz="1400" b="1" dirty="0" err="1">
+                  <a:solidFill>
+                    <a:srgbClr val="00B0F0"/>
+                  </a:solidFill>
                   <a:latin typeface="Garamond" panose="02020404030301010803" pitchFamily="18" charset="0"/>
                 </a:rPr>
                 <a:t>DriverManager</a:t>
               </a:r>
+              <a:endParaRPr lang="en-US" altLang="en-US" sz="1400" b="1" dirty="0">
+                <a:solidFill>
+                  <a:srgbClr val="00B0F0"/>
+                </a:solidFill>
+                <a:latin typeface="Garamond" panose="02020404030301010803" pitchFamily="18" charset="0"/>
+              </a:endParaRPr>
             </a:p>
           </p:txBody>
         </p:sp>
@@ -10825,7 +10911,10 @@
             <a:p>
               <a:pPr algn="ctr"/>
               <a:r>
-                <a:rPr lang="en-US" altLang="en-US" sz="1400">
+                <a:rPr lang="en-US" altLang="en-US" sz="1400" b="1" dirty="0">
+                  <a:solidFill>
+                    <a:srgbClr val="00B0F0"/>
+                  </a:solidFill>
                   <a:latin typeface="Garamond" panose="02020404030301010803" pitchFamily="18" charset="0"/>
                 </a:rPr>
                 <a:t>Connection</a:t>
@@ -11019,7 +11108,10 @@
             <a:p>
               <a:pPr algn="ctr"/>
               <a:r>
-                <a:rPr lang="en-US" altLang="en-US" sz="1400">
+                <a:rPr lang="en-US" altLang="en-US" sz="1400" b="1" dirty="0">
+                  <a:solidFill>
+                    <a:srgbClr val="00B0F0"/>
+                  </a:solidFill>
                   <a:latin typeface="Garamond" panose="02020404030301010803" pitchFamily="18" charset="0"/>
                 </a:rPr>
                 <a:t>Statement</a:t>
@@ -11154,10 +11246,22 @@
             <a:p>
               <a:pPr algn="ctr"/>
               <a:r>
-                <a:rPr lang="en-US" altLang="en-US" sz="1400">
+                <a:rPr lang="en-US" altLang="en-US" sz="1400" b="1" dirty="0">
+                  <a:solidFill>
+                    <a:srgbClr val="00B0F0"/>
+                  </a:solidFill>
                   <a:latin typeface="Garamond" panose="02020404030301010803" pitchFamily="18" charset="0"/>
                 </a:rPr>
-                <a:t>Result Set</a:t>
+                <a:t>Result</a:t>
+              </a:r>
+              <a:r>
+                <a:rPr lang="en-US" altLang="en-US" sz="1400" dirty="0">
+                  <a:solidFill>
+                    <a:srgbClr val="00B0F0"/>
+                  </a:solidFill>
+                  <a:latin typeface="Garamond" panose="02020404030301010803" pitchFamily="18" charset="0"/>
+                </a:rPr>
+                <a:t> Set</a:t>
               </a:r>
             </a:p>
           </p:txBody>
@@ -11219,7 +11323,10 @@
             <a:p>
               <a:pPr algn="ctr"/>
               <a:r>
-                <a:rPr lang="en-US" altLang="en-US" sz="1400">
+                <a:rPr lang="en-US" altLang="en-US" sz="1400" b="1" dirty="0">
+                  <a:solidFill>
+                    <a:srgbClr val="00B0F0"/>
+                  </a:solidFill>
                   <a:latin typeface="Garamond" panose="02020404030301010803" pitchFamily="18" charset="0"/>
                 </a:rPr>
                 <a:t>Driver</a:t>
@@ -11902,19 +12009,19 @@
               <a:buNone/>
             </a:pPr>
             <a:r>
-              <a:rPr lang="en-US" altLang="en-US" sz="2200" dirty="0" err="1"/>
+              <a:rPr lang="en-US" altLang="en-US" sz="2200" b="1" dirty="0" err="1"/>
               <a:t>Class.forName</a:t>
             </a:r>
             <a:r>
-              <a:rPr lang="en-US" altLang="en-US" sz="2200" dirty="0"/>
+              <a:rPr lang="en-US" altLang="en-US" sz="2200" b="1" dirty="0"/>
               <a:t>(“</a:t>
             </a:r>
             <a:r>
-              <a:rPr lang="en-US" altLang="en-US" sz="2200" dirty="0" err="1"/>
+              <a:rPr lang="en-US" altLang="en-US" sz="2200" b="1" dirty="0" err="1"/>
               <a:t>sun.jdbc.odbc.JdbcOdbcDriver</a:t>
             </a:r>
             <a:r>
-              <a:rPr lang="en-US" altLang="en-US" sz="2200" dirty="0"/>
+              <a:rPr lang="en-US" altLang="en-US" sz="2200" b="1" dirty="0"/>
               <a:t>”);</a:t>
             </a:r>
           </a:p>
@@ -11942,23 +12049,23 @@
               <a:buNone/>
             </a:pPr>
             <a:r>
-              <a:rPr lang="en-US" altLang="en-US" sz="2200" dirty="0"/>
+              <a:rPr lang="en-US" altLang="en-US" sz="2200" b="1" dirty="0"/>
               <a:t>String </a:t>
             </a:r>
             <a:r>
-              <a:rPr lang="en-US" altLang="en-US" sz="2200" dirty="0" err="1"/>
+              <a:rPr lang="en-US" altLang="en-US" sz="2200" b="1" dirty="0" err="1"/>
               <a:t>dbname</a:t>
             </a:r>
             <a:r>
-              <a:rPr lang="en-US" altLang="en-US" sz="2200" dirty="0"/>
+              <a:rPr lang="en-US" altLang="en-US" sz="2200" b="1" dirty="0"/>
               <a:t> = “</a:t>
             </a:r>
             <a:r>
-              <a:rPr lang="en-US" altLang="en-US" sz="2200" dirty="0" err="1"/>
+              <a:rPr lang="en-US" altLang="en-US" sz="2200" b="1" dirty="0" err="1"/>
               <a:t>jdbc:odbc:MyDB</a:t>
             </a:r>
             <a:r>
-              <a:rPr lang="en-US" altLang="en-US" sz="2200" dirty="0"/>
+              <a:rPr lang="en-US" altLang="en-US" sz="2200" b="1" dirty="0"/>
               <a:t>”;</a:t>
             </a:r>
           </a:p>
@@ -11968,23 +12075,23 @@
               <a:buNone/>
             </a:pPr>
             <a:r>
-              <a:rPr lang="en-US" altLang="en-US" sz="2200" dirty="0"/>
+              <a:rPr lang="en-US" altLang="en-US" sz="2200" b="1" dirty="0"/>
               <a:t>Connection c = </a:t>
             </a:r>
             <a:r>
-              <a:rPr lang="en-US" altLang="en-US" sz="2200" dirty="0" err="1"/>
+              <a:rPr lang="en-US" altLang="en-US" sz="2200" b="1" dirty="0" err="1"/>
               <a:t>DriverManager.getConnection</a:t>
             </a:r>
             <a:r>
-              <a:rPr lang="en-US" altLang="en-US" sz="2200" dirty="0"/>
+              <a:rPr lang="en-US" altLang="en-US" sz="2200" b="1" dirty="0"/>
               <a:t>(</a:t>
             </a:r>
             <a:r>
-              <a:rPr lang="en-US" altLang="en-US" sz="2200" dirty="0" err="1"/>
+              <a:rPr lang="en-US" altLang="en-US" sz="2200" b="1" dirty="0" err="1"/>
               <a:t>dbname</a:t>
             </a:r>
             <a:r>
-              <a:rPr lang="en-US" altLang="en-US" sz="2200" dirty="0"/>
+              <a:rPr lang="en-US" altLang="en-US" sz="2200" b="1" dirty="0"/>
               <a:t>);</a:t>
             </a:r>
           </a:p>
@@ -12111,15 +12218,15 @@
               <a:buNone/>
             </a:pPr>
             <a:r>
-              <a:rPr lang="en-US" altLang="en-US" dirty="0"/>
+              <a:rPr lang="en-US" altLang="en-US" b="1" dirty="0"/>
               <a:t>Statement s = </a:t>
             </a:r>
             <a:r>
-              <a:rPr lang="en-US" altLang="en-US" dirty="0" err="1"/>
+              <a:rPr lang="en-US" altLang="en-US" b="1" dirty="0" err="1"/>
               <a:t>c.createStatement</a:t>
             </a:r>
             <a:r>
-              <a:rPr lang="en-US" altLang="en-US" dirty="0"/>
+              <a:rPr lang="en-US" altLang="en-US" b="1" dirty="0"/>
               <a:t>();</a:t>
             </a:r>
           </a:p>

--- a/docs/Java - Working with databases using JDBC.pptx
+++ b/docs/Java - Working with databases using JDBC.pptx
@@ -333,7 +333,7 @@
           <a:p>
             <a:fld id="{56AAE9B1-F1FB-4C8F-94FA-A48907642DBE}" type="datetimeFigureOut">
               <a:rPr lang="en-US" smtClean="0"/>
-              <a:t>5/16/2023</a:t>
+              <a:t>5/17/2023</a:t>
             </a:fld>
             <a:endParaRPr lang="en-US"/>
           </a:p>
@@ -531,7 +531,7 @@
           <a:p>
             <a:fld id="{56AAE9B1-F1FB-4C8F-94FA-A48907642DBE}" type="datetimeFigureOut">
               <a:rPr lang="en-US" smtClean="0"/>
-              <a:t>5/16/2023</a:t>
+              <a:t>5/17/2023</a:t>
             </a:fld>
             <a:endParaRPr lang="en-US"/>
           </a:p>
@@ -739,7 +739,7 @@
           <a:p>
             <a:fld id="{56AAE9B1-F1FB-4C8F-94FA-A48907642DBE}" type="datetimeFigureOut">
               <a:rPr lang="en-US" smtClean="0"/>
-              <a:t>5/16/2023</a:t>
+              <a:t>5/17/2023</a:t>
             </a:fld>
             <a:endParaRPr lang="en-US"/>
           </a:p>
@@ -2848,7 +2848,7 @@
           <a:p>
             <a:fld id="{56AAE9B1-F1FB-4C8F-94FA-A48907642DBE}" type="datetimeFigureOut">
               <a:rPr lang="en-US" smtClean="0"/>
-              <a:t>5/16/2023</a:t>
+              <a:t>5/17/2023</a:t>
             </a:fld>
             <a:endParaRPr lang="en-US"/>
           </a:p>
@@ -3808,7 +3808,7 @@
           <a:p>
             <a:fld id="{56AAE9B1-F1FB-4C8F-94FA-A48907642DBE}" type="datetimeFigureOut">
               <a:rPr lang="en-US" smtClean="0"/>
-              <a:t>5/16/2023</a:t>
+              <a:t>5/17/2023</a:t>
             </a:fld>
             <a:endParaRPr lang="en-US"/>
           </a:p>
@@ -4073,7 +4073,7 @@
           <a:p>
             <a:fld id="{56AAE9B1-F1FB-4C8F-94FA-A48907642DBE}" type="datetimeFigureOut">
               <a:rPr lang="en-US" smtClean="0"/>
-              <a:t>5/16/2023</a:t>
+              <a:t>5/17/2023</a:t>
             </a:fld>
             <a:endParaRPr lang="en-US"/>
           </a:p>
@@ -4485,7 +4485,7 @@
           <a:p>
             <a:fld id="{56AAE9B1-F1FB-4C8F-94FA-A48907642DBE}" type="datetimeFigureOut">
               <a:rPr lang="en-US" smtClean="0"/>
-              <a:t>5/16/2023</a:t>
+              <a:t>5/17/2023</a:t>
             </a:fld>
             <a:endParaRPr lang="en-US"/>
           </a:p>
@@ -4626,7 +4626,7 @@
           <a:p>
             <a:fld id="{56AAE9B1-F1FB-4C8F-94FA-A48907642DBE}" type="datetimeFigureOut">
               <a:rPr lang="en-US" smtClean="0"/>
-              <a:t>5/16/2023</a:t>
+              <a:t>5/17/2023</a:t>
             </a:fld>
             <a:endParaRPr lang="en-US"/>
           </a:p>
@@ -4739,7 +4739,7 @@
           <a:p>
             <a:fld id="{56AAE9B1-F1FB-4C8F-94FA-A48907642DBE}" type="datetimeFigureOut">
               <a:rPr lang="en-US" smtClean="0"/>
-              <a:t>5/16/2023</a:t>
+              <a:t>5/17/2023</a:t>
             </a:fld>
             <a:endParaRPr lang="en-US"/>
           </a:p>
@@ -5050,7 +5050,7 @@
           <a:p>
             <a:fld id="{56AAE9B1-F1FB-4C8F-94FA-A48907642DBE}" type="datetimeFigureOut">
               <a:rPr lang="en-US" smtClean="0"/>
-              <a:t>5/16/2023</a:t>
+              <a:t>5/17/2023</a:t>
             </a:fld>
             <a:endParaRPr lang="en-US"/>
           </a:p>
@@ -5338,7 +5338,7 @@
           <a:p>
             <a:fld id="{56AAE9B1-F1FB-4C8F-94FA-A48907642DBE}" type="datetimeFigureOut">
               <a:rPr lang="en-US" smtClean="0"/>
-              <a:t>5/16/2023</a:t>
+              <a:t>5/17/2023</a:t>
             </a:fld>
             <a:endParaRPr lang="en-US"/>
           </a:p>
@@ -5579,7 +5579,7 @@
           <a:p>
             <a:fld id="{56AAE9B1-F1FB-4C8F-94FA-A48907642DBE}" type="datetimeFigureOut">
               <a:rPr lang="en-US" smtClean="0"/>
-              <a:t>5/16/2023</a:t>
+              <a:t>5/17/2023</a:t>
             </a:fld>
             <a:endParaRPr lang="en-US"/>
           </a:p>

--- a/docs/Java - Working with databases using JDBC.pptx
+++ b/docs/Java - Working with databases using JDBC.pptx
@@ -333,7 +333,7 @@
           <a:p>
             <a:fld id="{56AAE9B1-F1FB-4C8F-94FA-A48907642DBE}" type="datetimeFigureOut">
               <a:rPr lang="en-US" smtClean="0"/>
-              <a:t>5/17/2023</a:t>
+              <a:t>5/27/2023</a:t>
             </a:fld>
             <a:endParaRPr lang="en-US"/>
           </a:p>
@@ -531,7 +531,7 @@
           <a:p>
             <a:fld id="{56AAE9B1-F1FB-4C8F-94FA-A48907642DBE}" type="datetimeFigureOut">
               <a:rPr lang="en-US" smtClean="0"/>
-              <a:t>5/17/2023</a:t>
+              <a:t>5/27/2023</a:t>
             </a:fld>
             <a:endParaRPr lang="en-US"/>
           </a:p>
@@ -739,7 +739,7 @@
           <a:p>
             <a:fld id="{56AAE9B1-F1FB-4C8F-94FA-A48907642DBE}" type="datetimeFigureOut">
               <a:rPr lang="en-US" smtClean="0"/>
-              <a:t>5/17/2023</a:t>
+              <a:t>5/27/2023</a:t>
             </a:fld>
             <a:endParaRPr lang="en-US"/>
           </a:p>
@@ -2848,7 +2848,7 @@
           <a:p>
             <a:fld id="{56AAE9B1-F1FB-4C8F-94FA-A48907642DBE}" type="datetimeFigureOut">
               <a:rPr lang="en-US" smtClean="0"/>
-              <a:t>5/17/2023</a:t>
+              <a:t>5/27/2023</a:t>
             </a:fld>
             <a:endParaRPr lang="en-US"/>
           </a:p>
@@ -3808,7 +3808,7 @@
           <a:p>
             <a:fld id="{56AAE9B1-F1FB-4C8F-94FA-A48907642DBE}" type="datetimeFigureOut">
               <a:rPr lang="en-US" smtClean="0"/>
-              <a:t>5/17/2023</a:t>
+              <a:t>5/27/2023</a:t>
             </a:fld>
             <a:endParaRPr lang="en-US"/>
           </a:p>
@@ -4073,7 +4073,7 @@
           <a:p>
             <a:fld id="{56AAE9B1-F1FB-4C8F-94FA-A48907642DBE}" type="datetimeFigureOut">
               <a:rPr lang="en-US" smtClean="0"/>
-              <a:t>5/17/2023</a:t>
+              <a:t>5/27/2023</a:t>
             </a:fld>
             <a:endParaRPr lang="en-US"/>
           </a:p>
@@ -4485,7 +4485,7 @@
           <a:p>
             <a:fld id="{56AAE9B1-F1FB-4C8F-94FA-A48907642DBE}" type="datetimeFigureOut">
               <a:rPr lang="en-US" smtClean="0"/>
-              <a:t>5/17/2023</a:t>
+              <a:t>5/27/2023</a:t>
             </a:fld>
             <a:endParaRPr lang="en-US"/>
           </a:p>
@@ -4626,7 +4626,7 @@
           <a:p>
             <a:fld id="{56AAE9B1-F1FB-4C8F-94FA-A48907642DBE}" type="datetimeFigureOut">
               <a:rPr lang="en-US" smtClean="0"/>
-              <a:t>5/17/2023</a:t>
+              <a:t>5/27/2023</a:t>
             </a:fld>
             <a:endParaRPr lang="en-US"/>
           </a:p>
@@ -4739,7 +4739,7 @@
           <a:p>
             <a:fld id="{56AAE9B1-F1FB-4C8F-94FA-A48907642DBE}" type="datetimeFigureOut">
               <a:rPr lang="en-US" smtClean="0"/>
-              <a:t>5/17/2023</a:t>
+              <a:t>5/27/2023</a:t>
             </a:fld>
             <a:endParaRPr lang="en-US"/>
           </a:p>
@@ -5050,7 +5050,7 @@
           <a:p>
             <a:fld id="{56AAE9B1-F1FB-4C8F-94FA-A48907642DBE}" type="datetimeFigureOut">
               <a:rPr lang="en-US" smtClean="0"/>
-              <a:t>5/17/2023</a:t>
+              <a:t>5/27/2023</a:t>
             </a:fld>
             <a:endParaRPr lang="en-US"/>
           </a:p>
@@ -5338,7 +5338,7 @@
           <a:p>
             <a:fld id="{56AAE9B1-F1FB-4C8F-94FA-A48907642DBE}" type="datetimeFigureOut">
               <a:rPr lang="en-US" smtClean="0"/>
-              <a:t>5/17/2023</a:t>
+              <a:t>5/27/2023</a:t>
             </a:fld>
             <a:endParaRPr lang="en-US"/>
           </a:p>
@@ -5579,7 +5579,7 @@
           <a:p>
             <a:fld id="{56AAE9B1-F1FB-4C8F-94FA-A48907642DBE}" type="datetimeFigureOut">
               <a:rPr lang="en-US" smtClean="0"/>
-              <a:t>5/17/2023</a:t>
+              <a:t>5/27/2023</a:t>
             </a:fld>
             <a:endParaRPr lang="en-US"/>
           </a:p>
@@ -6710,11 +6710,19 @@
           </a:p>
           <a:p>
             <a:r>
-              <a:rPr lang="en-US" altLang="en-US" sz="2600" b="1" dirty="0" err="1"/>
+              <a:rPr lang="en-US" altLang="en-US" sz="2600" b="1" dirty="0" err="1">
+                <a:highlight>
+                  <a:srgbClr val="FFFF00"/>
+                </a:highlight>
+              </a:rPr>
               <a:t>executeQuery</a:t>
             </a:r>
             <a:r>
-              <a:rPr lang="en-US" altLang="en-US" sz="2600" b="1" dirty="0"/>
+              <a:rPr lang="en-US" altLang="en-US" sz="2600" b="1" dirty="0">
+                <a:highlight>
+                  <a:srgbClr val="FFFF00"/>
+                </a:highlight>
+              </a:rPr>
               <a:t>()</a:t>
             </a:r>
           </a:p>
@@ -6722,7 +6730,19 @@
             <a:pPr lvl="1"/>
             <a:r>
               <a:rPr lang="en-US" altLang="en-US" sz="2200" dirty="0"/>
-              <a:t>requires a String argument (a SELECT statement)</a:t>
+              <a:t>requires a String argument (a </a:t>
+            </a:r>
+            <a:r>
+              <a:rPr lang="en-US" altLang="en-US" sz="2200" dirty="0">
+                <a:highlight>
+                  <a:srgbClr val="FFFF00"/>
+                </a:highlight>
+              </a:rPr>
+              <a:t>SELECT</a:t>
+            </a:r>
+            <a:r>
+              <a:rPr lang="en-US" altLang="en-US" sz="2200" dirty="0"/>
+              <a:t> statement)</a:t>
             </a:r>
           </a:p>
           <a:p>
@@ -6742,11 +6762,19 @@
           </a:p>
           <a:p>
             <a:r>
-              <a:rPr lang="en-US" altLang="en-US" sz="2600" b="1" dirty="0" err="1"/>
+              <a:rPr lang="en-US" altLang="en-US" sz="2600" b="1" dirty="0" err="1">
+                <a:highlight>
+                  <a:srgbClr val="FFFF00"/>
+                </a:highlight>
+              </a:rPr>
               <a:t>executeUpdate</a:t>
             </a:r>
             <a:r>
-              <a:rPr lang="en-US" altLang="en-US" sz="2600" b="1" dirty="0"/>
+              <a:rPr lang="en-US" altLang="en-US" sz="2600" b="1" dirty="0">
+                <a:highlight>
+                  <a:srgbClr val="FFFF00"/>
+                </a:highlight>
+              </a:rPr>
               <a:t>()</a:t>
             </a:r>
           </a:p>
@@ -6761,7 +6789,43 @@
             </a:br>
             <a:r>
               <a:rPr lang="en-US" altLang="en-US" sz="2200" dirty="0"/>
-              <a:t>(an INSERT, UPDATE, or DELETE statement)</a:t>
+              <a:t>(an </a:t>
+            </a:r>
+            <a:r>
+              <a:rPr lang="en-US" altLang="en-US" sz="2200" dirty="0">
+                <a:highlight>
+                  <a:srgbClr val="FFFF00"/>
+                </a:highlight>
+              </a:rPr>
+              <a:t>INSERT</a:t>
+            </a:r>
+            <a:r>
+              <a:rPr lang="en-US" altLang="en-US" sz="2200" dirty="0"/>
+              <a:t>, </a:t>
+            </a:r>
+            <a:r>
+              <a:rPr lang="en-US" altLang="en-US" sz="2200" dirty="0">
+                <a:highlight>
+                  <a:srgbClr val="FFFF00"/>
+                </a:highlight>
+              </a:rPr>
+              <a:t>UPDATE</a:t>
+            </a:r>
+            <a:r>
+              <a:rPr lang="en-US" altLang="en-US" sz="2200" dirty="0"/>
+              <a:t>, or </a:t>
+            </a:r>
+            <a:r>
+              <a:rPr lang="en-US" altLang="en-US" sz="2200" dirty="0">
+                <a:highlight>
+                  <a:srgbClr val="FFFF00"/>
+                </a:highlight>
+              </a:rPr>
+              <a:t>DELETE</a:t>
+            </a:r>
+            <a:r>
+              <a:rPr lang="en-US" altLang="en-US" sz="2200" dirty="0"/>
+              <a:t> statement)</a:t>
             </a:r>
           </a:p>
           <a:p>
@@ -6848,36 +6912,72 @@
           <a:lstStyle/>
           <a:p>
             <a:r>
-              <a:rPr lang="en-US" altLang="en-US"/>
-              <a:t>A ResultSet object represents the table returned by the select statement sent</a:t>
-            </a:r>
-          </a:p>
-          <a:p>
-            <a:r>
-              <a:rPr lang="en-US" altLang="en-US"/>
+              <a:rPr lang="en-US" altLang="en-US" dirty="0"/>
+              <a:t>A </a:t>
+            </a:r>
+            <a:r>
+              <a:rPr lang="en-US" altLang="en-US" dirty="0" err="1">
+                <a:highlight>
+                  <a:srgbClr val="FFFF00"/>
+                </a:highlight>
+              </a:rPr>
+              <a:t>ResultSet</a:t>
+            </a:r>
+            <a:r>
+              <a:rPr lang="en-US" altLang="en-US" dirty="0"/>
+              <a:t> object represents the table returned by the select statement sent</a:t>
+            </a:r>
+          </a:p>
+          <a:p>
+            <a:r>
+              <a:rPr lang="en-US" altLang="en-US" dirty="0"/>
               <a:t>Navigation/retrieval methods</a:t>
             </a:r>
           </a:p>
           <a:p>
             <a:pPr lvl="1"/>
             <a:r>
-              <a:rPr lang="en-US" altLang="en-US"/>
-              <a:t>next():  moves to the next row (first row if called for the first time), returns false if no rows remain</a:t>
+              <a:rPr lang="en-US" altLang="en-US" dirty="0">
+                <a:highlight>
+                  <a:srgbClr val="FFFF00"/>
+                </a:highlight>
+              </a:rPr>
+              <a:t>next()</a:t>
+            </a:r>
+            <a:r>
+              <a:rPr lang="en-US" altLang="en-US" dirty="0"/>
+              <a:t>:  moves to the next row (first row if called for the first time), returns false if no rows remain</a:t>
             </a:r>
           </a:p>
           <a:p>
             <a:pPr lvl="1"/>
             <a:r>
-              <a:rPr lang="en-US" altLang="en-US"/>
+              <a:rPr lang="en-US" altLang="en-US" dirty="0" err="1">
+                <a:highlight>
+                  <a:srgbClr val="FFFF00"/>
+                </a:highlight>
+              </a:rPr>
               <a:t>get</a:t>
             </a:r>
             <a:r>
-              <a:rPr lang="en-US" altLang="en-US" b="1"/>
+              <a:rPr lang="en-US" altLang="en-US" b="1" dirty="0" err="1">
+                <a:highlight>
+                  <a:srgbClr val="FFFF00"/>
+                </a:highlight>
+              </a:rPr>
               <a:t>XXX</a:t>
             </a:r>
             <a:r>
-              <a:rPr lang="en-US" altLang="en-US"/>
-              <a:t>() methods return the value of a field for the current row </a:t>
+              <a:rPr lang="en-US" altLang="en-US" dirty="0">
+                <a:highlight>
+                  <a:srgbClr val="FFFF00"/>
+                </a:highlight>
+              </a:rPr>
+              <a:t>() </a:t>
+            </a:r>
+            <a:r>
+              <a:rPr lang="en-US" altLang="en-US" dirty="0"/>
+              <a:t>methods return the value of a field for the current row </a:t>
             </a:r>
           </a:p>
         </p:txBody>
@@ -6929,8 +7029,12 @@
           <a:lstStyle/>
           <a:p>
             <a:r>
-              <a:rPr lang="en-US" altLang="en-US"/>
-              <a:t>ResulSet example</a:t>
+              <a:rPr lang="en-US" altLang="en-US" dirty="0" err="1"/>
+              <a:t>ResulSet</a:t>
+            </a:r>
+            <a:r>
+              <a:rPr lang="en-US" altLang="en-US" dirty="0"/>
+              <a:t> example</a:t>
             </a:r>
           </a:p>
         </p:txBody>
@@ -6961,8 +7065,20 @@
               <a:buNone/>
             </a:pPr>
             <a:r>
-              <a:rPr lang="en-US" altLang="en-US"/>
-              <a:t>ResultSet rs;</a:t>
+              <a:rPr lang="en-US" altLang="en-US" dirty="0" err="1"/>
+              <a:t>ResultSet</a:t>
+            </a:r>
+            <a:r>
+              <a:rPr lang="en-US" altLang="en-US" dirty="0"/>
+              <a:t> </a:t>
+            </a:r>
+            <a:r>
+              <a:rPr lang="en-US" altLang="en-US" dirty="0" err="1"/>
+              <a:t>rs</a:t>
+            </a:r>
+            <a:r>
+              <a:rPr lang="en-US" altLang="en-US" dirty="0"/>
+              <a:t>;</a:t>
             </a:r>
           </a:p>
           <a:p>
@@ -6971,8 +7087,20 @@
               <a:buNone/>
             </a:pPr>
             <a:r>
-              <a:rPr lang="en-US" altLang="en-US"/>
-              <a:t>rs = s.executeQuery(“SELECT * FROM [ORDER]”);</a:t>
+              <a:rPr lang="en-US" altLang="en-US" dirty="0" err="1"/>
+              <a:t>rs</a:t>
+            </a:r>
+            <a:r>
+              <a:rPr lang="en-US" altLang="en-US" dirty="0"/>
+              <a:t> = </a:t>
+            </a:r>
+            <a:r>
+              <a:rPr lang="en-US" altLang="en-US" dirty="0" err="1"/>
+              <a:t>s.executeQuery</a:t>
+            </a:r>
+            <a:r>
+              <a:rPr lang="en-US" altLang="en-US" dirty="0"/>
+              <a:t>(“SELECT * FROM [ORDER]”);</a:t>
             </a:r>
           </a:p>
           <a:p>
@@ -6981,8 +7109,12 @@
               <a:buNone/>
             </a:pPr>
             <a:r>
-              <a:rPr lang="en-US" altLang="en-US"/>
-              <a:t>rs.next(); // gets the first row (use in a loop for multiple rows)</a:t>
+              <a:rPr lang="en-US" altLang="en-US" dirty="0" err="1"/>
+              <a:t>rs.next</a:t>
+            </a:r>
+            <a:r>
+              <a:rPr lang="en-US" altLang="en-US" dirty="0"/>
+              <a:t>(); // gets the first row (use in a loop for multiple rows)</a:t>
             </a:r>
           </a:p>
           <a:p>
@@ -6990,7 +7122,7 @@
               <a:buFont typeface="Wingdings" panose="05000000000000000000" pitchFamily="2" charset="2"/>
               <a:buNone/>
             </a:pPr>
-            <a:endParaRPr lang="en-US" altLang="en-US"/>
+            <a:endParaRPr lang="en-US" altLang="en-US" dirty="0"/>
           </a:p>
           <a:p>
             <a:pPr>
@@ -6998,7 +7130,7 @@
               <a:buNone/>
             </a:pPr>
             <a:r>
-              <a:rPr lang="en-US" altLang="en-US"/>
+              <a:rPr lang="en-US" altLang="en-US" dirty="0"/>
               <a:t>// suppose the ORDER table has an integer field</a:t>
             </a:r>
           </a:p>
@@ -7008,15 +7140,15 @@
               <a:buNone/>
             </a:pPr>
             <a:r>
-              <a:rPr lang="en-US" altLang="en-US"/>
+              <a:rPr lang="en-US" altLang="en-US" dirty="0"/>
               <a:t>// called </a:t>
             </a:r>
             <a:r>
-              <a:rPr lang="en-US" altLang="en-US" i="1"/>
+              <a:rPr lang="en-US" altLang="en-US" i="1" dirty="0"/>
               <a:t>quantity</a:t>
             </a:r>
             <a:r>
-              <a:rPr lang="en-US" altLang="en-US"/>
+              <a:rPr lang="en-US" altLang="en-US" dirty="0"/>
               <a:t> </a:t>
             </a:r>
           </a:p>
@@ -7026,8 +7158,24 @@
               <a:buNone/>
             </a:pPr>
             <a:r>
-              <a:rPr lang="en-US" altLang="en-US"/>
-              <a:t>int myvar = rs.getInt(“quantity”);</a:t>
+              <a:rPr lang="en-US" altLang="en-US" dirty="0"/>
+              <a:t>int </a:t>
+            </a:r>
+            <a:r>
+              <a:rPr lang="en-US" altLang="en-US" dirty="0" err="1"/>
+              <a:t>myvar</a:t>
+            </a:r>
+            <a:r>
+              <a:rPr lang="en-US" altLang="en-US" dirty="0"/>
+              <a:t> = </a:t>
+            </a:r>
+            <a:r>
+              <a:rPr lang="en-US" altLang="en-US" dirty="0" err="1"/>
+              <a:t>rs.getInt</a:t>
+            </a:r>
+            <a:r>
+              <a:rPr lang="en-US" altLang="en-US" dirty="0"/>
+              <a:t>(“quantity”);</a:t>
             </a:r>
           </a:p>
           <a:p>
@@ -7036,7 +7184,7 @@
               <a:buNone/>
             </a:pPr>
             <a:r>
-              <a:rPr lang="en-US" altLang="en-US"/>
+              <a:rPr lang="en-US" altLang="en-US" dirty="0"/>
               <a:t>// if you knew that quantity is the 2nd field in the table</a:t>
             </a:r>
           </a:p>
@@ -7046,8 +7194,20 @@
               <a:buNone/>
             </a:pPr>
             <a:r>
-              <a:rPr lang="en-US" altLang="en-US"/>
-              <a:t>myvar = rs.getInt(2);</a:t>
+              <a:rPr lang="en-US" altLang="en-US" dirty="0" err="1"/>
+              <a:t>myvar</a:t>
+            </a:r>
+            <a:r>
+              <a:rPr lang="en-US" altLang="en-US" dirty="0"/>
+              <a:t> = </a:t>
+            </a:r>
+            <a:r>
+              <a:rPr lang="en-US" altLang="en-US" dirty="0" err="1"/>
+              <a:t>rs.getInt</a:t>
+            </a:r>
+            <a:r>
+              <a:rPr lang="en-US" altLang="en-US" dirty="0"/>
+              <a:t>(2);</a:t>
             </a:r>
           </a:p>
         </p:txBody>
@@ -7289,7 +7449,7 @@
               <a:buNone/>
             </a:pPr>
             <a:r>
-              <a:rPr lang="en-US" altLang="en-US"/>
+              <a:rPr lang="en-US" altLang="en-US" dirty="0"/>
               <a:t>…</a:t>
             </a:r>
           </a:p>
@@ -7302,8 +7462,16 @@
               <a:buNone/>
             </a:pPr>
             <a:r>
-              <a:rPr lang="en-US" altLang="en-US"/>
-              <a:t>Statement s = con.createStatement();</a:t>
+              <a:rPr lang="en-US" altLang="en-US" dirty="0"/>
+              <a:t>Statement s = </a:t>
+            </a:r>
+            <a:r>
+              <a:rPr lang="en-US" altLang="en-US" dirty="0" err="1"/>
+              <a:t>con.createStatement</a:t>
+            </a:r>
+            <a:r>
+              <a:rPr lang="en-US" altLang="en-US" dirty="0"/>
+              <a:t>();</a:t>
             </a:r>
           </a:p>
           <a:p>
@@ -7314,7 +7482,7 @@
               <a:buFont typeface="Wingdings" panose="05000000000000000000" pitchFamily="2" charset="2"/>
               <a:buNone/>
             </a:pPr>
-            <a:endParaRPr lang="en-US" altLang="en-US"/>
+            <a:endParaRPr lang="en-US" altLang="en-US" dirty="0"/>
           </a:p>
           <a:p>
             <a:pPr>
@@ -7325,21 +7493,49 @@
               <a:buNone/>
             </a:pPr>
             <a:r>
-              <a:rPr lang="en-US" altLang="en-US"/>
-              <a:t>ResultSet rs = s.executeQuery(</a:t>
+              <a:rPr lang="en-US" altLang="en-US" dirty="0" err="1"/>
+              <a:t>ResultSet</a:t>
+            </a:r>
+            <a:r>
+              <a:rPr lang="en-US" altLang="en-US" dirty="0"/>
+              <a:t> </a:t>
+            </a:r>
+            <a:r>
+              <a:rPr lang="en-US" altLang="en-US" dirty="0" err="1"/>
+              <a:t>rs</a:t>
+            </a:r>
+            <a:r>
+              <a:rPr lang="en-US" altLang="en-US" dirty="0"/>
+              <a:t> = </a:t>
+            </a:r>
+            <a:r>
+              <a:rPr lang="en-US" altLang="en-US" dirty="0" err="1"/>
+              <a:t>s.</a:t>
+            </a:r>
+            <a:r>
+              <a:rPr lang="en-US" altLang="en-US" dirty="0" err="1">
+                <a:highlight>
+                  <a:srgbClr val="FFFF00"/>
+                </a:highlight>
+              </a:rPr>
+              <a:t>executeQuery</a:t>
+            </a:r>
+            <a:r>
+              <a:rPr lang="en-US" altLang="en-US" dirty="0"/>
+              <a:t>(</a:t>
             </a:r>
             <a:br>
-              <a:rPr lang="en-US" altLang="en-US"/>
+              <a:rPr lang="en-US" altLang="en-US" dirty="0"/>
             </a:br>
             <a:r>
-              <a:rPr lang="en-US" altLang="en-US"/>
+              <a:rPr lang="en-US" altLang="en-US" dirty="0"/>
               <a:t>“SELECT * FROM STUDENT WHERE QPI &gt; 3.0”</a:t>
             </a:r>
             <a:br>
-              <a:rPr lang="en-US" altLang="en-US"/>
+              <a:rPr lang="en-US" altLang="en-US" dirty="0"/>
             </a:br>
             <a:r>
-              <a:rPr lang="en-US" altLang="en-US"/>
+              <a:rPr lang="en-US" altLang="en-US" dirty="0"/>
               <a:t>);</a:t>
             </a:r>
           </a:p>
@@ -7351,7 +7547,7 @@
               <a:buFont typeface="Wingdings" panose="05000000000000000000" pitchFamily="2" charset="2"/>
               <a:buNone/>
             </a:pPr>
-            <a:endParaRPr lang="en-US" altLang="en-US"/>
+            <a:endParaRPr lang="en-US" altLang="en-US" dirty="0"/>
           </a:p>
           <a:p>
             <a:pPr>
@@ -7362,8 +7558,16 @@
               <a:buNone/>
             </a:pPr>
             <a:r>
-              <a:rPr lang="en-US" altLang="en-US"/>
-              <a:t>while ( rs.next() )</a:t>
+              <a:rPr lang="en-US" altLang="en-US" dirty="0"/>
+              <a:t>while ( </a:t>
+            </a:r>
+            <a:r>
+              <a:rPr lang="en-US" altLang="en-US" dirty="0" err="1"/>
+              <a:t>rs.next</a:t>
+            </a:r>
+            <a:r>
+              <a:rPr lang="en-US" altLang="en-US" dirty="0"/>
+              <a:t>() )</a:t>
             </a:r>
           </a:p>
           <a:p>
@@ -7375,36 +7579,88 @@
               <a:buNone/>
             </a:pPr>
             <a:r>
-              <a:rPr lang="en-US" altLang="en-US"/>
+              <a:rPr lang="en-US" altLang="en-US" dirty="0"/>
               <a:t>{</a:t>
             </a:r>
             <a:br>
-              <a:rPr lang="en-US" altLang="en-US"/>
+              <a:rPr lang="en-US" altLang="en-US" dirty="0"/>
             </a:br>
             <a:r>
-              <a:rPr lang="en-US" altLang="en-US"/>
-              <a:t>String name = rs.getString(“LastName”);</a:t>
+              <a:rPr lang="en-US" altLang="en-US" dirty="0"/>
+              <a:t>String name = </a:t>
+            </a:r>
+            <a:r>
+              <a:rPr lang="en-US" altLang="en-US" dirty="0" err="1"/>
+              <a:t>rs.getString</a:t>
+            </a:r>
+            <a:r>
+              <a:rPr lang="en-US" altLang="en-US" dirty="0"/>
+              <a:t>(“</a:t>
+            </a:r>
+            <a:r>
+              <a:rPr lang="en-US" altLang="en-US" dirty="0" err="1"/>
+              <a:t>LastName</a:t>
+            </a:r>
+            <a:r>
+              <a:rPr lang="en-US" altLang="en-US" dirty="0"/>
+              <a:t>”);</a:t>
             </a:r>
             <a:br>
-              <a:rPr lang="en-US" altLang="en-US"/>
+              <a:rPr lang="en-US" altLang="en-US" dirty="0"/>
             </a:br>
             <a:r>
-              <a:rPr lang="en-US" altLang="en-US"/>
-              <a:t>int y = rs.getInt(“Year”);</a:t>
+              <a:rPr lang="en-US" altLang="en-US" dirty="0"/>
+              <a:t>int y = </a:t>
+            </a:r>
+            <a:r>
+              <a:rPr lang="en-US" altLang="en-US" dirty="0" err="1"/>
+              <a:t>rs.getInt</a:t>
+            </a:r>
+            <a:r>
+              <a:rPr lang="en-US" altLang="en-US" dirty="0"/>
+              <a:t>(“Year”);</a:t>
             </a:r>
             <a:br>
-              <a:rPr lang="en-US" altLang="en-US"/>
+              <a:rPr lang="en-US" altLang="en-US" dirty="0"/>
             </a:br>
             <a:r>
-              <a:rPr lang="en-US" altLang="en-US"/>
-              <a:t>double qpi = rs.getDouble(“QPI”);</a:t>
+              <a:rPr lang="en-US" altLang="en-US" dirty="0"/>
+              <a:t>double </a:t>
+            </a:r>
+            <a:r>
+              <a:rPr lang="en-US" altLang="en-US" dirty="0" err="1"/>
+              <a:t>qpi</a:t>
+            </a:r>
+            <a:r>
+              <a:rPr lang="en-US" altLang="en-US" dirty="0"/>
+              <a:t> = </a:t>
+            </a:r>
+            <a:r>
+              <a:rPr lang="en-US" altLang="en-US" dirty="0" err="1"/>
+              <a:t>rs.getDouble</a:t>
+            </a:r>
+            <a:r>
+              <a:rPr lang="en-US" altLang="en-US" dirty="0"/>
+              <a:t>(“QPI”);</a:t>
             </a:r>
             <a:br>
-              <a:rPr lang="en-US" altLang="en-US"/>
+              <a:rPr lang="en-US" altLang="en-US" dirty="0"/>
             </a:br>
             <a:r>
-              <a:rPr lang="en-US" altLang="en-US"/>
-              <a:t>System.out.println( name + “ ” + y + “ ” + qpi);</a:t>
+              <a:rPr lang="en-US" altLang="en-US" dirty="0" err="1"/>
+              <a:t>System.out.println</a:t>
+            </a:r>
+            <a:r>
+              <a:rPr lang="en-US" altLang="en-US" dirty="0"/>
+              <a:t>( name + “ ” + y + “ ” + </a:t>
+            </a:r>
+            <a:r>
+              <a:rPr lang="en-US" altLang="en-US" dirty="0" err="1"/>
+              <a:t>qpi</a:t>
+            </a:r>
+            <a:r>
+              <a:rPr lang="en-US" altLang="en-US" dirty="0"/>
+              <a:t>);</a:t>
             </a:r>
           </a:p>
           <a:p>
@@ -7416,7 +7672,7 @@
               <a:buNone/>
             </a:pPr>
             <a:r>
-              <a:rPr lang="en-US" altLang="en-US"/>
+              <a:rPr lang="en-US" altLang="en-US" dirty="0"/>
               <a:t>}</a:t>
             </a:r>
           </a:p>
@@ -7501,7 +7757,7 @@
               <a:buNone/>
             </a:pPr>
             <a:r>
-              <a:rPr lang="en-US" altLang="en-US"/>
+              <a:rPr lang="en-US" altLang="en-US" dirty="0"/>
               <a:t>…</a:t>
             </a:r>
           </a:p>
@@ -7511,8 +7767,16 @@
               <a:buNone/>
             </a:pPr>
             <a:r>
-              <a:rPr lang="en-US" altLang="en-US"/>
-              <a:t>Statement s = con.createStatement();</a:t>
+              <a:rPr lang="en-US" altLang="en-US" dirty="0"/>
+              <a:t>Statement s = </a:t>
+            </a:r>
+            <a:r>
+              <a:rPr lang="en-US" altLang="en-US" dirty="0" err="1"/>
+              <a:t>con.createStatement</a:t>
+            </a:r>
+            <a:r>
+              <a:rPr lang="en-US" altLang="en-US" dirty="0"/>
+              <a:t>();</a:t>
             </a:r>
           </a:p>
           <a:p>
@@ -7521,7 +7785,7 @@
               <a:buNone/>
             </a:pPr>
             <a:r>
-              <a:rPr lang="en-US" altLang="en-US"/>
+              <a:rPr lang="en-US" altLang="en-US" dirty="0"/>
               <a:t>int result;</a:t>
             </a:r>
           </a:p>
@@ -7531,21 +7795,45 @@
               <a:buNone/>
             </a:pPr>
             <a:r>
-              <a:rPr lang="en-US" altLang="en-US"/>
-              <a:t>result = s.executeUpdate(</a:t>
+              <a:rPr lang="en-US" altLang="en-US" dirty="0"/>
+              <a:t>result = </a:t>
+            </a:r>
+            <a:r>
+              <a:rPr lang="en-US" altLang="en-US" dirty="0" err="1"/>
+              <a:t>s.</a:t>
+            </a:r>
+            <a:r>
+              <a:rPr lang="en-US" altLang="en-US" dirty="0" err="1">
+                <a:highlight>
+                  <a:srgbClr val="FFFF00"/>
+                </a:highlight>
+              </a:rPr>
+              <a:t>executeUpdate</a:t>
+            </a:r>
+            <a:r>
+              <a:rPr lang="en-US" altLang="en-US" dirty="0"/>
+              <a:t>(</a:t>
             </a:r>
             <a:br>
-              <a:rPr lang="en-US" altLang="en-US"/>
+              <a:rPr lang="en-US" altLang="en-US" dirty="0"/>
             </a:br>
             <a:r>
-              <a:rPr lang="en-US" altLang="en-US"/>
-              <a:t>“DELETE FROM EMPLOYEE WHERE DeptCode=‘CS’”</a:t>
+              <a:rPr lang="en-US" altLang="en-US" dirty="0"/>
+              <a:t>“DELETE FROM EMPLOYEE WHERE </a:t>
+            </a:r>
+            <a:r>
+              <a:rPr lang="en-US" altLang="en-US" dirty="0" err="1"/>
+              <a:t>DeptCode</a:t>
+            </a:r>
+            <a:r>
+              <a:rPr lang="en-US" altLang="en-US" dirty="0"/>
+              <a:t>=‘CS’”</a:t>
             </a:r>
             <a:br>
-              <a:rPr lang="en-US" altLang="en-US"/>
+              <a:rPr lang="en-US" altLang="en-US" dirty="0"/>
             </a:br>
             <a:r>
-              <a:rPr lang="en-US" altLang="en-US"/>
+              <a:rPr lang="en-US" altLang="en-US" dirty="0"/>
               <a:t>);</a:t>
             </a:r>
           </a:p>
@@ -7555,8 +7843,12 @@
               <a:buNone/>
             </a:pPr>
             <a:r>
-              <a:rPr lang="en-US" altLang="en-US"/>
-              <a:t>System.out.println( result + “ rows deleted.” );</a:t>
+              <a:rPr lang="en-US" altLang="en-US" dirty="0" err="1"/>
+              <a:t>System.out.println</a:t>
+            </a:r>
+            <a:r>
+              <a:rPr lang="en-US" altLang="en-US" dirty="0"/>
+              <a:t>( result + “ rows deleted.” );</a:t>
             </a:r>
           </a:p>
           <a:p>
@@ -7564,7 +7856,7 @@
               <a:buFont typeface="Wingdings" panose="05000000000000000000" pitchFamily="2" charset="2"/>
               <a:buNone/>
             </a:pPr>
-            <a:endParaRPr lang="en-US" altLang="en-US"/>
+            <a:endParaRPr lang="en-US" altLang="en-US" dirty="0"/>
           </a:p>
         </p:txBody>
       </p:sp>
@@ -7615,8 +7907,16 @@
           <a:lstStyle/>
           <a:p>
             <a:r>
-              <a:rPr lang="en-US" altLang="en-US"/>
-              <a:t>The PreparedStatement class</a:t>
+              <a:rPr lang="en-US" altLang="en-US" dirty="0"/>
+              <a:t>The </a:t>
+            </a:r>
+            <a:r>
+              <a:rPr lang="en-US" altLang="en-US" dirty="0" err="1"/>
+              <a:t>PreparedStatement</a:t>
+            </a:r>
+            <a:r>
+              <a:rPr lang="en-US" altLang="en-US" dirty="0"/>
+              <a:t> class</a:t>
             </a:r>
           </a:p>
         </p:txBody>
@@ -8123,8 +8423,16 @@
               <a:buNone/>
             </a:pPr>
             <a:r>
-              <a:rPr lang="en-US" altLang="en-US"/>
-              <a:t>// suppose lastName is a String variable</a:t>
+              <a:rPr lang="en-US" altLang="en-US" dirty="0"/>
+              <a:t>// suppose </a:t>
+            </a:r>
+            <a:r>
+              <a:rPr lang="en-US" altLang="en-US" dirty="0" err="1"/>
+              <a:t>lastName</a:t>
+            </a:r>
+            <a:r>
+              <a:rPr lang="en-US" altLang="en-US" dirty="0"/>
+              <a:t> is a String variable</a:t>
             </a:r>
           </a:p>
           <a:p>
@@ -8135,7 +8443,7 @@
               <a:buFont typeface="Wingdings" panose="05000000000000000000" pitchFamily="2" charset="2"/>
               <a:buNone/>
             </a:pPr>
-            <a:endParaRPr lang="en-US" altLang="en-US"/>
+            <a:endParaRPr lang="en-US" altLang="en-US" dirty="0"/>
           </a:p>
           <a:p>
             <a:pPr>
@@ -8146,21 +8454,41 @@
               <a:buNone/>
             </a:pPr>
             <a:r>
-              <a:rPr lang="en-US" altLang="en-US"/>
-              <a:t>PreparedStatement s = con.prepareStatement(</a:t>
+              <a:rPr lang="en-US" altLang="en-US" dirty="0" err="1"/>
+              <a:t>PreparedStatement</a:t>
+            </a:r>
+            <a:r>
+              <a:rPr lang="en-US" altLang="en-US" dirty="0"/>
+              <a:t> s = </a:t>
+            </a:r>
+            <a:r>
+              <a:rPr lang="en-US" altLang="en-US" dirty="0" err="1"/>
+              <a:t>con.prepareStatement</a:t>
+            </a:r>
+            <a:r>
+              <a:rPr lang="en-US" altLang="en-US" dirty="0"/>
+              <a:t>(</a:t>
             </a:r>
             <a:br>
-              <a:rPr lang="en-US" altLang="en-US"/>
+              <a:rPr lang="en-US" altLang="en-US" dirty="0"/>
             </a:br>
             <a:r>
-              <a:rPr lang="en-US" altLang="en-US"/>
-              <a:t>“SELECT * FROM STUDENT WHERE LastName = ?”</a:t>
+              <a:rPr lang="en-US" altLang="en-US" dirty="0"/>
+              <a:t>“SELECT * FROM STUDENT WHERE </a:t>
+            </a:r>
+            <a:r>
+              <a:rPr lang="en-US" altLang="en-US" dirty="0" err="1"/>
+              <a:t>LastName</a:t>
+            </a:r>
+            <a:r>
+              <a:rPr lang="en-US" altLang="en-US" dirty="0"/>
+              <a:t> = ?”</a:t>
             </a:r>
             <a:br>
-              <a:rPr lang="en-US" altLang="en-US"/>
+              <a:rPr lang="en-US" altLang="en-US" dirty="0"/>
             </a:br>
             <a:r>
-              <a:rPr lang="en-US" altLang="en-US"/>
+              <a:rPr lang="en-US" altLang="en-US" dirty="0"/>
               <a:t>);</a:t>
             </a:r>
           </a:p>
@@ -8173,8 +8501,20 @@
               <a:buNone/>
             </a:pPr>
             <a:r>
-              <a:rPr lang="en-US" altLang="en-US"/>
-              <a:t>s.setString( 1, lastName );</a:t>
+              <a:rPr lang="en-US" altLang="en-US" dirty="0" err="1"/>
+              <a:t>s.setString</a:t>
+            </a:r>
+            <a:r>
+              <a:rPr lang="en-US" altLang="en-US" dirty="0"/>
+              <a:t>( 1, </a:t>
+            </a:r>
+            <a:r>
+              <a:rPr lang="en-US" altLang="en-US" dirty="0" err="1"/>
+              <a:t>lastName</a:t>
+            </a:r>
+            <a:r>
+              <a:rPr lang="en-US" altLang="en-US" dirty="0"/>
+              <a:t> );</a:t>
             </a:r>
           </a:p>
           <a:p>
@@ -8186,8 +8526,28 @@
               <a:buNone/>
             </a:pPr>
             <a:r>
-              <a:rPr lang="en-US" altLang="en-US"/>
-              <a:t>ResultSet rs = s.executeQuery();</a:t>
+              <a:rPr lang="en-US" altLang="en-US" dirty="0" err="1"/>
+              <a:t>ResultSet</a:t>
+            </a:r>
+            <a:r>
+              <a:rPr lang="en-US" altLang="en-US" dirty="0"/>
+              <a:t> </a:t>
+            </a:r>
+            <a:r>
+              <a:rPr lang="en-US" altLang="en-US" dirty="0" err="1"/>
+              <a:t>rs</a:t>
+            </a:r>
+            <a:r>
+              <a:rPr lang="en-US" altLang="en-US" dirty="0"/>
+              <a:t> = </a:t>
+            </a:r>
+            <a:r>
+              <a:rPr lang="en-US" altLang="en-US" dirty="0" err="1"/>
+              <a:t>s.executeQuery</a:t>
+            </a:r>
+            <a:r>
+              <a:rPr lang="en-US" altLang="en-US" dirty="0"/>
+              <a:t>();</a:t>
             </a:r>
           </a:p>
           <a:p>
@@ -8198,7 +8558,7 @@
               <a:buFont typeface="Wingdings" panose="05000000000000000000" pitchFamily="2" charset="2"/>
               <a:buNone/>
             </a:pPr>
-            <a:endParaRPr lang="en-US" altLang="en-US"/>
+            <a:endParaRPr lang="en-US" altLang="en-US" dirty="0"/>
           </a:p>
           <a:p>
             <a:pPr>
@@ -8209,8 +8569,16 @@
               <a:buNone/>
             </a:pPr>
             <a:r>
-              <a:rPr lang="en-US" altLang="en-US"/>
-              <a:t>while ( rs.next() )</a:t>
+              <a:rPr lang="en-US" altLang="en-US" dirty="0"/>
+              <a:t>while ( </a:t>
+            </a:r>
+            <a:r>
+              <a:rPr lang="en-US" altLang="en-US" dirty="0" err="1"/>
+              <a:t>rs.next</a:t>
+            </a:r>
+            <a:r>
+              <a:rPr lang="en-US" altLang="en-US" dirty="0"/>
+              <a:t>() )</a:t>
             </a:r>
           </a:p>
           <a:p>
@@ -8222,43 +8590,103 @@
               <a:buNone/>
             </a:pPr>
             <a:r>
-              <a:rPr lang="en-US" altLang="en-US"/>
+              <a:rPr lang="en-US" altLang="en-US" dirty="0"/>
               <a:t>{</a:t>
             </a:r>
             <a:br>
-              <a:rPr lang="en-US" altLang="en-US"/>
+              <a:rPr lang="en-US" altLang="en-US" dirty="0"/>
             </a:br>
             <a:r>
-              <a:rPr lang="en-US" altLang="en-US"/>
+              <a:rPr lang="en-US" altLang="en-US" dirty="0"/>
               <a:t>String name = </a:t>
             </a:r>
             <a:br>
-              <a:rPr lang="en-US" altLang="en-US"/>
+              <a:rPr lang="en-US" altLang="en-US" dirty="0"/>
             </a:br>
             <a:r>
-              <a:rPr lang="en-US" altLang="en-US"/>
-              <a:t>	rs.getString(“LastName”) + rs.getString(“FirstName”);</a:t>
+              <a:rPr lang="en-US" altLang="en-US" dirty="0"/>
+              <a:t>	</a:t>
+            </a:r>
+            <a:r>
+              <a:rPr lang="en-US" altLang="en-US" dirty="0" err="1"/>
+              <a:t>rs.getString</a:t>
+            </a:r>
+            <a:r>
+              <a:rPr lang="en-US" altLang="en-US" dirty="0"/>
+              <a:t>(“</a:t>
+            </a:r>
+            <a:r>
+              <a:rPr lang="en-US" altLang="en-US" dirty="0" err="1"/>
+              <a:t>LastName</a:t>
+            </a:r>
+            <a:r>
+              <a:rPr lang="en-US" altLang="en-US" dirty="0"/>
+              <a:t>”) + </a:t>
+            </a:r>
+            <a:r>
+              <a:rPr lang="en-US" altLang="en-US" dirty="0" err="1"/>
+              <a:t>rs.getString</a:t>
+            </a:r>
+            <a:r>
+              <a:rPr lang="en-US" altLang="en-US" dirty="0"/>
+              <a:t>(“FirstName”);</a:t>
             </a:r>
             <a:br>
-              <a:rPr lang="en-US" altLang="en-US"/>
+              <a:rPr lang="en-US" altLang="en-US" dirty="0"/>
             </a:br>
             <a:r>
-              <a:rPr lang="en-US" altLang="en-US"/>
-              <a:t>int y = rs.getInt(“Year”);</a:t>
+              <a:rPr lang="en-US" altLang="en-US" dirty="0"/>
+              <a:t>int y = </a:t>
+            </a:r>
+            <a:r>
+              <a:rPr lang="en-US" altLang="en-US" dirty="0" err="1"/>
+              <a:t>rs.getInt</a:t>
+            </a:r>
+            <a:r>
+              <a:rPr lang="en-US" altLang="en-US" dirty="0"/>
+              <a:t>(“Year”);</a:t>
             </a:r>
             <a:br>
-              <a:rPr lang="en-US" altLang="en-US"/>
+              <a:rPr lang="en-US" altLang="en-US" dirty="0"/>
             </a:br>
             <a:r>
-              <a:rPr lang="en-US" altLang="en-US"/>
-              <a:t>double qpi = rs.getDouble(“QPI”);</a:t>
+              <a:rPr lang="en-US" altLang="en-US" dirty="0"/>
+              <a:t>double </a:t>
+            </a:r>
+            <a:r>
+              <a:rPr lang="en-US" altLang="en-US" dirty="0" err="1"/>
+              <a:t>qpi</a:t>
+            </a:r>
+            <a:r>
+              <a:rPr lang="en-US" altLang="en-US" dirty="0"/>
+              <a:t> = </a:t>
+            </a:r>
+            <a:r>
+              <a:rPr lang="en-US" altLang="en-US" dirty="0" err="1"/>
+              <a:t>rs.getDouble</a:t>
+            </a:r>
+            <a:r>
+              <a:rPr lang="en-US" altLang="en-US" dirty="0"/>
+              <a:t>(“QPI”);</a:t>
             </a:r>
             <a:br>
-              <a:rPr lang="en-US" altLang="en-US"/>
+              <a:rPr lang="en-US" altLang="en-US" dirty="0"/>
             </a:br>
             <a:r>
-              <a:rPr lang="en-US" altLang="en-US"/>
-              <a:t>System.out.println( name + “ ” + y + “ ” + qpi);</a:t>
+              <a:rPr lang="en-US" altLang="en-US" dirty="0" err="1"/>
+              <a:t>System.out.println</a:t>
+            </a:r>
+            <a:r>
+              <a:rPr lang="en-US" altLang="en-US" dirty="0"/>
+              <a:t>( name + “ ” + y + “ ” + </a:t>
+            </a:r>
+            <a:r>
+              <a:rPr lang="en-US" altLang="en-US" dirty="0" err="1"/>
+              <a:t>qpi</a:t>
+            </a:r>
+            <a:r>
+              <a:rPr lang="en-US" altLang="en-US" dirty="0"/>
+              <a:t>);</a:t>
             </a:r>
           </a:p>
           <a:p>
@@ -8270,10 +8698,10 @@
               <a:buNone/>
             </a:pPr>
             <a:r>
-              <a:rPr lang="en-US" altLang="en-US"/>
+              <a:rPr lang="en-US" altLang="en-US" dirty="0"/>
               <a:t>}</a:t>
             </a:r>
-            <a:endParaRPr lang="en-US" altLang="en-US" sz="2600"/>
+            <a:endParaRPr lang="en-US" altLang="en-US" sz="2600" dirty="0"/>
           </a:p>
         </p:txBody>
       </p:sp>
@@ -8503,25 +8931,38 @@
           <a:lstStyle/>
           <a:p>
             <a:r>
-              <a:rPr lang="en-US" altLang="en-US"/>
+              <a:rPr lang="en-US" altLang="en-US" dirty="0"/>
               <a:t>JDBC allows you to write Java programs that manipulate a database</a:t>
             </a:r>
           </a:p>
           <a:p>
             <a:r>
-              <a:rPr lang="en-US" altLang="en-US"/>
+              <a:rPr lang="en-US" altLang="en-US" dirty="0"/>
               <a:t>A driver (often a separate product) is required that facilitates access</a:t>
             </a:r>
           </a:p>
           <a:p>
             <a:r>
-              <a:rPr lang="en-US" altLang="en-US"/>
-              <a:t>Key classes:  Connection, Statement, PreparedStatement, and ResultSet</a:t>
-            </a:r>
-          </a:p>
-          <a:p>
-            <a:r>
-              <a:rPr lang="en-US" altLang="en-US"/>
+              <a:rPr lang="en-US" altLang="en-US" dirty="0"/>
+              <a:t>Key classes:  Connection, Statement, </a:t>
+            </a:r>
+            <a:r>
+              <a:rPr lang="en-US" altLang="en-US" dirty="0" err="1"/>
+              <a:t>PreparedStatement</a:t>
+            </a:r>
+            <a:r>
+              <a:rPr lang="en-US" altLang="en-US" dirty="0"/>
+              <a:t>, and </a:t>
+            </a:r>
+            <a:r>
+              <a:rPr lang="en-US" altLang="en-US" dirty="0" err="1"/>
+              <a:t>ResultSet</a:t>
+            </a:r>
+            <a:endParaRPr lang="en-US" altLang="en-US" dirty="0"/>
+          </a:p>
+          <a:p>
+            <a:r>
+              <a:rPr lang="en-US" altLang="en-US" dirty="0"/>
               <a:t>Other features:  metadata and stored-proc invocation</a:t>
             </a:r>
           </a:p>
@@ -12009,6 +12450,10 @@
               <a:buNone/>
             </a:pPr>
             <a:r>
+              <a:rPr lang="en-US" altLang="en-US" sz="2200" b="1" dirty="0"/>
+              <a:t>1. </a:t>
+            </a:r>
+            <a:r>
               <a:rPr lang="en-US" altLang="en-US" sz="2200" b="1" dirty="0" err="1"/>
               <a:t>Class.forName</a:t>
             </a:r>
@@ -12017,7 +12462,11 @@
               <a:t>(“</a:t>
             </a:r>
             <a:r>
-              <a:rPr lang="en-US" altLang="en-US" sz="2200" b="1" dirty="0" err="1"/>
+              <a:rPr lang="en-US" altLang="en-US" sz="2200" b="1" dirty="0" err="1">
+                <a:highlight>
+                  <a:srgbClr val="FFFF00"/>
+                </a:highlight>
+              </a:rPr>
               <a:t>sun.jdbc.odbc.JdbcOdbcDriver</a:t>
             </a:r>
             <a:r>
@@ -12076,7 +12525,7 @@
             </a:pPr>
             <a:r>
               <a:rPr lang="en-US" altLang="en-US" sz="2200" b="1" dirty="0"/>
-              <a:t>Connection c = </a:t>
+              <a:t>2. Connection c = </a:t>
             </a:r>
             <a:r>
               <a:rPr lang="en-US" altLang="en-US" sz="2200" b="1" dirty="0" err="1"/>
@@ -12144,15 +12593,8 @@
           <a:lstStyle/>
           <a:p>
             <a:r>
-              <a:rPr lang="en-US" altLang="en-US"/>
-              <a:t>Creating a</a:t>
-            </a:r>
-            <a:br>
-              <a:rPr lang="en-US" altLang="en-US"/>
-            </a:br>
-            <a:r>
-              <a:rPr lang="en-US" altLang="en-US"/>
-              <a:t>Statement Object</a:t>
+              <a:rPr lang="en-US" altLang="en-US" dirty="0"/>
+              <a:t>Creating a Statement Object</a:t>
             </a:r>
           </a:p>
         </p:txBody>
@@ -12218,15 +12660,27 @@
               <a:buNone/>
             </a:pPr>
             <a:r>
-              <a:rPr lang="en-US" altLang="en-US" b="1" dirty="0"/>
+              <a:rPr lang="en-US" altLang="en-US" b="1" dirty="0">
+                <a:highlight>
+                  <a:srgbClr val="FFFF00"/>
+                </a:highlight>
+              </a:rPr>
               <a:t>Statement s = </a:t>
             </a:r>
             <a:r>
-              <a:rPr lang="en-US" altLang="en-US" b="1" dirty="0" err="1"/>
+              <a:rPr lang="en-US" altLang="en-US" b="1" dirty="0" err="1">
+                <a:highlight>
+                  <a:srgbClr val="FFFF00"/>
+                </a:highlight>
+              </a:rPr>
               <a:t>c.createStatement</a:t>
             </a:r>
             <a:r>
-              <a:rPr lang="en-US" altLang="en-US" b="1" dirty="0"/>
+              <a:rPr lang="en-US" altLang="en-US" b="1" dirty="0">
+                <a:highlight>
+                  <a:srgbClr val="FFFF00"/>
+                </a:highlight>
+              </a:rPr>
               <a:t>();</a:t>
             </a:r>
           </a:p>
